--- a/EXCEPTION HANDLERS/EXCEPTION HANDLERS.pptx
+++ b/EXCEPTION HANDLERS/EXCEPTION HANDLERS.pptx
@@ -1,33 +1,33 @@
 
 <file path=ppt/presentation.xml><?xml version="1.0" encoding="utf-8"?>
-<p:presentation xmlns:a="http://schemas.openxmlformats.org/drawingml/2006/main" xmlns:r="http://schemas.openxmlformats.org/officeDocument/2006/relationships" xmlns:mc="http://schemas.openxmlformats.org/markup-compatibility/2006" xmlns:mv="urn:schemas-microsoft-com:mac:vml" xmlns:p="http://schemas.openxmlformats.org/presentationml/2006/main" xmlns:c="http://schemas.openxmlformats.org/drawingml/2006/chart" xmlns:dgm="http://schemas.openxmlformats.org/drawingml/2006/diagram" xmlns:o="urn:schemas-microsoft-com:office:office" xmlns:v="urn:schemas-microsoft-com:vml" xmlns:pvml="urn:schemas-microsoft-com:office:powerpoint" xmlns:com="http://schemas.openxmlformats.org/drawingml/2006/compatibility" xmlns:p14="http://schemas.microsoft.com/office/powerpoint/2010/main" xmlns:p15="http://schemas.microsoft.com/office/powerpoint/2012/main" xmlns:ahyp="http://schemas.microsoft.com/office/drawing/2018/hyperlinkcolor" autoCompressPictures="0" strictFirstAndLastChars="0" saveSubsetFonts="1">
+<p:presentation xmlns:a="http://schemas.openxmlformats.org/drawingml/2006/main" xmlns:r="http://schemas.openxmlformats.org/officeDocument/2006/relationships" xmlns:p="http://schemas.openxmlformats.org/presentationml/2006/main" strictFirstAndLastChars="0" saveSubsetFonts="1" autoCompressPictures="0">
   <p:sldMasterIdLst>
-    <p:sldMasterId id="2147483659" r:id="rId4"/>
+    <p:sldMasterId id="2147483659" r:id="rId1"/>
   </p:sldMasterIdLst>
   <p:notesMasterIdLst>
-    <p:notesMasterId r:id="rId5"/>
+    <p:notesMasterId r:id="rId17"/>
   </p:notesMasterIdLst>
   <p:sldIdLst>
-    <p:sldId id="256" r:id="rId6"/>
-    <p:sldId id="257" r:id="rId7"/>
-    <p:sldId id="258" r:id="rId8"/>
-    <p:sldId id="259" r:id="rId9"/>
-    <p:sldId id="260" r:id="rId10"/>
-    <p:sldId id="261" r:id="rId11"/>
-    <p:sldId id="262" r:id="rId12"/>
-    <p:sldId id="263" r:id="rId13"/>
-    <p:sldId id="264" r:id="rId14"/>
-    <p:sldId id="265" r:id="rId15"/>
-    <p:sldId id="266" r:id="rId16"/>
-    <p:sldId id="267" r:id="rId17"/>
-    <p:sldId id="268" r:id="rId18"/>
-    <p:sldId id="269" r:id="rId19"/>
-    <p:sldId id="270" r:id="rId20"/>
+    <p:sldId id="256" r:id="rId2"/>
+    <p:sldId id="257" r:id="rId3"/>
+    <p:sldId id="258" r:id="rId4"/>
+    <p:sldId id="259" r:id="rId5"/>
+    <p:sldId id="260" r:id="rId6"/>
+    <p:sldId id="261" r:id="rId7"/>
+    <p:sldId id="262" r:id="rId8"/>
+    <p:sldId id="263" r:id="rId9"/>
+    <p:sldId id="264" r:id="rId10"/>
+    <p:sldId id="265" r:id="rId11"/>
+    <p:sldId id="266" r:id="rId12"/>
+    <p:sldId id="267" r:id="rId13"/>
+    <p:sldId id="268" r:id="rId14"/>
+    <p:sldId id="269" r:id="rId15"/>
+    <p:sldId id="270" r:id="rId16"/>
   </p:sldIdLst>
-  <p:sldSz cy="5143500" cx="9144000"/>
+  <p:sldSz cx="9144000" cy="5143500" type="screen16x9"/>
   <p:notesSz cx="6858000" cy="9144000"/>
   <p:defaultTextStyle>
-    <a:defPPr lvl="0" marR="0" rtl="0" algn="l">
+    <a:defPPr marR="0" lvl="0" algn="l" rtl="0">
       <a:lnSpc>
         <a:spcPct val="100000"/>
       </a:lnSpc>
@@ -38,7 +38,7 @@
         <a:spcPts val="0"/>
       </a:spcAft>
     </a:defPPr>
-    <a:lvl1pPr lvl="0" marR="0" rtl="0" algn="l">
+    <a:lvl1pPr marR="0" lvl="0" algn="l" rtl="0">
       <a:lnSpc>
         <a:spcPct val="100000"/>
       </a:lnSpc>
@@ -52,7 +52,7 @@
         <a:srgbClr val="000000"/>
       </a:buClr>
       <a:buFont typeface="Arial"/>
-      <a:defRPr b="0" i="0" sz="1400" u="none" cap="none" strike="noStrike">
+      <a:defRPr sz="1400" b="0" i="0" u="none" strike="noStrike" cap="none">
         <a:solidFill>
           <a:srgbClr val="000000"/>
         </a:solidFill>
@@ -62,7 +62,7 @@
         <a:sym typeface="Arial"/>
       </a:defRPr>
     </a:lvl1pPr>
-    <a:lvl2pPr lvl="1" marR="0" rtl="0" algn="l">
+    <a:lvl2pPr marR="0" lvl="1" algn="l" rtl="0">
       <a:lnSpc>
         <a:spcPct val="100000"/>
       </a:lnSpc>
@@ -76,7 +76,7 @@
         <a:srgbClr val="000000"/>
       </a:buClr>
       <a:buFont typeface="Arial"/>
-      <a:defRPr b="0" i="0" sz="1400" u="none" cap="none" strike="noStrike">
+      <a:defRPr sz="1400" b="0" i="0" u="none" strike="noStrike" cap="none">
         <a:solidFill>
           <a:srgbClr val="000000"/>
         </a:solidFill>
@@ -86,7 +86,7 @@
         <a:sym typeface="Arial"/>
       </a:defRPr>
     </a:lvl2pPr>
-    <a:lvl3pPr lvl="2" marR="0" rtl="0" algn="l">
+    <a:lvl3pPr marR="0" lvl="2" algn="l" rtl="0">
       <a:lnSpc>
         <a:spcPct val="100000"/>
       </a:lnSpc>
@@ -100,7 +100,7 @@
         <a:srgbClr val="000000"/>
       </a:buClr>
       <a:buFont typeface="Arial"/>
-      <a:defRPr b="0" i="0" sz="1400" u="none" cap="none" strike="noStrike">
+      <a:defRPr sz="1400" b="0" i="0" u="none" strike="noStrike" cap="none">
         <a:solidFill>
           <a:srgbClr val="000000"/>
         </a:solidFill>
@@ -110,7 +110,7 @@
         <a:sym typeface="Arial"/>
       </a:defRPr>
     </a:lvl3pPr>
-    <a:lvl4pPr lvl="3" marR="0" rtl="0" algn="l">
+    <a:lvl4pPr marR="0" lvl="3" algn="l" rtl="0">
       <a:lnSpc>
         <a:spcPct val="100000"/>
       </a:lnSpc>
@@ -124,7 +124,7 @@
         <a:srgbClr val="000000"/>
       </a:buClr>
       <a:buFont typeface="Arial"/>
-      <a:defRPr b="0" i="0" sz="1400" u="none" cap="none" strike="noStrike">
+      <a:defRPr sz="1400" b="0" i="0" u="none" strike="noStrike" cap="none">
         <a:solidFill>
           <a:srgbClr val="000000"/>
         </a:solidFill>
@@ -134,7 +134,7 @@
         <a:sym typeface="Arial"/>
       </a:defRPr>
     </a:lvl4pPr>
-    <a:lvl5pPr lvl="4" marR="0" rtl="0" algn="l">
+    <a:lvl5pPr marR="0" lvl="4" algn="l" rtl="0">
       <a:lnSpc>
         <a:spcPct val="100000"/>
       </a:lnSpc>
@@ -148,7 +148,7 @@
         <a:srgbClr val="000000"/>
       </a:buClr>
       <a:buFont typeface="Arial"/>
-      <a:defRPr b="0" i="0" sz="1400" u="none" cap="none" strike="noStrike">
+      <a:defRPr sz="1400" b="0" i="0" u="none" strike="noStrike" cap="none">
         <a:solidFill>
           <a:srgbClr val="000000"/>
         </a:solidFill>
@@ -158,7 +158,7 @@
         <a:sym typeface="Arial"/>
       </a:defRPr>
     </a:lvl5pPr>
-    <a:lvl6pPr lvl="5" marR="0" rtl="0" algn="l">
+    <a:lvl6pPr marR="0" lvl="5" algn="l" rtl="0">
       <a:lnSpc>
         <a:spcPct val="100000"/>
       </a:lnSpc>
@@ -172,7 +172,7 @@
         <a:srgbClr val="000000"/>
       </a:buClr>
       <a:buFont typeface="Arial"/>
-      <a:defRPr b="0" i="0" sz="1400" u="none" cap="none" strike="noStrike">
+      <a:defRPr sz="1400" b="0" i="0" u="none" strike="noStrike" cap="none">
         <a:solidFill>
           <a:srgbClr val="000000"/>
         </a:solidFill>
@@ -182,7 +182,7 @@
         <a:sym typeface="Arial"/>
       </a:defRPr>
     </a:lvl6pPr>
-    <a:lvl7pPr lvl="6" marR="0" rtl="0" algn="l">
+    <a:lvl7pPr marR="0" lvl="6" algn="l" rtl="0">
       <a:lnSpc>
         <a:spcPct val="100000"/>
       </a:lnSpc>
@@ -196,7 +196,7 @@
         <a:srgbClr val="000000"/>
       </a:buClr>
       <a:buFont typeface="Arial"/>
-      <a:defRPr b="0" i="0" sz="1400" u="none" cap="none" strike="noStrike">
+      <a:defRPr sz="1400" b="0" i="0" u="none" strike="noStrike" cap="none">
         <a:solidFill>
           <a:srgbClr val="000000"/>
         </a:solidFill>
@@ -206,7 +206,7 @@
         <a:sym typeface="Arial"/>
       </a:defRPr>
     </a:lvl7pPr>
-    <a:lvl8pPr lvl="7" marR="0" rtl="0" algn="l">
+    <a:lvl8pPr marR="0" lvl="7" algn="l" rtl="0">
       <a:lnSpc>
         <a:spcPct val="100000"/>
       </a:lnSpc>
@@ -220,7 +220,7 @@
         <a:srgbClr val="000000"/>
       </a:buClr>
       <a:buFont typeface="Arial"/>
-      <a:defRPr b="0" i="0" sz="1400" u="none" cap="none" strike="noStrike">
+      <a:defRPr sz="1400" b="0" i="0" u="none" strike="noStrike" cap="none">
         <a:solidFill>
           <a:srgbClr val="000000"/>
         </a:solidFill>
@@ -230,7 +230,7 @@
         <a:sym typeface="Arial"/>
       </a:defRPr>
     </a:lvl8pPr>
-    <a:lvl9pPr lvl="8" marR="0" rtl="0" algn="l">
+    <a:lvl9pPr marR="0" lvl="8" algn="l" rtl="0">
       <a:lnSpc>
         <a:spcPct val="100000"/>
       </a:lnSpc>
@@ -244,7 +244,7 @@
         <a:srgbClr val="000000"/>
       </a:buClr>
       <a:buFont typeface="Arial"/>
-      <a:defRPr b="0" i="0" sz="1400" u="none" cap="none" strike="noStrike">
+      <a:defRPr sz="1400" b="0" i="0" u="none" strike="noStrike" cap="none">
         <a:solidFill>
           <a:srgbClr val="000000"/>
         </a:solidFill>
@@ -257,7 +257,7 @@
   </p:defaultTextStyle>
   <p:extLst>
     <p:ext uri="{EFAFB233-063F-42B5-8137-9DF3F51BA10A}">
-      <p15:sldGuideLst>
+      <p15:sldGuideLst xmlns:ahyp="http://schemas.microsoft.com/office/drawing/2018/hyperlinkcolor" xmlns:p15="http://schemas.microsoft.com/office/powerpoint/2012/main" xmlns:p14="http://schemas.microsoft.com/office/powerpoint/2010/main" xmlns:com="http://schemas.openxmlformats.org/drawingml/2006/compatibility" xmlns:pvml="urn:schemas-microsoft-com:office:powerpoint" xmlns:v="urn:schemas-microsoft-com:vml" xmlns:o="urn:schemas-microsoft-com:office:office" xmlns:dgm="http://schemas.openxmlformats.org/drawingml/2006/diagram" xmlns:c="http://schemas.openxmlformats.org/drawingml/2006/chart" xmlns:mv="urn:schemas-microsoft-com:mac:vml" xmlns:mc="http://schemas.openxmlformats.org/markup-compatibility/2006" xmlns="">
         <p15:guide id="1" orient="horz" pos="1620">
           <p15:clr>
             <a:srgbClr val="A4A3A4"/>
@@ -275,11 +275,16 @@
 </file>
 
 <file path=ppt/notesMasters/notesMaster1.xml><?xml version="1.0" encoding="utf-8"?>
-<p:notesMaster xmlns:a="http://schemas.openxmlformats.org/drawingml/2006/main" xmlns:r="http://schemas.openxmlformats.org/officeDocument/2006/relationships" xmlns:mc="http://schemas.openxmlformats.org/markup-compatibility/2006" xmlns:mv="urn:schemas-microsoft-com:mac:vml" xmlns:p="http://schemas.openxmlformats.org/presentationml/2006/main" xmlns:c="http://schemas.openxmlformats.org/drawingml/2006/chart" xmlns:dgm="http://schemas.openxmlformats.org/drawingml/2006/diagram" xmlns:o="urn:schemas-microsoft-com:office:office" xmlns:v="urn:schemas-microsoft-com:vml" xmlns:pvml="urn:schemas-microsoft-com:office:powerpoint" xmlns:com="http://schemas.openxmlformats.org/drawingml/2006/compatibility" xmlns:p14="http://schemas.microsoft.com/office/powerpoint/2010/main" xmlns:p15="http://schemas.microsoft.com/office/powerpoint/2012/main" xmlns:ahyp="http://schemas.microsoft.com/office/drawing/2018/hyperlinkcolor">
+<p:notesMaster xmlns:a="http://schemas.openxmlformats.org/drawingml/2006/main" xmlns:r="http://schemas.openxmlformats.org/officeDocument/2006/relationships" xmlns:p="http://schemas.openxmlformats.org/presentationml/2006/main">
   <p:cSld>
+    <p:bg>
+      <p:bgRef idx="1001">
+        <a:schemeClr val="bg1"/>
+      </p:bgRef>
+    </p:bg>
     <p:spTree>
       <p:nvGrpSpPr>
-        <p:cNvPr id="2" name="Shape 2"/>
+        <p:cNvPr id="1" name="Shape 2"/>
         <p:cNvGrpSpPr/>
         <p:nvPr/>
       </p:nvGrpSpPr>
@@ -294,9 +299,11 @@
       <p:sp>
         <p:nvSpPr>
           <p:cNvPr id="3" name="Google Shape;3;n"/>
-          <p:cNvSpPr/>
+          <p:cNvSpPr>
+            <a:spLocks noGrp="1" noRot="1" noChangeAspect="1"/>
+          </p:cNvSpPr>
           <p:nvPr>
-            <p:ph idx="2" type="sldImg"/>
+            <p:ph type="sldImg" idx="2"/>
           </p:nvPr>
         </p:nvSpPr>
         <p:spPr>
@@ -305,9 +312,13 @@
             <a:ext cx="6096075" cy="3429000"/>
           </a:xfrm>
           <a:custGeom>
-            <a:rect b="b" l="l" r="r" t="t"/>
+            <a:avLst/>
+            <a:gdLst/>
+            <a:ahLst/>
+            <a:cxnLst/>
+            <a:rect l="l" t="t" r="r" b="b"/>
             <a:pathLst>
-              <a:path extrusionOk="0" h="120000" w="120000">
+              <a:path w="120000" h="120000" extrusionOk="0">
                 <a:moveTo>
                   <a:pt x="0" y="0"/>
                 </a:moveTo>
@@ -325,23 +336,25 @@
             </a:pathLst>
           </a:custGeom>
           <a:noFill/>
-          <a:ln cap="flat" cmpd="sng" w="9525">
+          <a:ln w="9525" cap="flat" cmpd="sng">
             <a:solidFill>
               <a:srgbClr val="000000"/>
             </a:solidFill>
             <a:prstDash val="solid"/>
             <a:round/>
-            <a:headEnd len="sm" w="sm" type="none"/>
-            <a:tailEnd len="sm" w="sm" type="none"/>
+            <a:headEnd type="none" w="sm" len="sm"/>
+            <a:tailEnd type="none" w="sm" len="sm"/>
           </a:ln>
         </p:spPr>
       </p:sp>
       <p:sp>
         <p:nvSpPr>
           <p:cNvPr id="4" name="Google Shape;4;n"/>
-          <p:cNvSpPr txBox="1"/>
+          <p:cNvSpPr txBox="1">
+            <a:spLocks noGrp="1"/>
+          </p:cNvSpPr>
           <p:nvPr>
-            <p:ph idx="1" type="body"/>
+            <p:ph type="body" idx="1"/>
           </p:nvPr>
         </p:nvSpPr>
         <p:spPr>
@@ -358,11 +371,11 @@
           </a:ln>
         </p:spPr>
         <p:txBody>
-          <a:bodyPr anchorCtr="0" anchor="t" bIns="91425" lIns="91425" spcFirstLastPara="1" rIns="91425" wrap="square" tIns="91425">
+          <a:bodyPr spcFirstLastPara="1" wrap="square" lIns="91425" tIns="91425" rIns="91425" bIns="91425" anchor="t" anchorCtr="0">
             <a:noAutofit/>
           </a:bodyPr>
           <a:lstStyle>
-            <a:lvl1pPr indent="-298450" lvl="0" marL="457200">
+            <a:lvl1pPr marL="457200" lvl="0" indent="-298450">
               <a:spcBef>
                 <a:spcPts val="0"/>
               </a:spcBef>
@@ -373,7 +386,7 @@
               <a:buChar char="●"/>
               <a:defRPr sz="1100"/>
             </a:lvl1pPr>
-            <a:lvl2pPr indent="-298450" lvl="1" marL="914400">
+            <a:lvl2pPr marL="914400" lvl="1" indent="-298450">
               <a:spcBef>
                 <a:spcPts val="0"/>
               </a:spcBef>
@@ -384,7 +397,7 @@
               <a:buChar char="○"/>
               <a:defRPr sz="1100"/>
             </a:lvl2pPr>
-            <a:lvl3pPr indent="-298450" lvl="2" marL="1371600">
+            <a:lvl3pPr marL="1371600" lvl="2" indent="-298450">
               <a:spcBef>
                 <a:spcPts val="0"/>
               </a:spcBef>
@@ -395,7 +408,7 @@
               <a:buChar char="■"/>
               <a:defRPr sz="1100"/>
             </a:lvl3pPr>
-            <a:lvl4pPr indent="-298450" lvl="3" marL="1828800">
+            <a:lvl4pPr marL="1828800" lvl="3" indent="-298450">
               <a:spcBef>
                 <a:spcPts val="0"/>
               </a:spcBef>
@@ -406,7 +419,7 @@
               <a:buChar char="●"/>
               <a:defRPr sz="1100"/>
             </a:lvl4pPr>
-            <a:lvl5pPr indent="-298450" lvl="4" marL="2286000">
+            <a:lvl5pPr marL="2286000" lvl="4" indent="-298450">
               <a:spcBef>
                 <a:spcPts val="0"/>
               </a:spcBef>
@@ -417,7 +430,7 @@
               <a:buChar char="○"/>
               <a:defRPr sz="1100"/>
             </a:lvl5pPr>
-            <a:lvl6pPr indent="-298450" lvl="5" marL="2743200">
+            <a:lvl6pPr marL="2743200" lvl="5" indent="-298450">
               <a:spcBef>
                 <a:spcPts val="0"/>
               </a:spcBef>
@@ -428,7 +441,7 @@
               <a:buChar char="■"/>
               <a:defRPr sz="1100"/>
             </a:lvl6pPr>
-            <a:lvl7pPr indent="-298450" lvl="6" marL="3200400">
+            <a:lvl7pPr marL="3200400" lvl="6" indent="-298450">
               <a:spcBef>
                 <a:spcPts val="0"/>
               </a:spcBef>
@@ -439,7 +452,7 @@
               <a:buChar char="●"/>
               <a:defRPr sz="1100"/>
             </a:lvl7pPr>
-            <a:lvl8pPr indent="-298450" lvl="7" marL="3657600">
+            <a:lvl8pPr marL="3657600" lvl="7" indent="-298450">
               <a:spcBef>
                 <a:spcPts val="0"/>
               </a:spcBef>
@@ -450,7 +463,7 @@
               <a:buChar char="○"/>
               <a:defRPr sz="1100"/>
             </a:lvl8pPr>
-            <a:lvl9pPr indent="-298450" lvl="8" marL="4114800">
+            <a:lvl9pPr marL="4114800" lvl="8" indent="-298450">
               <a:spcBef>
                 <a:spcPts val="0"/>
               </a:spcBef>
@@ -462,14 +475,16 @@
               <a:defRPr sz="1100"/>
             </a:lvl9pPr>
           </a:lstStyle>
-          <a:p/>
+          <a:p>
+            <a:endParaRPr/>
+          </a:p>
         </p:txBody>
       </p:sp>
     </p:spTree>
   </p:cSld>
-  <p:clrMap accent1="accent1" accent2="accent2" accent3="accent3" accent4="accent4" accent5="accent5" accent6="accent6" bg1="lt1" bg2="dk2" tx1="dk1" tx2="lt2" folHlink="folHlink" hlink="hlink"/>
+  <p:clrMap bg1="lt1" tx1="dk1" bg2="dk2" tx2="lt2" accent1="accent1" accent2="accent2" accent3="accent3" accent4="accent4" accent5="accent5" accent6="accent6" hlink="hlink" folHlink="folHlink"/>
   <p:notesStyle>
-    <a:defPPr lvl="0" marR="0" rtl="0" algn="l">
+    <a:defPPr marR="0" lvl="0" algn="l" rtl="0">
       <a:lnSpc>
         <a:spcPct val="100000"/>
       </a:lnSpc>
@@ -480,7 +495,7 @@
         <a:spcPts val="0"/>
       </a:spcAft>
     </a:defPPr>
-    <a:lvl1pPr lvl="0" marR="0" rtl="0" algn="l">
+    <a:lvl1pPr marR="0" lvl="0" algn="l" rtl="0">
       <a:lnSpc>
         <a:spcPct val="100000"/>
       </a:lnSpc>
@@ -494,7 +509,7 @@
         <a:srgbClr val="000000"/>
       </a:buClr>
       <a:buFont typeface="Arial"/>
-      <a:defRPr b="0" i="0" sz="1400" u="none" cap="none" strike="noStrike">
+      <a:defRPr sz="1400" b="0" i="0" u="none" strike="noStrike" cap="none">
         <a:solidFill>
           <a:srgbClr val="000000"/>
         </a:solidFill>
@@ -504,7 +519,7 @@
         <a:sym typeface="Arial"/>
       </a:defRPr>
     </a:lvl1pPr>
-    <a:lvl2pPr lvl="1" marR="0" rtl="0" algn="l">
+    <a:lvl2pPr marR="0" lvl="1" algn="l" rtl="0">
       <a:lnSpc>
         <a:spcPct val="100000"/>
       </a:lnSpc>
@@ -518,7 +533,7 @@
         <a:srgbClr val="000000"/>
       </a:buClr>
       <a:buFont typeface="Arial"/>
-      <a:defRPr b="0" i="0" sz="1400" u="none" cap="none" strike="noStrike">
+      <a:defRPr sz="1400" b="0" i="0" u="none" strike="noStrike" cap="none">
         <a:solidFill>
           <a:srgbClr val="000000"/>
         </a:solidFill>
@@ -528,7 +543,7 @@
         <a:sym typeface="Arial"/>
       </a:defRPr>
     </a:lvl2pPr>
-    <a:lvl3pPr lvl="2" marR="0" rtl="0" algn="l">
+    <a:lvl3pPr marR="0" lvl="2" algn="l" rtl="0">
       <a:lnSpc>
         <a:spcPct val="100000"/>
       </a:lnSpc>
@@ -542,7 +557,7 @@
         <a:srgbClr val="000000"/>
       </a:buClr>
       <a:buFont typeface="Arial"/>
-      <a:defRPr b="0" i="0" sz="1400" u="none" cap="none" strike="noStrike">
+      <a:defRPr sz="1400" b="0" i="0" u="none" strike="noStrike" cap="none">
         <a:solidFill>
           <a:srgbClr val="000000"/>
         </a:solidFill>
@@ -552,7 +567,7 @@
         <a:sym typeface="Arial"/>
       </a:defRPr>
     </a:lvl3pPr>
-    <a:lvl4pPr lvl="3" marR="0" rtl="0" algn="l">
+    <a:lvl4pPr marR="0" lvl="3" algn="l" rtl="0">
       <a:lnSpc>
         <a:spcPct val="100000"/>
       </a:lnSpc>
@@ -566,7 +581,7 @@
         <a:srgbClr val="000000"/>
       </a:buClr>
       <a:buFont typeface="Arial"/>
-      <a:defRPr b="0" i="0" sz="1400" u="none" cap="none" strike="noStrike">
+      <a:defRPr sz="1400" b="0" i="0" u="none" strike="noStrike" cap="none">
         <a:solidFill>
           <a:srgbClr val="000000"/>
         </a:solidFill>
@@ -576,7 +591,7 @@
         <a:sym typeface="Arial"/>
       </a:defRPr>
     </a:lvl4pPr>
-    <a:lvl5pPr lvl="4" marR="0" rtl="0" algn="l">
+    <a:lvl5pPr marR="0" lvl="4" algn="l" rtl="0">
       <a:lnSpc>
         <a:spcPct val="100000"/>
       </a:lnSpc>
@@ -590,7 +605,7 @@
         <a:srgbClr val="000000"/>
       </a:buClr>
       <a:buFont typeface="Arial"/>
-      <a:defRPr b="0" i="0" sz="1400" u="none" cap="none" strike="noStrike">
+      <a:defRPr sz="1400" b="0" i="0" u="none" strike="noStrike" cap="none">
         <a:solidFill>
           <a:srgbClr val="000000"/>
         </a:solidFill>
@@ -600,7 +615,7 @@
         <a:sym typeface="Arial"/>
       </a:defRPr>
     </a:lvl5pPr>
-    <a:lvl6pPr lvl="5" marR="0" rtl="0" algn="l">
+    <a:lvl6pPr marR="0" lvl="5" algn="l" rtl="0">
       <a:lnSpc>
         <a:spcPct val="100000"/>
       </a:lnSpc>
@@ -614,7 +629,7 @@
         <a:srgbClr val="000000"/>
       </a:buClr>
       <a:buFont typeface="Arial"/>
-      <a:defRPr b="0" i="0" sz="1400" u="none" cap="none" strike="noStrike">
+      <a:defRPr sz="1400" b="0" i="0" u="none" strike="noStrike" cap="none">
         <a:solidFill>
           <a:srgbClr val="000000"/>
         </a:solidFill>
@@ -624,7 +639,7 @@
         <a:sym typeface="Arial"/>
       </a:defRPr>
     </a:lvl6pPr>
-    <a:lvl7pPr lvl="6" marR="0" rtl="0" algn="l">
+    <a:lvl7pPr marR="0" lvl="6" algn="l" rtl="0">
       <a:lnSpc>
         <a:spcPct val="100000"/>
       </a:lnSpc>
@@ -638,7 +653,7 @@
         <a:srgbClr val="000000"/>
       </a:buClr>
       <a:buFont typeface="Arial"/>
-      <a:defRPr b="0" i="0" sz="1400" u="none" cap="none" strike="noStrike">
+      <a:defRPr sz="1400" b="0" i="0" u="none" strike="noStrike" cap="none">
         <a:solidFill>
           <a:srgbClr val="000000"/>
         </a:solidFill>
@@ -648,7 +663,7 @@
         <a:sym typeface="Arial"/>
       </a:defRPr>
     </a:lvl7pPr>
-    <a:lvl8pPr lvl="7" marR="0" rtl="0" algn="l">
+    <a:lvl8pPr marR="0" lvl="7" algn="l" rtl="0">
       <a:lnSpc>
         <a:spcPct val="100000"/>
       </a:lnSpc>
@@ -662,7 +677,7 @@
         <a:srgbClr val="000000"/>
       </a:buClr>
       <a:buFont typeface="Arial"/>
-      <a:defRPr b="0" i="0" sz="1400" u="none" cap="none" strike="noStrike">
+      <a:defRPr sz="1400" b="0" i="0" u="none" strike="noStrike" cap="none">
         <a:solidFill>
           <a:srgbClr val="000000"/>
         </a:solidFill>
@@ -672,7 +687,7 @@
         <a:sym typeface="Arial"/>
       </a:defRPr>
     </a:lvl8pPr>
-    <a:lvl9pPr lvl="8" marR="0" rtl="0" algn="l">
+    <a:lvl9pPr marR="0" lvl="8" algn="l" rtl="0">
       <a:lnSpc>
         <a:spcPct val="100000"/>
       </a:lnSpc>
@@ -686,7 +701,7 @@
         <a:srgbClr val="000000"/>
       </a:buClr>
       <a:buFont typeface="Arial"/>
-      <a:defRPr b="0" i="0" sz="1400" u="none" cap="none" strike="noStrike">
+      <a:defRPr sz="1400" b="0" i="0" u="none" strike="noStrike" cap="none">
         <a:solidFill>
           <a:srgbClr val="000000"/>
         </a:solidFill>
@@ -701,11 +716,11 @@
 </file>
 
 <file path=ppt/notesSlides/notesSlide1.xml><?xml version="1.0" encoding="utf-8"?>
-<p:notes xmlns:a="http://schemas.openxmlformats.org/drawingml/2006/main" xmlns:r="http://schemas.openxmlformats.org/officeDocument/2006/relationships" xmlns:mc="http://schemas.openxmlformats.org/markup-compatibility/2006" xmlns:mv="urn:schemas-microsoft-com:mac:vml" xmlns:p="http://schemas.openxmlformats.org/presentationml/2006/main" xmlns:c="http://schemas.openxmlformats.org/drawingml/2006/chart" xmlns:dgm="http://schemas.openxmlformats.org/drawingml/2006/diagram" xmlns:o="urn:schemas-microsoft-com:office:office" xmlns:v="urn:schemas-microsoft-com:vml" xmlns:pvml="urn:schemas-microsoft-com:office:powerpoint" xmlns:com="http://schemas.openxmlformats.org/drawingml/2006/compatibility" xmlns:p14="http://schemas.microsoft.com/office/powerpoint/2010/main" xmlns:p15="http://schemas.microsoft.com/office/powerpoint/2012/main" xmlns:ahyp="http://schemas.microsoft.com/office/drawing/2018/hyperlinkcolor" showMasterPhAnim="0" showMasterSp="0">
+<p:notes xmlns:a="http://schemas.openxmlformats.org/drawingml/2006/main" xmlns:r="http://schemas.openxmlformats.org/officeDocument/2006/relationships" xmlns:p="http://schemas.openxmlformats.org/presentationml/2006/main" showMasterSp="0" showMasterPhAnim="0">
   <p:cSld>
     <p:spTree>
       <p:nvGrpSpPr>
-        <p:cNvPr id="50" name="Shape 50"/>
+        <p:cNvPr id="1" name="Shape 50"/>
         <p:cNvGrpSpPr/>
         <p:nvPr/>
       </p:nvGrpSpPr>
@@ -720,9 +735,11 @@
       <p:sp>
         <p:nvSpPr>
           <p:cNvPr id="51" name="Google Shape;51;p:notes"/>
-          <p:cNvSpPr/>
+          <p:cNvSpPr>
+            <a:spLocks noGrp="1" noRot="1" noChangeAspect="1"/>
+          </p:cNvSpPr>
           <p:nvPr>
-            <p:ph idx="2" type="sldImg"/>
+            <p:ph type="sldImg" idx="2"/>
           </p:nvPr>
         </p:nvSpPr>
         <p:spPr>
@@ -731,9 +748,13 @@
             <a:ext cx="6096075" cy="3429000"/>
           </a:xfrm>
           <a:custGeom>
-            <a:rect b="b" l="l" r="r" t="t"/>
+            <a:avLst/>
+            <a:gdLst/>
+            <a:ahLst/>
+            <a:cxnLst/>
+            <a:rect l="l" t="t" r="r" b="b"/>
             <a:pathLst>
-              <a:path extrusionOk="0" h="120000" w="120000">
+              <a:path w="120000" h="120000" extrusionOk="0">
                 <a:moveTo>
                   <a:pt x="0" y="0"/>
                 </a:moveTo>
@@ -755,9 +776,11 @@
       <p:sp>
         <p:nvSpPr>
           <p:cNvPr id="52" name="Google Shape;52;p:notes"/>
-          <p:cNvSpPr txBox="1"/>
+          <p:cNvSpPr txBox="1">
+            <a:spLocks noGrp="1"/>
+          </p:cNvSpPr>
           <p:nvPr>
-            <p:ph idx="1" type="body"/>
+            <p:ph type="body" idx="1"/>
           </p:nvPr>
         </p:nvSpPr>
         <p:spPr>
@@ -770,12 +793,12 @@
           </a:prstGeom>
         </p:spPr>
         <p:txBody>
-          <a:bodyPr anchorCtr="0" anchor="t" bIns="91425" lIns="91425" spcFirstLastPara="1" rIns="91425" wrap="square" tIns="91425">
+          <a:bodyPr spcFirstLastPara="1" wrap="square" lIns="91425" tIns="91425" rIns="91425" bIns="91425" anchor="t" anchorCtr="0">
             <a:noAutofit/>
           </a:bodyPr>
           <a:lstStyle/>
           <a:p>
-            <a:pPr indent="0" lvl="0" marL="0" rtl="0" algn="l">
+            <a:pPr marL="0" lvl="0" indent="0" algn="l" rtl="0">
               <a:spcBef>
                 <a:spcPts val="0"/>
               </a:spcBef>
@@ -784,9 +807,6 @@
               </a:spcAft>
               <a:buNone/>
             </a:pPr>
-            <a:r>
-              <a:t/>
-            </a:r>
             <a:endParaRPr/>
           </a:p>
         </p:txBody>
@@ -800,11 +820,11 @@
 </file>
 
 <file path=ppt/notesSlides/notesSlide10.xml><?xml version="1.0" encoding="utf-8"?>
-<p:notes xmlns:a="http://schemas.openxmlformats.org/drawingml/2006/main" xmlns:r="http://schemas.openxmlformats.org/officeDocument/2006/relationships" xmlns:mc="http://schemas.openxmlformats.org/markup-compatibility/2006" xmlns:mv="urn:schemas-microsoft-com:mac:vml" xmlns:p="http://schemas.openxmlformats.org/presentationml/2006/main" xmlns:c="http://schemas.openxmlformats.org/drawingml/2006/chart" xmlns:dgm="http://schemas.openxmlformats.org/drawingml/2006/diagram" xmlns:o="urn:schemas-microsoft-com:office:office" xmlns:v="urn:schemas-microsoft-com:vml" xmlns:pvml="urn:schemas-microsoft-com:office:powerpoint" xmlns:com="http://schemas.openxmlformats.org/drawingml/2006/compatibility" xmlns:p14="http://schemas.microsoft.com/office/powerpoint/2010/main" xmlns:p15="http://schemas.microsoft.com/office/powerpoint/2012/main" xmlns:ahyp="http://schemas.microsoft.com/office/drawing/2018/hyperlinkcolor" showMasterPhAnim="0" showMasterSp="0">
+<p:notes xmlns:a="http://schemas.openxmlformats.org/drawingml/2006/main" xmlns:r="http://schemas.openxmlformats.org/officeDocument/2006/relationships" xmlns:p="http://schemas.openxmlformats.org/presentationml/2006/main" showMasterSp="0" showMasterPhAnim="0">
   <p:cSld>
     <p:spTree>
       <p:nvGrpSpPr>
-        <p:cNvPr id="129" name="Shape 129"/>
+        <p:cNvPr id="1" name="Shape 129"/>
         <p:cNvGrpSpPr/>
         <p:nvPr/>
       </p:nvGrpSpPr>
@@ -819,9 +839,11 @@
       <p:sp>
         <p:nvSpPr>
           <p:cNvPr id="130" name="Google Shape;130;gd72b13923d_0_42:notes"/>
-          <p:cNvSpPr/>
+          <p:cNvSpPr>
+            <a:spLocks noGrp="1" noRot="1" noChangeAspect="1"/>
+          </p:cNvSpPr>
           <p:nvPr>
-            <p:ph idx="2" type="sldImg"/>
+            <p:ph type="sldImg" idx="2"/>
           </p:nvPr>
         </p:nvSpPr>
         <p:spPr>
@@ -830,9 +852,13 @@
             <a:ext cx="6096000" cy="3429000"/>
           </a:xfrm>
           <a:custGeom>
-            <a:rect b="b" l="l" r="r" t="t"/>
+            <a:avLst/>
+            <a:gdLst/>
+            <a:ahLst/>
+            <a:cxnLst/>
+            <a:rect l="l" t="t" r="r" b="b"/>
             <a:pathLst>
-              <a:path extrusionOk="0" h="120000" w="120000">
+              <a:path w="120000" h="120000" extrusionOk="0">
                 <a:moveTo>
                   <a:pt x="0" y="0"/>
                 </a:moveTo>
@@ -854,9 +880,11 @@
       <p:sp>
         <p:nvSpPr>
           <p:cNvPr id="131" name="Google Shape;131;gd72b13923d_0_42:notes"/>
-          <p:cNvSpPr txBox="1"/>
+          <p:cNvSpPr txBox="1">
+            <a:spLocks noGrp="1"/>
+          </p:cNvSpPr>
           <p:nvPr>
-            <p:ph idx="1" type="body"/>
+            <p:ph type="body" idx="1"/>
           </p:nvPr>
         </p:nvSpPr>
         <p:spPr>
@@ -869,12 +897,12 @@
           </a:prstGeom>
         </p:spPr>
         <p:txBody>
-          <a:bodyPr anchorCtr="0" anchor="t" bIns="91425" lIns="91425" spcFirstLastPara="1" rIns="91425" wrap="square" tIns="91425">
+          <a:bodyPr spcFirstLastPara="1" wrap="square" lIns="91425" tIns="91425" rIns="91425" bIns="91425" anchor="t" anchorCtr="0">
             <a:noAutofit/>
           </a:bodyPr>
           <a:lstStyle/>
           <a:p>
-            <a:pPr indent="0" lvl="0" marL="0" rtl="0" algn="l">
+            <a:pPr marL="0" lvl="0" indent="0" algn="l" rtl="0">
               <a:spcBef>
                 <a:spcPts val="0"/>
               </a:spcBef>
@@ -883,9 +911,6 @@
               </a:spcAft>
               <a:buNone/>
             </a:pPr>
-            <a:r>
-              <a:t/>
-            </a:r>
             <a:endParaRPr/>
           </a:p>
         </p:txBody>
@@ -899,11 +924,11 @@
 </file>
 
 <file path=ppt/notesSlides/notesSlide11.xml><?xml version="1.0" encoding="utf-8"?>
-<p:notes xmlns:a="http://schemas.openxmlformats.org/drawingml/2006/main" xmlns:r="http://schemas.openxmlformats.org/officeDocument/2006/relationships" xmlns:mc="http://schemas.openxmlformats.org/markup-compatibility/2006" xmlns:mv="urn:schemas-microsoft-com:mac:vml" xmlns:p="http://schemas.openxmlformats.org/presentationml/2006/main" xmlns:c="http://schemas.openxmlformats.org/drawingml/2006/chart" xmlns:dgm="http://schemas.openxmlformats.org/drawingml/2006/diagram" xmlns:o="urn:schemas-microsoft-com:office:office" xmlns:v="urn:schemas-microsoft-com:vml" xmlns:pvml="urn:schemas-microsoft-com:office:powerpoint" xmlns:com="http://schemas.openxmlformats.org/drawingml/2006/compatibility" xmlns:p14="http://schemas.microsoft.com/office/powerpoint/2010/main" xmlns:p15="http://schemas.microsoft.com/office/powerpoint/2012/main" xmlns:ahyp="http://schemas.microsoft.com/office/drawing/2018/hyperlinkcolor" showMasterPhAnim="0" showMasterSp="0">
+<p:notes xmlns:a="http://schemas.openxmlformats.org/drawingml/2006/main" xmlns:r="http://schemas.openxmlformats.org/officeDocument/2006/relationships" xmlns:p="http://schemas.openxmlformats.org/presentationml/2006/main" showMasterSp="0" showMasterPhAnim="0">
   <p:cSld>
     <p:spTree>
       <p:nvGrpSpPr>
-        <p:cNvPr id="135" name="Shape 135"/>
+        <p:cNvPr id="1" name="Shape 135"/>
         <p:cNvGrpSpPr/>
         <p:nvPr/>
       </p:nvGrpSpPr>
@@ -918,9 +943,11 @@
       <p:sp>
         <p:nvSpPr>
           <p:cNvPr id="136" name="Google Shape;136;gd72a51e8f0_0_0:notes"/>
-          <p:cNvSpPr/>
+          <p:cNvSpPr>
+            <a:spLocks noGrp="1" noRot="1" noChangeAspect="1"/>
+          </p:cNvSpPr>
           <p:nvPr>
-            <p:ph idx="2" type="sldImg"/>
+            <p:ph type="sldImg" idx="2"/>
           </p:nvPr>
         </p:nvSpPr>
         <p:spPr>
@@ -929,9 +956,13 @@
             <a:ext cx="6096000" cy="3429000"/>
           </a:xfrm>
           <a:custGeom>
-            <a:rect b="b" l="l" r="r" t="t"/>
+            <a:avLst/>
+            <a:gdLst/>
+            <a:ahLst/>
+            <a:cxnLst/>
+            <a:rect l="l" t="t" r="r" b="b"/>
             <a:pathLst>
-              <a:path extrusionOk="0" h="120000" w="120000">
+              <a:path w="120000" h="120000" extrusionOk="0">
                 <a:moveTo>
                   <a:pt x="0" y="0"/>
                 </a:moveTo>
@@ -953,9 +984,11 @@
       <p:sp>
         <p:nvSpPr>
           <p:cNvPr id="137" name="Google Shape;137;gd72a51e8f0_0_0:notes"/>
-          <p:cNvSpPr txBox="1"/>
+          <p:cNvSpPr txBox="1">
+            <a:spLocks noGrp="1"/>
+          </p:cNvSpPr>
           <p:nvPr>
-            <p:ph idx="1" type="body"/>
+            <p:ph type="body" idx="1"/>
           </p:nvPr>
         </p:nvSpPr>
         <p:spPr>
@@ -968,12 +1001,12 @@
           </a:prstGeom>
         </p:spPr>
         <p:txBody>
-          <a:bodyPr anchorCtr="0" anchor="t" bIns="91425" lIns="91425" spcFirstLastPara="1" rIns="91425" wrap="square" tIns="91425">
+          <a:bodyPr spcFirstLastPara="1" wrap="square" lIns="91425" tIns="91425" rIns="91425" bIns="91425" anchor="t" anchorCtr="0">
             <a:noAutofit/>
           </a:bodyPr>
           <a:lstStyle/>
           <a:p>
-            <a:pPr indent="0" lvl="0" marL="0" rtl="0" algn="l">
+            <a:pPr marL="0" lvl="0" indent="0" algn="l" rtl="0">
               <a:spcBef>
                 <a:spcPts val="0"/>
               </a:spcBef>
@@ -982,9 +1015,6 @@
               </a:spcAft>
               <a:buNone/>
             </a:pPr>
-            <a:r>
-              <a:t/>
-            </a:r>
             <a:endParaRPr/>
           </a:p>
         </p:txBody>
@@ -998,11 +1028,11 @@
 </file>
 
 <file path=ppt/notesSlides/notesSlide12.xml><?xml version="1.0" encoding="utf-8"?>
-<p:notes xmlns:a="http://schemas.openxmlformats.org/drawingml/2006/main" xmlns:r="http://schemas.openxmlformats.org/officeDocument/2006/relationships" xmlns:mc="http://schemas.openxmlformats.org/markup-compatibility/2006" xmlns:mv="urn:schemas-microsoft-com:mac:vml" xmlns:p="http://schemas.openxmlformats.org/presentationml/2006/main" xmlns:c="http://schemas.openxmlformats.org/drawingml/2006/chart" xmlns:dgm="http://schemas.openxmlformats.org/drawingml/2006/diagram" xmlns:o="urn:schemas-microsoft-com:office:office" xmlns:v="urn:schemas-microsoft-com:vml" xmlns:pvml="urn:schemas-microsoft-com:office:powerpoint" xmlns:com="http://schemas.openxmlformats.org/drawingml/2006/compatibility" xmlns:p14="http://schemas.microsoft.com/office/powerpoint/2010/main" xmlns:p15="http://schemas.microsoft.com/office/powerpoint/2012/main" xmlns:ahyp="http://schemas.microsoft.com/office/drawing/2018/hyperlinkcolor" showMasterPhAnim="0" showMasterSp="0">
+<p:notes xmlns:a="http://schemas.openxmlformats.org/drawingml/2006/main" xmlns:r="http://schemas.openxmlformats.org/officeDocument/2006/relationships" xmlns:p="http://schemas.openxmlformats.org/presentationml/2006/main" showMasterSp="0" showMasterPhAnim="0">
   <p:cSld>
     <p:spTree>
       <p:nvGrpSpPr>
-        <p:cNvPr id="144" name="Shape 144"/>
+        <p:cNvPr id="1" name="Shape 144"/>
         <p:cNvGrpSpPr/>
         <p:nvPr/>
       </p:nvGrpSpPr>
@@ -1017,9 +1047,11 @@
       <p:sp>
         <p:nvSpPr>
           <p:cNvPr id="145" name="Google Shape;145;gd72a51e8f0_0_13:notes"/>
-          <p:cNvSpPr/>
+          <p:cNvSpPr>
+            <a:spLocks noGrp="1" noRot="1" noChangeAspect="1"/>
+          </p:cNvSpPr>
           <p:nvPr>
-            <p:ph idx="2" type="sldImg"/>
+            <p:ph type="sldImg" idx="2"/>
           </p:nvPr>
         </p:nvSpPr>
         <p:spPr>
@@ -1028,9 +1060,13 @@
             <a:ext cx="6096000" cy="3429000"/>
           </a:xfrm>
           <a:custGeom>
-            <a:rect b="b" l="l" r="r" t="t"/>
+            <a:avLst/>
+            <a:gdLst/>
+            <a:ahLst/>
+            <a:cxnLst/>
+            <a:rect l="l" t="t" r="r" b="b"/>
             <a:pathLst>
-              <a:path extrusionOk="0" h="120000" w="120000">
+              <a:path w="120000" h="120000" extrusionOk="0">
                 <a:moveTo>
                   <a:pt x="0" y="0"/>
                 </a:moveTo>
@@ -1052,9 +1088,11 @@
       <p:sp>
         <p:nvSpPr>
           <p:cNvPr id="146" name="Google Shape;146;gd72a51e8f0_0_13:notes"/>
-          <p:cNvSpPr txBox="1"/>
+          <p:cNvSpPr txBox="1">
+            <a:spLocks noGrp="1"/>
+          </p:cNvSpPr>
           <p:nvPr>
-            <p:ph idx="1" type="body"/>
+            <p:ph type="body" idx="1"/>
           </p:nvPr>
         </p:nvSpPr>
         <p:spPr>
@@ -1067,12 +1105,12 @@
           </a:prstGeom>
         </p:spPr>
         <p:txBody>
-          <a:bodyPr anchorCtr="0" anchor="t" bIns="91425" lIns="91425" spcFirstLastPara="1" rIns="91425" wrap="square" tIns="91425">
+          <a:bodyPr spcFirstLastPara="1" wrap="square" lIns="91425" tIns="91425" rIns="91425" bIns="91425" anchor="t" anchorCtr="0">
             <a:noAutofit/>
           </a:bodyPr>
           <a:lstStyle/>
           <a:p>
-            <a:pPr indent="0" lvl="0" marL="0" rtl="0" algn="l">
+            <a:pPr marL="0" lvl="0" indent="0" algn="l" rtl="0">
               <a:spcBef>
                 <a:spcPts val="0"/>
               </a:spcBef>
@@ -1081,9 +1119,6 @@
               </a:spcAft>
               <a:buNone/>
             </a:pPr>
-            <a:r>
-              <a:t/>
-            </a:r>
             <a:endParaRPr/>
           </a:p>
         </p:txBody>
@@ -1097,11 +1132,11 @@
 </file>
 
 <file path=ppt/notesSlides/notesSlide13.xml><?xml version="1.0" encoding="utf-8"?>
-<p:notes xmlns:a="http://schemas.openxmlformats.org/drawingml/2006/main" xmlns:r="http://schemas.openxmlformats.org/officeDocument/2006/relationships" xmlns:mc="http://schemas.openxmlformats.org/markup-compatibility/2006" xmlns:mv="urn:schemas-microsoft-com:mac:vml" xmlns:p="http://schemas.openxmlformats.org/presentationml/2006/main" xmlns:c="http://schemas.openxmlformats.org/drawingml/2006/chart" xmlns:dgm="http://schemas.openxmlformats.org/drawingml/2006/diagram" xmlns:o="urn:schemas-microsoft-com:office:office" xmlns:v="urn:schemas-microsoft-com:vml" xmlns:pvml="urn:schemas-microsoft-com:office:powerpoint" xmlns:com="http://schemas.openxmlformats.org/drawingml/2006/compatibility" xmlns:p14="http://schemas.microsoft.com/office/powerpoint/2010/main" xmlns:p15="http://schemas.microsoft.com/office/powerpoint/2012/main" xmlns:ahyp="http://schemas.microsoft.com/office/drawing/2018/hyperlinkcolor" showMasterPhAnim="0" showMasterSp="0">
+<p:notes xmlns:a="http://schemas.openxmlformats.org/drawingml/2006/main" xmlns:r="http://schemas.openxmlformats.org/officeDocument/2006/relationships" xmlns:p="http://schemas.openxmlformats.org/presentationml/2006/main" showMasterSp="0" showMasterPhAnim="0">
   <p:cSld>
     <p:spTree>
       <p:nvGrpSpPr>
-        <p:cNvPr id="152" name="Shape 152"/>
+        <p:cNvPr id="1" name="Shape 152"/>
         <p:cNvGrpSpPr/>
         <p:nvPr/>
       </p:nvGrpSpPr>
@@ -1116,9 +1151,11 @@
       <p:sp>
         <p:nvSpPr>
           <p:cNvPr id="153" name="Google Shape;153;gd72a51e8f0_0_18:notes"/>
-          <p:cNvSpPr/>
+          <p:cNvSpPr>
+            <a:spLocks noGrp="1" noRot="1" noChangeAspect="1"/>
+          </p:cNvSpPr>
           <p:nvPr>
-            <p:ph idx="2" type="sldImg"/>
+            <p:ph type="sldImg" idx="2"/>
           </p:nvPr>
         </p:nvSpPr>
         <p:spPr>
@@ -1127,9 +1164,13 @@
             <a:ext cx="6096000" cy="3429000"/>
           </a:xfrm>
           <a:custGeom>
-            <a:rect b="b" l="l" r="r" t="t"/>
+            <a:avLst/>
+            <a:gdLst/>
+            <a:ahLst/>
+            <a:cxnLst/>
+            <a:rect l="l" t="t" r="r" b="b"/>
             <a:pathLst>
-              <a:path extrusionOk="0" h="120000" w="120000">
+              <a:path w="120000" h="120000" extrusionOk="0">
                 <a:moveTo>
                   <a:pt x="0" y="0"/>
                 </a:moveTo>
@@ -1151,9 +1192,11 @@
       <p:sp>
         <p:nvSpPr>
           <p:cNvPr id="154" name="Google Shape;154;gd72a51e8f0_0_18:notes"/>
-          <p:cNvSpPr txBox="1"/>
+          <p:cNvSpPr txBox="1">
+            <a:spLocks noGrp="1"/>
+          </p:cNvSpPr>
           <p:nvPr>
-            <p:ph idx="1" type="body"/>
+            <p:ph type="body" idx="1"/>
           </p:nvPr>
         </p:nvSpPr>
         <p:spPr>
@@ -1166,12 +1209,12 @@
           </a:prstGeom>
         </p:spPr>
         <p:txBody>
-          <a:bodyPr anchorCtr="0" anchor="t" bIns="91425" lIns="91425" spcFirstLastPara="1" rIns="91425" wrap="square" tIns="91425">
+          <a:bodyPr spcFirstLastPara="1" wrap="square" lIns="91425" tIns="91425" rIns="91425" bIns="91425" anchor="t" anchorCtr="0">
             <a:noAutofit/>
           </a:bodyPr>
           <a:lstStyle/>
           <a:p>
-            <a:pPr indent="0" lvl="0" marL="0" rtl="0" algn="l">
+            <a:pPr marL="0" lvl="0" indent="0" algn="l" rtl="0">
               <a:spcBef>
                 <a:spcPts val="0"/>
               </a:spcBef>
@@ -1180,9 +1223,6 @@
               </a:spcAft>
               <a:buNone/>
             </a:pPr>
-            <a:r>
-              <a:t/>
-            </a:r>
             <a:endParaRPr/>
           </a:p>
         </p:txBody>
@@ -1196,11 +1236,11 @@
 </file>
 
 <file path=ppt/notesSlides/notesSlide14.xml><?xml version="1.0" encoding="utf-8"?>
-<p:notes xmlns:a="http://schemas.openxmlformats.org/drawingml/2006/main" xmlns:r="http://schemas.openxmlformats.org/officeDocument/2006/relationships" xmlns:mc="http://schemas.openxmlformats.org/markup-compatibility/2006" xmlns:mv="urn:schemas-microsoft-com:mac:vml" xmlns:p="http://schemas.openxmlformats.org/presentationml/2006/main" xmlns:c="http://schemas.openxmlformats.org/drawingml/2006/chart" xmlns:dgm="http://schemas.openxmlformats.org/drawingml/2006/diagram" xmlns:o="urn:schemas-microsoft-com:office:office" xmlns:v="urn:schemas-microsoft-com:vml" xmlns:pvml="urn:schemas-microsoft-com:office:powerpoint" xmlns:com="http://schemas.openxmlformats.org/drawingml/2006/compatibility" xmlns:p14="http://schemas.microsoft.com/office/powerpoint/2010/main" xmlns:p15="http://schemas.microsoft.com/office/powerpoint/2012/main" xmlns:ahyp="http://schemas.microsoft.com/office/drawing/2018/hyperlinkcolor" showMasterPhAnim="0" showMasterSp="0">
+<p:notes xmlns:a="http://schemas.openxmlformats.org/drawingml/2006/main" xmlns:r="http://schemas.openxmlformats.org/officeDocument/2006/relationships" xmlns:p="http://schemas.openxmlformats.org/presentationml/2006/main" showMasterSp="0" showMasterPhAnim="0">
   <p:cSld>
     <p:spTree>
       <p:nvGrpSpPr>
-        <p:cNvPr id="161" name="Shape 161"/>
+        <p:cNvPr id="1" name="Shape 161"/>
         <p:cNvGrpSpPr/>
         <p:nvPr/>
       </p:nvGrpSpPr>
@@ -1215,9 +1255,11 @@
       <p:sp>
         <p:nvSpPr>
           <p:cNvPr id="162" name="Google Shape;162;gd72a51e8f0_0_24:notes"/>
-          <p:cNvSpPr/>
+          <p:cNvSpPr>
+            <a:spLocks noGrp="1" noRot="1" noChangeAspect="1"/>
+          </p:cNvSpPr>
           <p:nvPr>
-            <p:ph idx="2" type="sldImg"/>
+            <p:ph type="sldImg" idx="2"/>
           </p:nvPr>
         </p:nvSpPr>
         <p:spPr>
@@ -1226,9 +1268,13 @@
             <a:ext cx="6096000" cy="3429000"/>
           </a:xfrm>
           <a:custGeom>
-            <a:rect b="b" l="l" r="r" t="t"/>
+            <a:avLst/>
+            <a:gdLst/>
+            <a:ahLst/>
+            <a:cxnLst/>
+            <a:rect l="l" t="t" r="r" b="b"/>
             <a:pathLst>
-              <a:path extrusionOk="0" h="120000" w="120000">
+              <a:path w="120000" h="120000" extrusionOk="0">
                 <a:moveTo>
                   <a:pt x="0" y="0"/>
                 </a:moveTo>
@@ -1250,9 +1296,11 @@
       <p:sp>
         <p:nvSpPr>
           <p:cNvPr id="163" name="Google Shape;163;gd72a51e8f0_0_24:notes"/>
-          <p:cNvSpPr txBox="1"/>
+          <p:cNvSpPr txBox="1">
+            <a:spLocks noGrp="1"/>
+          </p:cNvSpPr>
           <p:nvPr>
-            <p:ph idx="1" type="body"/>
+            <p:ph type="body" idx="1"/>
           </p:nvPr>
         </p:nvSpPr>
         <p:spPr>
@@ -1265,12 +1313,12 @@
           </a:prstGeom>
         </p:spPr>
         <p:txBody>
-          <a:bodyPr anchorCtr="0" anchor="t" bIns="91425" lIns="91425" spcFirstLastPara="1" rIns="91425" wrap="square" tIns="91425">
+          <a:bodyPr spcFirstLastPara="1" wrap="square" lIns="91425" tIns="91425" rIns="91425" bIns="91425" anchor="t" anchorCtr="0">
             <a:noAutofit/>
           </a:bodyPr>
           <a:lstStyle/>
           <a:p>
-            <a:pPr indent="0" lvl="0" marL="0" rtl="0" algn="l">
+            <a:pPr marL="0" lvl="0" indent="0" algn="l" rtl="0">
               <a:spcBef>
                 <a:spcPts val="0"/>
               </a:spcBef>
@@ -1279,9 +1327,6 @@
               </a:spcAft>
               <a:buNone/>
             </a:pPr>
-            <a:r>
-              <a:t/>
-            </a:r>
             <a:endParaRPr/>
           </a:p>
         </p:txBody>
@@ -1295,11 +1340,11 @@
 </file>
 
 <file path=ppt/notesSlides/notesSlide15.xml><?xml version="1.0" encoding="utf-8"?>
-<p:notes xmlns:a="http://schemas.openxmlformats.org/drawingml/2006/main" xmlns:r="http://schemas.openxmlformats.org/officeDocument/2006/relationships" xmlns:mc="http://schemas.openxmlformats.org/markup-compatibility/2006" xmlns:mv="urn:schemas-microsoft-com:mac:vml" xmlns:p="http://schemas.openxmlformats.org/presentationml/2006/main" xmlns:c="http://schemas.openxmlformats.org/drawingml/2006/chart" xmlns:dgm="http://schemas.openxmlformats.org/drawingml/2006/diagram" xmlns:o="urn:schemas-microsoft-com:office:office" xmlns:v="urn:schemas-microsoft-com:vml" xmlns:pvml="urn:schemas-microsoft-com:office:powerpoint" xmlns:com="http://schemas.openxmlformats.org/drawingml/2006/compatibility" xmlns:p14="http://schemas.microsoft.com/office/powerpoint/2010/main" xmlns:p15="http://schemas.microsoft.com/office/powerpoint/2012/main" xmlns:ahyp="http://schemas.microsoft.com/office/drawing/2018/hyperlinkcolor" showMasterPhAnim="0" showMasterSp="0">
+<p:notes xmlns:a="http://schemas.openxmlformats.org/drawingml/2006/main" xmlns:r="http://schemas.openxmlformats.org/officeDocument/2006/relationships" xmlns:p="http://schemas.openxmlformats.org/presentationml/2006/main" showMasterSp="0" showMasterPhAnim="0">
   <p:cSld>
     <p:spTree>
       <p:nvGrpSpPr>
-        <p:cNvPr id="167" name="Shape 167"/>
+        <p:cNvPr id="1" name="Shape 167"/>
         <p:cNvGrpSpPr/>
         <p:nvPr/>
       </p:nvGrpSpPr>
@@ -1314,9 +1359,11 @@
       <p:sp>
         <p:nvSpPr>
           <p:cNvPr id="168" name="Google Shape;168;gd72a51e8f0_0_53:notes"/>
-          <p:cNvSpPr/>
+          <p:cNvSpPr>
+            <a:spLocks noGrp="1" noRot="1" noChangeAspect="1"/>
+          </p:cNvSpPr>
           <p:nvPr>
-            <p:ph idx="2" type="sldImg"/>
+            <p:ph type="sldImg" idx="2"/>
           </p:nvPr>
         </p:nvSpPr>
         <p:spPr>
@@ -1325,9 +1372,13 @@
             <a:ext cx="6096000" cy="3429000"/>
           </a:xfrm>
           <a:custGeom>
-            <a:rect b="b" l="l" r="r" t="t"/>
+            <a:avLst/>
+            <a:gdLst/>
+            <a:ahLst/>
+            <a:cxnLst/>
+            <a:rect l="l" t="t" r="r" b="b"/>
             <a:pathLst>
-              <a:path extrusionOk="0" h="120000" w="120000">
+              <a:path w="120000" h="120000" extrusionOk="0">
                 <a:moveTo>
                   <a:pt x="0" y="0"/>
                 </a:moveTo>
@@ -1349,9 +1400,11 @@
       <p:sp>
         <p:nvSpPr>
           <p:cNvPr id="169" name="Google Shape;169;gd72a51e8f0_0_53:notes"/>
-          <p:cNvSpPr txBox="1"/>
+          <p:cNvSpPr txBox="1">
+            <a:spLocks noGrp="1"/>
+          </p:cNvSpPr>
           <p:nvPr>
-            <p:ph idx="1" type="body"/>
+            <p:ph type="body" idx="1"/>
           </p:nvPr>
         </p:nvSpPr>
         <p:spPr>
@@ -1364,12 +1417,12 @@
           </a:prstGeom>
         </p:spPr>
         <p:txBody>
-          <a:bodyPr anchorCtr="0" anchor="t" bIns="91425" lIns="91425" spcFirstLastPara="1" rIns="91425" wrap="square" tIns="91425">
+          <a:bodyPr spcFirstLastPara="1" wrap="square" lIns="91425" tIns="91425" rIns="91425" bIns="91425" anchor="t" anchorCtr="0">
             <a:noAutofit/>
           </a:bodyPr>
           <a:lstStyle/>
           <a:p>
-            <a:pPr indent="0" lvl="0" marL="0" rtl="0" algn="l">
+            <a:pPr marL="0" lvl="0" indent="0" algn="l" rtl="0">
               <a:spcBef>
                 <a:spcPts val="0"/>
               </a:spcBef>
@@ -1378,9 +1431,6 @@
               </a:spcAft>
               <a:buNone/>
             </a:pPr>
-            <a:r>
-              <a:t/>
-            </a:r>
             <a:endParaRPr/>
           </a:p>
         </p:txBody>
@@ -1394,11 +1444,11 @@
 </file>
 
 <file path=ppt/notesSlides/notesSlide2.xml><?xml version="1.0" encoding="utf-8"?>
-<p:notes xmlns:a="http://schemas.openxmlformats.org/drawingml/2006/main" xmlns:r="http://schemas.openxmlformats.org/officeDocument/2006/relationships" xmlns:mc="http://schemas.openxmlformats.org/markup-compatibility/2006" xmlns:mv="urn:schemas-microsoft-com:mac:vml" xmlns:p="http://schemas.openxmlformats.org/presentationml/2006/main" xmlns:c="http://schemas.openxmlformats.org/drawingml/2006/chart" xmlns:dgm="http://schemas.openxmlformats.org/drawingml/2006/diagram" xmlns:o="urn:schemas-microsoft-com:office:office" xmlns:v="urn:schemas-microsoft-com:vml" xmlns:pvml="urn:schemas-microsoft-com:office:powerpoint" xmlns:com="http://schemas.openxmlformats.org/drawingml/2006/compatibility" xmlns:p14="http://schemas.microsoft.com/office/powerpoint/2010/main" xmlns:p15="http://schemas.microsoft.com/office/powerpoint/2012/main" xmlns:ahyp="http://schemas.microsoft.com/office/drawing/2018/hyperlinkcolor" showMasterPhAnim="0" showMasterSp="0">
+<p:notes xmlns:a="http://schemas.openxmlformats.org/drawingml/2006/main" xmlns:r="http://schemas.openxmlformats.org/officeDocument/2006/relationships" xmlns:p="http://schemas.openxmlformats.org/presentationml/2006/main" showMasterSp="0" showMasterPhAnim="0">
   <p:cSld>
     <p:spTree>
       <p:nvGrpSpPr>
-        <p:cNvPr id="59" name="Shape 59"/>
+        <p:cNvPr id="1" name="Shape 59"/>
         <p:cNvGrpSpPr/>
         <p:nvPr/>
       </p:nvGrpSpPr>
@@ -1413,20 +1463,26 @@
       <p:sp>
         <p:nvSpPr>
           <p:cNvPr id="60" name="Google Shape;60;gd72b13923d_0_5:notes"/>
-          <p:cNvSpPr/>
+          <p:cNvSpPr>
+            <a:spLocks noGrp="1" noRot="1" noChangeAspect="1"/>
+          </p:cNvSpPr>
           <p:nvPr>
-            <p:ph idx="2" type="sldImg"/>
+            <p:ph type="sldImg" idx="2"/>
           </p:nvPr>
         </p:nvSpPr>
         <p:spPr>
           <a:xfrm>
-            <a:off x="381300" y="685800"/>
+            <a:off x="381000" y="685800"/>
             <a:ext cx="6096000" cy="3429000"/>
           </a:xfrm>
           <a:custGeom>
-            <a:rect b="b" l="l" r="r" t="t"/>
+            <a:avLst/>
+            <a:gdLst/>
+            <a:ahLst/>
+            <a:cxnLst/>
+            <a:rect l="l" t="t" r="r" b="b"/>
             <a:pathLst>
-              <a:path extrusionOk="0" h="120000" w="120000">
+              <a:path w="120000" h="120000" extrusionOk="0">
                 <a:moveTo>
                   <a:pt x="0" y="0"/>
                 </a:moveTo>
@@ -1448,9 +1504,11 @@
       <p:sp>
         <p:nvSpPr>
           <p:cNvPr id="61" name="Google Shape;61;gd72b13923d_0_5:notes"/>
-          <p:cNvSpPr txBox="1"/>
+          <p:cNvSpPr txBox="1">
+            <a:spLocks noGrp="1"/>
+          </p:cNvSpPr>
           <p:nvPr>
-            <p:ph idx="1" type="body"/>
+            <p:ph type="body" idx="1"/>
           </p:nvPr>
         </p:nvSpPr>
         <p:spPr>
@@ -1463,12 +1521,12 @@
           </a:prstGeom>
         </p:spPr>
         <p:txBody>
-          <a:bodyPr anchorCtr="0" anchor="t" bIns="91425" lIns="91425" spcFirstLastPara="1" rIns="91425" wrap="square" tIns="91425">
+          <a:bodyPr spcFirstLastPara="1" wrap="square" lIns="91425" tIns="91425" rIns="91425" bIns="91425" anchor="t" anchorCtr="0">
             <a:noAutofit/>
           </a:bodyPr>
           <a:lstStyle/>
           <a:p>
-            <a:pPr indent="0" lvl="0" marL="0" rtl="0" algn="l">
+            <a:pPr marL="0" lvl="0" indent="0" algn="l" rtl="0">
               <a:spcBef>
                 <a:spcPts val="0"/>
               </a:spcBef>
@@ -1477,9 +1535,6 @@
               </a:spcAft>
               <a:buNone/>
             </a:pPr>
-            <a:r>
-              <a:t/>
-            </a:r>
             <a:endParaRPr/>
           </a:p>
         </p:txBody>
@@ -1493,11 +1548,11 @@
 </file>
 
 <file path=ppt/notesSlides/notesSlide3.xml><?xml version="1.0" encoding="utf-8"?>
-<p:notes xmlns:a="http://schemas.openxmlformats.org/drawingml/2006/main" xmlns:r="http://schemas.openxmlformats.org/officeDocument/2006/relationships" xmlns:mc="http://schemas.openxmlformats.org/markup-compatibility/2006" xmlns:mv="urn:schemas-microsoft-com:mac:vml" xmlns:p="http://schemas.openxmlformats.org/presentationml/2006/main" xmlns:c="http://schemas.openxmlformats.org/drawingml/2006/chart" xmlns:dgm="http://schemas.openxmlformats.org/drawingml/2006/diagram" xmlns:o="urn:schemas-microsoft-com:office:office" xmlns:v="urn:schemas-microsoft-com:vml" xmlns:pvml="urn:schemas-microsoft-com:office:powerpoint" xmlns:com="http://schemas.openxmlformats.org/drawingml/2006/compatibility" xmlns:p14="http://schemas.microsoft.com/office/powerpoint/2010/main" xmlns:p15="http://schemas.microsoft.com/office/powerpoint/2012/main" xmlns:ahyp="http://schemas.microsoft.com/office/drawing/2018/hyperlinkcolor" showMasterPhAnim="0" showMasterSp="0">
+<p:notes xmlns:a="http://schemas.openxmlformats.org/drawingml/2006/main" xmlns:r="http://schemas.openxmlformats.org/officeDocument/2006/relationships" xmlns:p="http://schemas.openxmlformats.org/presentationml/2006/main" showMasterSp="0" showMasterPhAnim="0">
   <p:cSld>
     <p:spTree>
       <p:nvGrpSpPr>
-        <p:cNvPr id="70" name="Shape 70"/>
+        <p:cNvPr id="1" name="Shape 70"/>
         <p:cNvGrpSpPr/>
         <p:nvPr/>
       </p:nvGrpSpPr>
@@ -1512,9 +1567,11 @@
       <p:sp>
         <p:nvSpPr>
           <p:cNvPr id="71" name="Google Shape;71;gd72a51e8f0_0_42:notes"/>
-          <p:cNvSpPr/>
+          <p:cNvSpPr>
+            <a:spLocks noGrp="1" noRot="1" noChangeAspect="1"/>
+          </p:cNvSpPr>
           <p:nvPr>
-            <p:ph idx="2" type="sldImg"/>
+            <p:ph type="sldImg" idx="2"/>
           </p:nvPr>
         </p:nvSpPr>
         <p:spPr>
@@ -1523,9 +1580,13 @@
             <a:ext cx="6096000" cy="3429000"/>
           </a:xfrm>
           <a:custGeom>
-            <a:rect b="b" l="l" r="r" t="t"/>
+            <a:avLst/>
+            <a:gdLst/>
+            <a:ahLst/>
+            <a:cxnLst/>
+            <a:rect l="l" t="t" r="r" b="b"/>
             <a:pathLst>
-              <a:path extrusionOk="0" h="120000" w="120000">
+              <a:path w="120000" h="120000" extrusionOk="0">
                 <a:moveTo>
                   <a:pt x="0" y="0"/>
                 </a:moveTo>
@@ -1547,9 +1608,11 @@
       <p:sp>
         <p:nvSpPr>
           <p:cNvPr id="72" name="Google Shape;72;gd72a51e8f0_0_42:notes"/>
-          <p:cNvSpPr txBox="1"/>
+          <p:cNvSpPr txBox="1">
+            <a:spLocks noGrp="1"/>
+          </p:cNvSpPr>
           <p:nvPr>
-            <p:ph idx="1" type="body"/>
+            <p:ph type="body" idx="1"/>
           </p:nvPr>
         </p:nvSpPr>
         <p:spPr>
@@ -1562,12 +1625,12 @@
           </a:prstGeom>
         </p:spPr>
         <p:txBody>
-          <a:bodyPr anchorCtr="0" anchor="t" bIns="91425" lIns="91425" spcFirstLastPara="1" rIns="91425" wrap="square" tIns="91425">
+          <a:bodyPr spcFirstLastPara="1" wrap="square" lIns="91425" tIns="91425" rIns="91425" bIns="91425" anchor="t" anchorCtr="0">
             <a:noAutofit/>
           </a:bodyPr>
           <a:lstStyle/>
           <a:p>
-            <a:pPr indent="0" lvl="0" marL="0" rtl="0" algn="l">
+            <a:pPr marL="0" lvl="0" indent="0" algn="l" rtl="0">
               <a:spcBef>
                 <a:spcPts val="0"/>
               </a:spcBef>
@@ -1576,9 +1639,6 @@
               </a:spcAft>
               <a:buNone/>
             </a:pPr>
-            <a:r>
-              <a:t/>
-            </a:r>
             <a:endParaRPr/>
           </a:p>
         </p:txBody>
@@ -1592,11 +1652,11 @@
 </file>
 
 <file path=ppt/notesSlides/notesSlide4.xml><?xml version="1.0" encoding="utf-8"?>
-<p:notes xmlns:a="http://schemas.openxmlformats.org/drawingml/2006/main" xmlns:r="http://schemas.openxmlformats.org/officeDocument/2006/relationships" xmlns:mc="http://schemas.openxmlformats.org/markup-compatibility/2006" xmlns:mv="urn:schemas-microsoft-com:mac:vml" xmlns:p="http://schemas.openxmlformats.org/presentationml/2006/main" xmlns:c="http://schemas.openxmlformats.org/drawingml/2006/chart" xmlns:dgm="http://schemas.openxmlformats.org/drawingml/2006/diagram" xmlns:o="urn:schemas-microsoft-com:office:office" xmlns:v="urn:schemas-microsoft-com:vml" xmlns:pvml="urn:schemas-microsoft-com:office:powerpoint" xmlns:com="http://schemas.openxmlformats.org/drawingml/2006/compatibility" xmlns:p14="http://schemas.microsoft.com/office/powerpoint/2010/main" xmlns:p15="http://schemas.microsoft.com/office/powerpoint/2012/main" xmlns:ahyp="http://schemas.microsoft.com/office/drawing/2018/hyperlinkcolor" showMasterPhAnim="0" showMasterSp="0">
+<p:notes xmlns:a="http://schemas.openxmlformats.org/drawingml/2006/main" xmlns:r="http://schemas.openxmlformats.org/officeDocument/2006/relationships" xmlns:p="http://schemas.openxmlformats.org/presentationml/2006/main" showMasterSp="0" showMasterPhAnim="0">
   <p:cSld>
     <p:spTree>
       <p:nvGrpSpPr>
-        <p:cNvPr id="75" name="Shape 75"/>
+        <p:cNvPr id="1" name="Shape 75"/>
         <p:cNvGrpSpPr/>
         <p:nvPr/>
       </p:nvGrpSpPr>
@@ -1611,9 +1671,11 @@
       <p:sp>
         <p:nvSpPr>
           <p:cNvPr id="76" name="Google Shape;76;gd72a51e8f0_0_61:notes"/>
-          <p:cNvSpPr/>
+          <p:cNvSpPr>
+            <a:spLocks noGrp="1" noRot="1" noChangeAspect="1"/>
+          </p:cNvSpPr>
           <p:nvPr>
-            <p:ph idx="2" type="sldImg"/>
+            <p:ph type="sldImg" idx="2"/>
           </p:nvPr>
         </p:nvSpPr>
         <p:spPr>
@@ -1622,9 +1684,13 @@
             <a:ext cx="6096000" cy="3429000"/>
           </a:xfrm>
           <a:custGeom>
-            <a:rect b="b" l="l" r="r" t="t"/>
+            <a:avLst/>
+            <a:gdLst/>
+            <a:ahLst/>
+            <a:cxnLst/>
+            <a:rect l="l" t="t" r="r" b="b"/>
             <a:pathLst>
-              <a:path extrusionOk="0" h="120000" w="120000">
+              <a:path w="120000" h="120000" extrusionOk="0">
                 <a:moveTo>
                   <a:pt x="0" y="0"/>
                 </a:moveTo>
@@ -1646,9 +1712,11 @@
       <p:sp>
         <p:nvSpPr>
           <p:cNvPr id="77" name="Google Shape;77;gd72a51e8f0_0_61:notes"/>
-          <p:cNvSpPr txBox="1"/>
+          <p:cNvSpPr txBox="1">
+            <a:spLocks noGrp="1"/>
+          </p:cNvSpPr>
           <p:nvPr>
-            <p:ph idx="1" type="body"/>
+            <p:ph type="body" idx="1"/>
           </p:nvPr>
         </p:nvSpPr>
         <p:spPr>
@@ -1661,12 +1729,12 @@
           </a:prstGeom>
         </p:spPr>
         <p:txBody>
-          <a:bodyPr anchorCtr="0" anchor="t" bIns="91425" lIns="91425" spcFirstLastPara="1" rIns="91425" wrap="square" tIns="91425">
+          <a:bodyPr spcFirstLastPara="1" wrap="square" lIns="91425" tIns="91425" rIns="91425" bIns="91425" anchor="t" anchorCtr="0">
             <a:noAutofit/>
           </a:bodyPr>
           <a:lstStyle/>
           <a:p>
-            <a:pPr indent="0" lvl="0" marL="0" rtl="0" algn="l">
+            <a:pPr marL="0" lvl="0" indent="0" algn="l" rtl="0">
               <a:spcBef>
                 <a:spcPts val="0"/>
               </a:spcBef>
@@ -1675,9 +1743,6 @@
               </a:spcAft>
               <a:buNone/>
             </a:pPr>
-            <a:r>
-              <a:t/>
-            </a:r>
             <a:endParaRPr/>
           </a:p>
         </p:txBody>
@@ -1691,11 +1756,11 @@
 </file>
 
 <file path=ppt/notesSlides/notesSlide5.xml><?xml version="1.0" encoding="utf-8"?>
-<p:notes xmlns:a="http://schemas.openxmlformats.org/drawingml/2006/main" xmlns:r="http://schemas.openxmlformats.org/officeDocument/2006/relationships" xmlns:mc="http://schemas.openxmlformats.org/markup-compatibility/2006" xmlns:mv="urn:schemas-microsoft-com:mac:vml" xmlns:p="http://schemas.openxmlformats.org/presentationml/2006/main" xmlns:c="http://schemas.openxmlformats.org/drawingml/2006/chart" xmlns:dgm="http://schemas.openxmlformats.org/drawingml/2006/diagram" xmlns:o="urn:schemas-microsoft-com:office:office" xmlns:v="urn:schemas-microsoft-com:vml" xmlns:pvml="urn:schemas-microsoft-com:office:powerpoint" xmlns:com="http://schemas.openxmlformats.org/drawingml/2006/compatibility" xmlns:p14="http://schemas.microsoft.com/office/powerpoint/2010/main" xmlns:p15="http://schemas.microsoft.com/office/powerpoint/2012/main" xmlns:ahyp="http://schemas.microsoft.com/office/drawing/2018/hyperlinkcolor" showMasterPhAnim="0" showMasterSp="0">
+<p:notes xmlns:a="http://schemas.openxmlformats.org/drawingml/2006/main" xmlns:r="http://schemas.openxmlformats.org/officeDocument/2006/relationships" xmlns:p="http://schemas.openxmlformats.org/presentationml/2006/main" showMasterSp="0" showMasterPhAnim="0">
   <p:cSld>
     <p:spTree>
       <p:nvGrpSpPr>
-        <p:cNvPr id="81" name="Shape 81"/>
+        <p:cNvPr id="1" name="Shape 81"/>
         <p:cNvGrpSpPr/>
         <p:nvPr/>
       </p:nvGrpSpPr>
@@ -1710,9 +1775,11 @@
       <p:sp>
         <p:nvSpPr>
           <p:cNvPr id="82" name="Google Shape;82;gd607f219c2_0_159:notes"/>
-          <p:cNvSpPr/>
+          <p:cNvSpPr>
+            <a:spLocks noGrp="1" noRot="1" noChangeAspect="1"/>
+          </p:cNvSpPr>
           <p:nvPr>
-            <p:ph idx="2" type="sldImg"/>
+            <p:ph type="sldImg" idx="2"/>
           </p:nvPr>
         </p:nvSpPr>
         <p:spPr>
@@ -1721,9 +1788,13 @@
             <a:ext cx="6096000" cy="3429000"/>
           </a:xfrm>
           <a:custGeom>
-            <a:rect b="b" l="l" r="r" t="t"/>
+            <a:avLst/>
+            <a:gdLst/>
+            <a:ahLst/>
+            <a:cxnLst/>
+            <a:rect l="l" t="t" r="r" b="b"/>
             <a:pathLst>
-              <a:path extrusionOk="0" h="120000" w="120000">
+              <a:path w="120000" h="120000" extrusionOk="0">
                 <a:moveTo>
                   <a:pt x="0" y="0"/>
                 </a:moveTo>
@@ -1745,9 +1816,11 @@
       <p:sp>
         <p:nvSpPr>
           <p:cNvPr id="83" name="Google Shape;83;gd607f219c2_0_159:notes"/>
-          <p:cNvSpPr txBox="1"/>
+          <p:cNvSpPr txBox="1">
+            <a:spLocks noGrp="1"/>
+          </p:cNvSpPr>
           <p:nvPr>
-            <p:ph idx="1" type="body"/>
+            <p:ph type="body" idx="1"/>
           </p:nvPr>
         </p:nvSpPr>
         <p:spPr>
@@ -1760,12 +1833,12 @@
           </a:prstGeom>
         </p:spPr>
         <p:txBody>
-          <a:bodyPr anchorCtr="0" anchor="t" bIns="91425" lIns="91425" spcFirstLastPara="1" rIns="91425" wrap="square" tIns="91425">
+          <a:bodyPr spcFirstLastPara="1" wrap="square" lIns="91425" tIns="91425" rIns="91425" bIns="91425" anchor="t" anchorCtr="0">
             <a:noAutofit/>
           </a:bodyPr>
           <a:lstStyle/>
           <a:p>
-            <a:pPr indent="0" lvl="0" marL="0" rtl="0" algn="l">
+            <a:pPr marL="0" lvl="0" indent="0" algn="l" rtl="0">
               <a:spcBef>
                 <a:spcPts val="0"/>
               </a:spcBef>
@@ -1774,9 +1847,6 @@
               </a:spcAft>
               <a:buNone/>
             </a:pPr>
-            <a:r>
-              <a:t/>
-            </a:r>
             <a:endParaRPr/>
           </a:p>
         </p:txBody>
@@ -1790,11 +1860,11 @@
 </file>
 
 <file path=ppt/notesSlides/notesSlide6.xml><?xml version="1.0" encoding="utf-8"?>
-<p:notes xmlns:a="http://schemas.openxmlformats.org/drawingml/2006/main" xmlns:r="http://schemas.openxmlformats.org/officeDocument/2006/relationships" xmlns:mc="http://schemas.openxmlformats.org/markup-compatibility/2006" xmlns:mv="urn:schemas-microsoft-com:mac:vml" xmlns:p="http://schemas.openxmlformats.org/presentationml/2006/main" xmlns:c="http://schemas.openxmlformats.org/drawingml/2006/chart" xmlns:dgm="http://schemas.openxmlformats.org/drawingml/2006/diagram" xmlns:o="urn:schemas-microsoft-com:office:office" xmlns:v="urn:schemas-microsoft-com:vml" xmlns:pvml="urn:schemas-microsoft-com:office:powerpoint" xmlns:com="http://schemas.openxmlformats.org/drawingml/2006/compatibility" xmlns:p14="http://schemas.microsoft.com/office/powerpoint/2010/main" xmlns:p15="http://schemas.microsoft.com/office/powerpoint/2012/main" xmlns:ahyp="http://schemas.microsoft.com/office/drawing/2018/hyperlinkcolor" showMasterPhAnim="0" showMasterSp="0">
+<p:notes xmlns:a="http://schemas.openxmlformats.org/drawingml/2006/main" xmlns:r="http://schemas.openxmlformats.org/officeDocument/2006/relationships" xmlns:p="http://schemas.openxmlformats.org/presentationml/2006/main" showMasterSp="0" showMasterPhAnim="0">
   <p:cSld>
     <p:spTree>
       <p:nvGrpSpPr>
-        <p:cNvPr id="92" name="Shape 92"/>
+        <p:cNvPr id="1" name="Shape 92"/>
         <p:cNvGrpSpPr/>
         <p:nvPr/>
       </p:nvGrpSpPr>
@@ -1809,9 +1879,11 @@
       <p:sp>
         <p:nvSpPr>
           <p:cNvPr id="93" name="Google Shape;93;gd607f219c2_0_166:notes"/>
-          <p:cNvSpPr/>
+          <p:cNvSpPr>
+            <a:spLocks noGrp="1" noRot="1" noChangeAspect="1"/>
+          </p:cNvSpPr>
           <p:nvPr>
-            <p:ph idx="2" type="sldImg"/>
+            <p:ph type="sldImg" idx="2"/>
           </p:nvPr>
         </p:nvSpPr>
         <p:spPr>
@@ -1820,9 +1892,13 @@
             <a:ext cx="6096000" cy="3429000"/>
           </a:xfrm>
           <a:custGeom>
-            <a:rect b="b" l="l" r="r" t="t"/>
+            <a:avLst/>
+            <a:gdLst/>
+            <a:ahLst/>
+            <a:cxnLst/>
+            <a:rect l="l" t="t" r="r" b="b"/>
             <a:pathLst>
-              <a:path extrusionOk="0" h="120000" w="120000">
+              <a:path w="120000" h="120000" extrusionOk="0">
                 <a:moveTo>
                   <a:pt x="0" y="0"/>
                 </a:moveTo>
@@ -1844,9 +1920,11 @@
       <p:sp>
         <p:nvSpPr>
           <p:cNvPr id="94" name="Google Shape;94;gd607f219c2_0_166:notes"/>
-          <p:cNvSpPr txBox="1"/>
+          <p:cNvSpPr txBox="1">
+            <a:spLocks noGrp="1"/>
+          </p:cNvSpPr>
           <p:nvPr>
-            <p:ph idx="1" type="body"/>
+            <p:ph type="body" idx="1"/>
           </p:nvPr>
         </p:nvSpPr>
         <p:spPr>
@@ -1859,12 +1937,12 @@
           </a:prstGeom>
         </p:spPr>
         <p:txBody>
-          <a:bodyPr anchorCtr="0" anchor="t" bIns="91425" lIns="91425" spcFirstLastPara="1" rIns="91425" wrap="square" tIns="91425">
+          <a:bodyPr spcFirstLastPara="1" wrap="square" lIns="91425" tIns="91425" rIns="91425" bIns="91425" anchor="t" anchorCtr="0">
             <a:noAutofit/>
           </a:bodyPr>
           <a:lstStyle/>
           <a:p>
-            <a:pPr indent="0" lvl="0" marL="0" rtl="0" algn="l">
+            <a:pPr marL="0" lvl="0" indent="0" algn="l" rtl="0">
               <a:spcBef>
                 <a:spcPts val="0"/>
               </a:spcBef>
@@ -1873,9 +1951,6 @@
               </a:spcAft>
               <a:buNone/>
             </a:pPr>
-            <a:r>
-              <a:t/>
-            </a:r>
             <a:endParaRPr/>
           </a:p>
         </p:txBody>
@@ -1889,11 +1964,11 @@
 </file>
 
 <file path=ppt/notesSlides/notesSlide7.xml><?xml version="1.0" encoding="utf-8"?>
-<p:notes xmlns:a="http://schemas.openxmlformats.org/drawingml/2006/main" xmlns:r="http://schemas.openxmlformats.org/officeDocument/2006/relationships" xmlns:mc="http://schemas.openxmlformats.org/markup-compatibility/2006" xmlns:mv="urn:schemas-microsoft-com:mac:vml" xmlns:p="http://schemas.openxmlformats.org/presentationml/2006/main" xmlns:c="http://schemas.openxmlformats.org/drawingml/2006/chart" xmlns:dgm="http://schemas.openxmlformats.org/drawingml/2006/diagram" xmlns:o="urn:schemas-microsoft-com:office:office" xmlns:v="urn:schemas-microsoft-com:vml" xmlns:pvml="urn:schemas-microsoft-com:office:powerpoint" xmlns:com="http://schemas.openxmlformats.org/drawingml/2006/compatibility" xmlns:p14="http://schemas.microsoft.com/office/powerpoint/2010/main" xmlns:p15="http://schemas.microsoft.com/office/powerpoint/2012/main" xmlns:ahyp="http://schemas.microsoft.com/office/drawing/2018/hyperlinkcolor" showMasterPhAnim="0" showMasterSp="0">
+<p:notes xmlns:a="http://schemas.openxmlformats.org/drawingml/2006/main" xmlns:r="http://schemas.openxmlformats.org/officeDocument/2006/relationships" xmlns:p="http://schemas.openxmlformats.org/presentationml/2006/main" showMasterSp="0" showMasterPhAnim="0">
   <p:cSld>
     <p:spTree>
       <p:nvGrpSpPr>
-        <p:cNvPr id="99" name="Shape 99"/>
+        <p:cNvPr id="1" name="Shape 99"/>
         <p:cNvGrpSpPr/>
         <p:nvPr/>
       </p:nvGrpSpPr>
@@ -1908,9 +1983,11 @@
       <p:sp>
         <p:nvSpPr>
           <p:cNvPr id="100" name="Google Shape;100;gd72b13923d_0_12:notes"/>
-          <p:cNvSpPr/>
+          <p:cNvSpPr>
+            <a:spLocks noGrp="1" noRot="1" noChangeAspect="1"/>
+          </p:cNvSpPr>
           <p:nvPr>
-            <p:ph idx="2" type="sldImg"/>
+            <p:ph type="sldImg" idx="2"/>
           </p:nvPr>
         </p:nvSpPr>
         <p:spPr>
@@ -1919,9 +1996,13 @@
             <a:ext cx="6096000" cy="3429000"/>
           </a:xfrm>
           <a:custGeom>
-            <a:rect b="b" l="l" r="r" t="t"/>
+            <a:avLst/>
+            <a:gdLst/>
+            <a:ahLst/>
+            <a:cxnLst/>
+            <a:rect l="l" t="t" r="r" b="b"/>
             <a:pathLst>
-              <a:path extrusionOk="0" h="120000" w="120000">
+              <a:path w="120000" h="120000" extrusionOk="0">
                 <a:moveTo>
                   <a:pt x="0" y="0"/>
                 </a:moveTo>
@@ -1943,9 +2024,11 @@
       <p:sp>
         <p:nvSpPr>
           <p:cNvPr id="101" name="Google Shape;101;gd72b13923d_0_12:notes"/>
-          <p:cNvSpPr txBox="1"/>
+          <p:cNvSpPr txBox="1">
+            <a:spLocks noGrp="1"/>
+          </p:cNvSpPr>
           <p:nvPr>
-            <p:ph idx="1" type="body"/>
+            <p:ph type="body" idx="1"/>
           </p:nvPr>
         </p:nvSpPr>
         <p:spPr>
@@ -1958,12 +2041,12 @@
           </a:prstGeom>
         </p:spPr>
         <p:txBody>
-          <a:bodyPr anchorCtr="0" anchor="t" bIns="91425" lIns="91425" spcFirstLastPara="1" rIns="91425" wrap="square" tIns="91425">
+          <a:bodyPr spcFirstLastPara="1" wrap="square" lIns="91425" tIns="91425" rIns="91425" bIns="91425" anchor="t" anchorCtr="0">
             <a:noAutofit/>
           </a:bodyPr>
           <a:lstStyle/>
           <a:p>
-            <a:pPr indent="0" lvl="0" marL="0" rtl="0" algn="l">
+            <a:pPr marL="0" lvl="0" indent="0" algn="l" rtl="0">
               <a:spcBef>
                 <a:spcPts val="0"/>
               </a:spcBef>
@@ -1972,9 +2055,6 @@
               </a:spcAft>
               <a:buNone/>
             </a:pPr>
-            <a:r>
-              <a:t/>
-            </a:r>
             <a:endParaRPr/>
           </a:p>
         </p:txBody>
@@ -1988,11 +2068,11 @@
 </file>
 
 <file path=ppt/notesSlides/notesSlide8.xml><?xml version="1.0" encoding="utf-8"?>
-<p:notes xmlns:a="http://schemas.openxmlformats.org/drawingml/2006/main" xmlns:r="http://schemas.openxmlformats.org/officeDocument/2006/relationships" xmlns:mc="http://schemas.openxmlformats.org/markup-compatibility/2006" xmlns:mv="urn:schemas-microsoft-com:mac:vml" xmlns:p="http://schemas.openxmlformats.org/presentationml/2006/main" xmlns:c="http://schemas.openxmlformats.org/drawingml/2006/chart" xmlns:dgm="http://schemas.openxmlformats.org/drawingml/2006/diagram" xmlns:o="urn:schemas-microsoft-com:office:office" xmlns:v="urn:schemas-microsoft-com:vml" xmlns:pvml="urn:schemas-microsoft-com:office:powerpoint" xmlns:com="http://schemas.openxmlformats.org/drawingml/2006/compatibility" xmlns:p14="http://schemas.microsoft.com/office/powerpoint/2010/main" xmlns:p15="http://schemas.microsoft.com/office/powerpoint/2012/main" xmlns:ahyp="http://schemas.microsoft.com/office/drawing/2018/hyperlinkcolor" showMasterPhAnim="0" showMasterSp="0">
+<p:notes xmlns:a="http://schemas.openxmlformats.org/drawingml/2006/main" xmlns:r="http://schemas.openxmlformats.org/officeDocument/2006/relationships" xmlns:p="http://schemas.openxmlformats.org/presentationml/2006/main" showMasterSp="0" showMasterPhAnim="0">
   <p:cSld>
     <p:spTree>
       <p:nvGrpSpPr>
-        <p:cNvPr id="104" name="Shape 104"/>
+        <p:cNvPr id="1" name="Shape 104"/>
         <p:cNvGrpSpPr/>
         <p:nvPr/>
       </p:nvGrpSpPr>
@@ -2007,9 +2087,11 @@
       <p:sp>
         <p:nvSpPr>
           <p:cNvPr id="105" name="Google Shape;105;gd72b13923d_0_17:notes"/>
-          <p:cNvSpPr/>
+          <p:cNvSpPr>
+            <a:spLocks noGrp="1" noRot="1" noChangeAspect="1"/>
+          </p:cNvSpPr>
           <p:nvPr>
-            <p:ph idx="2" type="sldImg"/>
+            <p:ph type="sldImg" idx="2"/>
           </p:nvPr>
         </p:nvSpPr>
         <p:spPr>
@@ -2018,9 +2100,13 @@
             <a:ext cx="6096000" cy="3429000"/>
           </a:xfrm>
           <a:custGeom>
-            <a:rect b="b" l="l" r="r" t="t"/>
+            <a:avLst/>
+            <a:gdLst/>
+            <a:ahLst/>
+            <a:cxnLst/>
+            <a:rect l="l" t="t" r="r" b="b"/>
             <a:pathLst>
-              <a:path extrusionOk="0" h="120000" w="120000">
+              <a:path w="120000" h="120000" extrusionOk="0">
                 <a:moveTo>
                   <a:pt x="0" y="0"/>
                 </a:moveTo>
@@ -2042,9 +2128,11 @@
       <p:sp>
         <p:nvSpPr>
           <p:cNvPr id="106" name="Google Shape;106;gd72b13923d_0_17:notes"/>
-          <p:cNvSpPr txBox="1"/>
+          <p:cNvSpPr txBox="1">
+            <a:spLocks noGrp="1"/>
+          </p:cNvSpPr>
           <p:nvPr>
-            <p:ph idx="1" type="body"/>
+            <p:ph type="body" idx="1"/>
           </p:nvPr>
         </p:nvSpPr>
         <p:spPr>
@@ -2057,12 +2145,12 @@
           </a:prstGeom>
         </p:spPr>
         <p:txBody>
-          <a:bodyPr anchorCtr="0" anchor="t" bIns="91425" lIns="91425" spcFirstLastPara="1" rIns="91425" wrap="square" tIns="91425">
+          <a:bodyPr spcFirstLastPara="1" wrap="square" lIns="91425" tIns="91425" rIns="91425" bIns="91425" anchor="t" anchorCtr="0">
             <a:noAutofit/>
           </a:bodyPr>
           <a:lstStyle/>
           <a:p>
-            <a:pPr indent="0" lvl="0" marL="0" rtl="0" algn="l">
+            <a:pPr marL="0" lvl="0" indent="0" algn="l" rtl="0">
               <a:spcBef>
                 <a:spcPts val="0"/>
               </a:spcBef>
@@ -2071,9 +2159,6 @@
               </a:spcAft>
               <a:buNone/>
             </a:pPr>
-            <a:r>
-              <a:t/>
-            </a:r>
             <a:endParaRPr/>
           </a:p>
         </p:txBody>
@@ -2087,11 +2172,11 @@
 </file>
 
 <file path=ppt/notesSlides/notesSlide9.xml><?xml version="1.0" encoding="utf-8"?>
-<p:notes xmlns:a="http://schemas.openxmlformats.org/drawingml/2006/main" xmlns:r="http://schemas.openxmlformats.org/officeDocument/2006/relationships" xmlns:mc="http://schemas.openxmlformats.org/markup-compatibility/2006" xmlns:mv="urn:schemas-microsoft-com:mac:vml" xmlns:p="http://schemas.openxmlformats.org/presentationml/2006/main" xmlns:c="http://schemas.openxmlformats.org/drawingml/2006/chart" xmlns:dgm="http://schemas.openxmlformats.org/drawingml/2006/diagram" xmlns:o="urn:schemas-microsoft-com:office:office" xmlns:v="urn:schemas-microsoft-com:vml" xmlns:pvml="urn:schemas-microsoft-com:office:powerpoint" xmlns:com="http://schemas.openxmlformats.org/drawingml/2006/compatibility" xmlns:p14="http://schemas.microsoft.com/office/powerpoint/2010/main" xmlns:p15="http://schemas.microsoft.com/office/powerpoint/2012/main" xmlns:ahyp="http://schemas.microsoft.com/office/drawing/2018/hyperlinkcolor" showMasterPhAnim="0" showMasterSp="0">
+<p:notes xmlns:a="http://schemas.openxmlformats.org/drawingml/2006/main" xmlns:r="http://schemas.openxmlformats.org/officeDocument/2006/relationships" xmlns:p="http://schemas.openxmlformats.org/presentationml/2006/main" showMasterSp="0" showMasterPhAnim="0">
   <p:cSld>
     <p:spTree>
       <p:nvGrpSpPr>
-        <p:cNvPr id="113" name="Shape 113"/>
+        <p:cNvPr id="1" name="Shape 113"/>
         <p:cNvGrpSpPr/>
         <p:nvPr/>
       </p:nvGrpSpPr>
@@ -2106,9 +2191,11 @@
       <p:sp>
         <p:nvSpPr>
           <p:cNvPr id="114" name="Google Shape;114;gd72b13923d_0_23:notes"/>
-          <p:cNvSpPr/>
+          <p:cNvSpPr>
+            <a:spLocks noGrp="1" noRot="1" noChangeAspect="1"/>
+          </p:cNvSpPr>
           <p:nvPr>
-            <p:ph idx="2" type="sldImg"/>
+            <p:ph type="sldImg" idx="2"/>
           </p:nvPr>
         </p:nvSpPr>
         <p:spPr>
@@ -2117,9 +2204,13 @@
             <a:ext cx="6096000" cy="3429000"/>
           </a:xfrm>
           <a:custGeom>
-            <a:rect b="b" l="l" r="r" t="t"/>
+            <a:avLst/>
+            <a:gdLst/>
+            <a:ahLst/>
+            <a:cxnLst/>
+            <a:rect l="l" t="t" r="r" b="b"/>
             <a:pathLst>
-              <a:path extrusionOk="0" h="120000" w="120000">
+              <a:path w="120000" h="120000" extrusionOk="0">
                 <a:moveTo>
                   <a:pt x="0" y="0"/>
                 </a:moveTo>
@@ -2141,9 +2232,11 @@
       <p:sp>
         <p:nvSpPr>
           <p:cNvPr id="115" name="Google Shape;115;gd72b13923d_0_23:notes"/>
-          <p:cNvSpPr txBox="1"/>
+          <p:cNvSpPr txBox="1">
+            <a:spLocks noGrp="1"/>
+          </p:cNvSpPr>
           <p:nvPr>
-            <p:ph idx="1" type="body"/>
+            <p:ph type="body" idx="1"/>
           </p:nvPr>
         </p:nvSpPr>
         <p:spPr>
@@ -2156,12 +2249,12 @@
           </a:prstGeom>
         </p:spPr>
         <p:txBody>
-          <a:bodyPr anchorCtr="0" anchor="t" bIns="91425" lIns="91425" spcFirstLastPara="1" rIns="91425" wrap="square" tIns="91425">
+          <a:bodyPr spcFirstLastPara="1" wrap="square" lIns="91425" tIns="91425" rIns="91425" bIns="91425" anchor="t" anchorCtr="0">
             <a:noAutofit/>
           </a:bodyPr>
           <a:lstStyle/>
           <a:p>
-            <a:pPr indent="0" lvl="0" marL="0" rtl="0" algn="l">
+            <a:pPr marL="0" lvl="0" indent="0" algn="l" rtl="0">
               <a:spcBef>
                 <a:spcPts val="0"/>
               </a:spcBef>
@@ -2170,9 +2263,6 @@
               </a:spcAft>
               <a:buNone/>
             </a:pPr>
-            <a:r>
-              <a:t/>
-            </a:r>
             <a:endParaRPr/>
           </a:p>
         </p:txBody>
@@ -2186,11 +2276,11 @@
 </file>
 
 <file path=ppt/slideLayouts/slideLayout1.xml><?xml version="1.0" encoding="utf-8"?>
-<p:sldLayout xmlns:a="http://schemas.openxmlformats.org/drawingml/2006/main" xmlns:r="http://schemas.openxmlformats.org/officeDocument/2006/relationships" xmlns:mc="http://schemas.openxmlformats.org/markup-compatibility/2006" xmlns:mv="urn:schemas-microsoft-com:mac:vml" xmlns:p="http://schemas.openxmlformats.org/presentationml/2006/main" xmlns:c="http://schemas.openxmlformats.org/drawingml/2006/chart" xmlns:dgm="http://schemas.openxmlformats.org/drawingml/2006/diagram" xmlns:o="urn:schemas-microsoft-com:office:office" xmlns:v="urn:schemas-microsoft-com:vml" xmlns:pvml="urn:schemas-microsoft-com:office:powerpoint" xmlns:com="http://schemas.openxmlformats.org/drawingml/2006/compatibility" xmlns:p14="http://schemas.microsoft.com/office/powerpoint/2010/main" xmlns:p15="http://schemas.microsoft.com/office/powerpoint/2012/main" xmlns:ahyp="http://schemas.microsoft.com/office/drawing/2018/hyperlinkcolor" matchingName="Title slide" type="title">
+<p:sldLayout xmlns:a="http://schemas.openxmlformats.org/drawingml/2006/main" xmlns:r="http://schemas.openxmlformats.org/officeDocument/2006/relationships" xmlns:p="http://schemas.openxmlformats.org/presentationml/2006/main" matchingName="Title slide" type="title">
   <p:cSld name="TITLE">
     <p:spTree>
       <p:nvGrpSpPr>
-        <p:cNvPr id="9" name="Shape 9"/>
+        <p:cNvPr id="1" name="Shape 9"/>
         <p:cNvGrpSpPr/>
         <p:nvPr/>
       </p:nvGrpSpPr>
@@ -2205,7 +2295,9 @@
       <p:sp>
         <p:nvSpPr>
           <p:cNvPr id="10" name="Google Shape;10;p2"/>
-          <p:cNvSpPr txBox="1"/>
+          <p:cNvSpPr txBox="1">
+            <a:spLocks noGrp="1"/>
+          </p:cNvSpPr>
           <p:nvPr>
             <p:ph type="ctrTitle"/>
           </p:nvPr>
@@ -2220,7 +2312,7 @@
           </a:prstGeom>
         </p:spPr>
         <p:txBody>
-          <a:bodyPr anchorCtr="0" anchor="b" bIns="91425" lIns="91425" spcFirstLastPara="1" rIns="91425" wrap="square" tIns="91425">
+          <a:bodyPr spcFirstLastPara="1" wrap="square" lIns="91425" tIns="91425" rIns="91425" bIns="91425" anchor="b" anchorCtr="0">
             <a:normAutofit/>
           </a:bodyPr>
           <a:lstStyle>
@@ -2324,15 +2416,19 @@
               <a:defRPr sz="5200"/>
             </a:lvl9pPr>
           </a:lstStyle>
-          <a:p/>
+          <a:p>
+            <a:endParaRPr/>
+          </a:p>
         </p:txBody>
       </p:sp>
       <p:sp>
         <p:nvSpPr>
           <p:cNvPr id="11" name="Google Shape;11;p2"/>
-          <p:cNvSpPr txBox="1"/>
+          <p:cNvSpPr txBox="1">
+            <a:spLocks noGrp="1"/>
+          </p:cNvSpPr>
           <p:nvPr>
-            <p:ph idx="1" type="subTitle"/>
+            <p:ph type="subTitle" idx="1"/>
           </p:nvPr>
         </p:nvSpPr>
         <p:spPr>
@@ -2345,7 +2441,7 @@
           </a:prstGeom>
         </p:spPr>
         <p:txBody>
-          <a:bodyPr anchorCtr="0" anchor="t" bIns="91425" lIns="91425" spcFirstLastPara="1" rIns="91425" wrap="square" tIns="91425">
+          <a:bodyPr spcFirstLastPara="1" wrap="square" lIns="91425" tIns="91425" rIns="91425" bIns="91425" anchor="t" anchorCtr="0">
             <a:normAutofit/>
           </a:bodyPr>
           <a:lstStyle>
@@ -2476,15 +2572,19 @@
               <a:defRPr sz="2800"/>
             </a:lvl9pPr>
           </a:lstStyle>
-          <a:p/>
+          <a:p>
+            <a:endParaRPr/>
+          </a:p>
         </p:txBody>
       </p:sp>
       <p:sp>
         <p:nvSpPr>
           <p:cNvPr id="12" name="Google Shape;12;p2"/>
-          <p:cNvSpPr txBox="1"/>
+          <p:cNvSpPr txBox="1">
+            <a:spLocks noGrp="1"/>
+          </p:cNvSpPr>
           <p:nvPr>
-            <p:ph idx="12" type="sldNum"/>
+            <p:ph type="sldNum" idx="12"/>
           </p:nvPr>
         </p:nvSpPr>
         <p:spPr>
@@ -2497,7 +2597,7 @@
           </a:prstGeom>
         </p:spPr>
         <p:txBody>
-          <a:bodyPr anchorCtr="0" anchor="ctr" bIns="91425" lIns="91425" spcFirstLastPara="1" rIns="91425" wrap="square" tIns="91425">
+          <a:bodyPr spcFirstLastPara="1" wrap="square" lIns="91425" tIns="91425" rIns="91425" bIns="91425" anchor="ctr" anchorCtr="0">
             <a:normAutofit/>
           </a:bodyPr>
           <a:lstStyle>
@@ -2539,7 +2639,7 @@
             </a:lvl9pPr>
           </a:lstStyle>
           <a:p>
-            <a:pPr indent="0" lvl="0" marL="0" rtl="0" algn="r">
+            <a:pPr marL="0" lvl="0" indent="0" algn="r" rtl="0">
               <a:spcBef>
                 <a:spcPts val="0"/>
               </a:spcBef>
@@ -2550,6 +2650,15 @@
             </a:pPr>
             <a:fld id="{00000000-1234-1234-1234-123412341234}" type="slidenum">
               <a:rPr lang="en"/>
+              <a:pPr marL="0" lvl="0" indent="0" algn="r" rtl="0">
+                <a:spcBef>
+                  <a:spcPts val="0"/>
+                </a:spcBef>
+                <a:spcAft>
+                  <a:spcPts val="0"/>
+                </a:spcAft>
+                <a:buNone/>
+              </a:pPr>
               <a:t>‹#›</a:t>
             </a:fld>
             <a:endParaRPr/>
@@ -2565,11 +2674,11 @@
 </file>
 
 <file path=ppt/slideLayouts/slideLayout10.xml><?xml version="1.0" encoding="utf-8"?>
-<p:sldLayout xmlns:a="http://schemas.openxmlformats.org/drawingml/2006/main" xmlns:r="http://schemas.openxmlformats.org/officeDocument/2006/relationships" xmlns:mc="http://schemas.openxmlformats.org/markup-compatibility/2006" xmlns:mv="urn:schemas-microsoft-com:mac:vml" xmlns:p="http://schemas.openxmlformats.org/presentationml/2006/main" xmlns:c="http://schemas.openxmlformats.org/drawingml/2006/chart" xmlns:dgm="http://schemas.openxmlformats.org/drawingml/2006/diagram" xmlns:o="urn:schemas-microsoft-com:office:office" xmlns:v="urn:schemas-microsoft-com:vml" xmlns:pvml="urn:schemas-microsoft-com:office:powerpoint" xmlns:com="http://schemas.openxmlformats.org/drawingml/2006/compatibility" xmlns:p14="http://schemas.microsoft.com/office/powerpoint/2010/main" xmlns:p15="http://schemas.microsoft.com/office/powerpoint/2012/main" xmlns:ahyp="http://schemas.microsoft.com/office/drawing/2018/hyperlinkcolor" matchingName="Big number">
+<p:sldLayout xmlns:a="http://schemas.openxmlformats.org/drawingml/2006/main" xmlns:r="http://schemas.openxmlformats.org/officeDocument/2006/relationships" xmlns:p="http://schemas.openxmlformats.org/presentationml/2006/main" matchingName="Big number">
   <p:cSld name="BIG_NUMBER">
     <p:spTree>
       <p:nvGrpSpPr>
-        <p:cNvPr id="44" name="Shape 44"/>
+        <p:cNvPr id="1" name="Shape 44"/>
         <p:cNvGrpSpPr/>
         <p:nvPr/>
       </p:nvGrpSpPr>
@@ -2584,9 +2693,11 @@
       <p:sp>
         <p:nvSpPr>
           <p:cNvPr id="45" name="Google Shape;45;p11"/>
-          <p:cNvSpPr txBox="1"/>
+          <p:cNvSpPr txBox="1">
+            <a:spLocks noGrp="1"/>
+          </p:cNvSpPr>
           <p:nvPr>
-            <p:ph hasCustomPrompt="1" type="title"/>
+            <p:ph type="title" hasCustomPrompt="1"/>
           </p:nvPr>
         </p:nvSpPr>
         <p:spPr>
@@ -2599,7 +2710,7 @@
           </a:prstGeom>
         </p:spPr>
         <p:txBody>
-          <a:bodyPr anchorCtr="0" anchor="b" bIns="91425" lIns="91425" spcFirstLastPara="1" rIns="91425" wrap="square" tIns="91425">
+          <a:bodyPr spcFirstLastPara="1" wrap="square" lIns="91425" tIns="91425" rIns="91425" bIns="91425" anchor="b" anchorCtr="0">
             <a:normAutofit/>
           </a:bodyPr>
           <a:lstStyle>
@@ -2713,9 +2824,11 @@
       <p:sp>
         <p:nvSpPr>
           <p:cNvPr id="46" name="Google Shape;46;p11"/>
-          <p:cNvSpPr txBox="1"/>
+          <p:cNvSpPr txBox="1">
+            <a:spLocks noGrp="1"/>
+          </p:cNvSpPr>
           <p:nvPr>
-            <p:ph idx="1" type="body"/>
+            <p:ph type="body" idx="1"/>
           </p:nvPr>
         </p:nvSpPr>
         <p:spPr>
@@ -2728,11 +2841,11 @@
           </a:prstGeom>
         </p:spPr>
         <p:txBody>
-          <a:bodyPr anchorCtr="0" anchor="t" bIns="91425" lIns="91425" spcFirstLastPara="1" rIns="91425" wrap="square" tIns="91425">
+          <a:bodyPr spcFirstLastPara="1" wrap="square" lIns="91425" tIns="91425" rIns="91425" bIns="91425" anchor="t" anchorCtr="0">
             <a:normAutofit/>
           </a:bodyPr>
           <a:lstStyle>
-            <a:lvl1pPr indent="-342900" lvl="0" marL="457200" algn="ctr">
+            <a:lvl1pPr marL="457200" lvl="0" indent="-342900" algn="ctr">
               <a:spcBef>
                 <a:spcPts val="0"/>
               </a:spcBef>
@@ -2743,7 +2856,7 @@
               <a:buChar char="●"/>
               <a:defRPr/>
             </a:lvl1pPr>
-            <a:lvl2pPr indent="-317500" lvl="1" marL="914400" algn="ctr">
+            <a:lvl2pPr marL="914400" lvl="1" indent="-317500" algn="ctr">
               <a:spcBef>
                 <a:spcPts val="0"/>
               </a:spcBef>
@@ -2754,7 +2867,7 @@
               <a:buChar char="○"/>
               <a:defRPr/>
             </a:lvl2pPr>
-            <a:lvl3pPr indent="-317500" lvl="2" marL="1371600" algn="ctr">
+            <a:lvl3pPr marL="1371600" lvl="2" indent="-317500" algn="ctr">
               <a:spcBef>
                 <a:spcPts val="0"/>
               </a:spcBef>
@@ -2765,7 +2878,7 @@
               <a:buChar char="■"/>
               <a:defRPr/>
             </a:lvl3pPr>
-            <a:lvl4pPr indent="-317500" lvl="3" marL="1828800" algn="ctr">
+            <a:lvl4pPr marL="1828800" lvl="3" indent="-317500" algn="ctr">
               <a:spcBef>
                 <a:spcPts val="0"/>
               </a:spcBef>
@@ -2776,7 +2889,7 @@
               <a:buChar char="●"/>
               <a:defRPr/>
             </a:lvl4pPr>
-            <a:lvl5pPr indent="-317500" lvl="4" marL="2286000" algn="ctr">
+            <a:lvl5pPr marL="2286000" lvl="4" indent="-317500" algn="ctr">
               <a:spcBef>
                 <a:spcPts val="0"/>
               </a:spcBef>
@@ -2787,7 +2900,7 @@
               <a:buChar char="○"/>
               <a:defRPr/>
             </a:lvl5pPr>
-            <a:lvl6pPr indent="-317500" lvl="5" marL="2743200" algn="ctr">
+            <a:lvl6pPr marL="2743200" lvl="5" indent="-317500" algn="ctr">
               <a:spcBef>
                 <a:spcPts val="0"/>
               </a:spcBef>
@@ -2798,7 +2911,7 @@
               <a:buChar char="■"/>
               <a:defRPr/>
             </a:lvl6pPr>
-            <a:lvl7pPr indent="-317500" lvl="6" marL="3200400" algn="ctr">
+            <a:lvl7pPr marL="3200400" lvl="6" indent="-317500" algn="ctr">
               <a:spcBef>
                 <a:spcPts val="0"/>
               </a:spcBef>
@@ -2809,7 +2922,7 @@
               <a:buChar char="●"/>
               <a:defRPr/>
             </a:lvl7pPr>
-            <a:lvl8pPr indent="-317500" lvl="7" marL="3657600" algn="ctr">
+            <a:lvl8pPr marL="3657600" lvl="7" indent="-317500" algn="ctr">
               <a:spcBef>
                 <a:spcPts val="0"/>
               </a:spcBef>
@@ -2820,7 +2933,7 @@
               <a:buChar char="○"/>
               <a:defRPr/>
             </a:lvl8pPr>
-            <a:lvl9pPr indent="-317500" lvl="8" marL="4114800" algn="ctr">
+            <a:lvl9pPr marL="4114800" lvl="8" indent="-317500" algn="ctr">
               <a:spcBef>
                 <a:spcPts val="0"/>
               </a:spcBef>
@@ -2832,15 +2945,19 @@
               <a:defRPr/>
             </a:lvl9pPr>
           </a:lstStyle>
-          <a:p/>
+          <a:p>
+            <a:endParaRPr/>
+          </a:p>
         </p:txBody>
       </p:sp>
       <p:sp>
         <p:nvSpPr>
           <p:cNvPr id="47" name="Google Shape;47;p11"/>
-          <p:cNvSpPr txBox="1"/>
+          <p:cNvSpPr txBox="1">
+            <a:spLocks noGrp="1"/>
+          </p:cNvSpPr>
           <p:nvPr>
-            <p:ph idx="12" type="sldNum"/>
+            <p:ph type="sldNum" idx="12"/>
           </p:nvPr>
         </p:nvSpPr>
         <p:spPr>
@@ -2853,7 +2970,7 @@
           </a:prstGeom>
         </p:spPr>
         <p:txBody>
-          <a:bodyPr anchorCtr="0" anchor="ctr" bIns="91425" lIns="91425" spcFirstLastPara="1" rIns="91425" wrap="square" tIns="91425">
+          <a:bodyPr spcFirstLastPara="1" wrap="square" lIns="91425" tIns="91425" rIns="91425" bIns="91425" anchor="ctr" anchorCtr="0">
             <a:normAutofit/>
           </a:bodyPr>
           <a:lstStyle>
@@ -2895,7 +3012,7 @@
             </a:lvl9pPr>
           </a:lstStyle>
           <a:p>
-            <a:pPr indent="0" lvl="0" marL="0" rtl="0" algn="r">
+            <a:pPr marL="0" lvl="0" indent="0" algn="r" rtl="0">
               <a:spcBef>
                 <a:spcPts val="0"/>
               </a:spcBef>
@@ -2906,6 +3023,15 @@
             </a:pPr>
             <a:fld id="{00000000-1234-1234-1234-123412341234}" type="slidenum">
               <a:rPr lang="en"/>
+              <a:pPr marL="0" lvl="0" indent="0" algn="r" rtl="0">
+                <a:spcBef>
+                  <a:spcPts val="0"/>
+                </a:spcBef>
+                <a:spcAft>
+                  <a:spcPts val="0"/>
+                </a:spcAft>
+                <a:buNone/>
+              </a:pPr>
               <a:t>‹#›</a:t>
             </a:fld>
             <a:endParaRPr/>
@@ -2921,11 +3047,11 @@
 </file>
 
 <file path=ppt/slideLayouts/slideLayout11.xml><?xml version="1.0" encoding="utf-8"?>
-<p:sldLayout xmlns:a="http://schemas.openxmlformats.org/drawingml/2006/main" xmlns:r="http://schemas.openxmlformats.org/officeDocument/2006/relationships" xmlns:mc="http://schemas.openxmlformats.org/markup-compatibility/2006" xmlns:mv="urn:schemas-microsoft-com:mac:vml" xmlns:p="http://schemas.openxmlformats.org/presentationml/2006/main" xmlns:c="http://schemas.openxmlformats.org/drawingml/2006/chart" xmlns:dgm="http://schemas.openxmlformats.org/drawingml/2006/diagram" xmlns:o="urn:schemas-microsoft-com:office:office" xmlns:v="urn:schemas-microsoft-com:vml" xmlns:pvml="urn:schemas-microsoft-com:office:powerpoint" xmlns:com="http://schemas.openxmlformats.org/drawingml/2006/compatibility" xmlns:p14="http://schemas.microsoft.com/office/powerpoint/2010/main" xmlns:p15="http://schemas.microsoft.com/office/powerpoint/2012/main" xmlns:ahyp="http://schemas.microsoft.com/office/drawing/2018/hyperlinkcolor" matchingName="Blank" type="blank">
+<p:sldLayout xmlns:a="http://schemas.openxmlformats.org/drawingml/2006/main" xmlns:r="http://schemas.openxmlformats.org/officeDocument/2006/relationships" xmlns:p="http://schemas.openxmlformats.org/presentationml/2006/main" matchingName="Blank" type="blank">
   <p:cSld name="BLANK">
     <p:spTree>
       <p:nvGrpSpPr>
-        <p:cNvPr id="48" name="Shape 48"/>
+        <p:cNvPr id="1" name="Shape 48"/>
         <p:cNvGrpSpPr/>
         <p:nvPr/>
       </p:nvGrpSpPr>
@@ -2940,9 +3066,11 @@
       <p:sp>
         <p:nvSpPr>
           <p:cNvPr id="49" name="Google Shape;49;p12"/>
-          <p:cNvSpPr txBox="1"/>
+          <p:cNvSpPr txBox="1">
+            <a:spLocks noGrp="1"/>
+          </p:cNvSpPr>
           <p:nvPr>
-            <p:ph idx="12" type="sldNum"/>
+            <p:ph type="sldNum" idx="12"/>
           </p:nvPr>
         </p:nvSpPr>
         <p:spPr>
@@ -2955,7 +3083,7 @@
           </a:prstGeom>
         </p:spPr>
         <p:txBody>
-          <a:bodyPr anchorCtr="0" anchor="ctr" bIns="91425" lIns="91425" spcFirstLastPara="1" rIns="91425" wrap="square" tIns="91425">
+          <a:bodyPr spcFirstLastPara="1" wrap="square" lIns="91425" tIns="91425" rIns="91425" bIns="91425" anchor="ctr" anchorCtr="0">
             <a:normAutofit/>
           </a:bodyPr>
           <a:lstStyle>
@@ -2997,7 +3125,7 @@
             </a:lvl9pPr>
           </a:lstStyle>
           <a:p>
-            <a:pPr indent="0" lvl="0" marL="0" rtl="0" algn="r">
+            <a:pPr marL="0" lvl="0" indent="0" algn="r" rtl="0">
               <a:spcBef>
                 <a:spcPts val="0"/>
               </a:spcBef>
@@ -3008,6 +3136,15 @@
             </a:pPr>
             <a:fld id="{00000000-1234-1234-1234-123412341234}" type="slidenum">
               <a:rPr lang="en"/>
+              <a:pPr marL="0" lvl="0" indent="0" algn="r" rtl="0">
+                <a:spcBef>
+                  <a:spcPts val="0"/>
+                </a:spcBef>
+                <a:spcAft>
+                  <a:spcPts val="0"/>
+                </a:spcAft>
+                <a:buNone/>
+              </a:pPr>
               <a:t>‹#›</a:t>
             </a:fld>
             <a:endParaRPr/>
@@ -3023,11 +3160,11 @@
 </file>
 
 <file path=ppt/slideLayouts/slideLayout2.xml><?xml version="1.0" encoding="utf-8"?>
-<p:sldLayout xmlns:a="http://schemas.openxmlformats.org/drawingml/2006/main" xmlns:r="http://schemas.openxmlformats.org/officeDocument/2006/relationships" xmlns:mc="http://schemas.openxmlformats.org/markup-compatibility/2006" xmlns:mv="urn:schemas-microsoft-com:mac:vml" xmlns:p="http://schemas.openxmlformats.org/presentationml/2006/main" xmlns:c="http://schemas.openxmlformats.org/drawingml/2006/chart" xmlns:dgm="http://schemas.openxmlformats.org/drawingml/2006/diagram" xmlns:o="urn:schemas-microsoft-com:office:office" xmlns:v="urn:schemas-microsoft-com:vml" xmlns:pvml="urn:schemas-microsoft-com:office:powerpoint" xmlns:com="http://schemas.openxmlformats.org/drawingml/2006/compatibility" xmlns:p14="http://schemas.microsoft.com/office/powerpoint/2010/main" xmlns:p15="http://schemas.microsoft.com/office/powerpoint/2012/main" xmlns:ahyp="http://schemas.microsoft.com/office/drawing/2018/hyperlinkcolor" matchingName="Section header" type="secHead">
+<p:sldLayout xmlns:a="http://schemas.openxmlformats.org/drawingml/2006/main" xmlns:r="http://schemas.openxmlformats.org/officeDocument/2006/relationships" xmlns:p="http://schemas.openxmlformats.org/presentationml/2006/main" matchingName="Section header" type="secHead">
   <p:cSld name="SECTION_HEADER">
     <p:spTree>
       <p:nvGrpSpPr>
-        <p:cNvPr id="13" name="Shape 13"/>
+        <p:cNvPr id="1" name="Shape 13"/>
         <p:cNvGrpSpPr/>
         <p:nvPr/>
       </p:nvGrpSpPr>
@@ -3042,7 +3179,9 @@
       <p:sp>
         <p:nvSpPr>
           <p:cNvPr id="14" name="Google Shape;14;p3"/>
-          <p:cNvSpPr txBox="1"/>
+          <p:cNvSpPr txBox="1">
+            <a:spLocks noGrp="1"/>
+          </p:cNvSpPr>
           <p:nvPr>
             <p:ph type="title"/>
           </p:nvPr>
@@ -3057,7 +3196,7 @@
           </a:prstGeom>
         </p:spPr>
         <p:txBody>
-          <a:bodyPr anchorCtr="0" anchor="ctr" bIns="91425" lIns="91425" spcFirstLastPara="1" rIns="91425" wrap="square" tIns="91425">
+          <a:bodyPr spcFirstLastPara="1" wrap="square" lIns="91425" tIns="91425" rIns="91425" bIns="91425" anchor="ctr" anchorCtr="0">
             <a:normAutofit/>
           </a:bodyPr>
           <a:lstStyle>
@@ -3161,15 +3300,19 @@
               <a:defRPr sz="3600"/>
             </a:lvl9pPr>
           </a:lstStyle>
-          <a:p/>
+          <a:p>
+            <a:endParaRPr/>
+          </a:p>
         </p:txBody>
       </p:sp>
       <p:sp>
         <p:nvSpPr>
           <p:cNvPr id="15" name="Google Shape;15;p3"/>
-          <p:cNvSpPr txBox="1"/>
+          <p:cNvSpPr txBox="1">
+            <a:spLocks noGrp="1"/>
+          </p:cNvSpPr>
           <p:nvPr>
-            <p:ph idx="12" type="sldNum"/>
+            <p:ph type="sldNum" idx="12"/>
           </p:nvPr>
         </p:nvSpPr>
         <p:spPr>
@@ -3182,7 +3325,7 @@
           </a:prstGeom>
         </p:spPr>
         <p:txBody>
-          <a:bodyPr anchorCtr="0" anchor="ctr" bIns="91425" lIns="91425" spcFirstLastPara="1" rIns="91425" wrap="square" tIns="91425">
+          <a:bodyPr spcFirstLastPara="1" wrap="square" lIns="91425" tIns="91425" rIns="91425" bIns="91425" anchor="ctr" anchorCtr="0">
             <a:normAutofit/>
           </a:bodyPr>
           <a:lstStyle>
@@ -3224,7 +3367,7 @@
             </a:lvl9pPr>
           </a:lstStyle>
           <a:p>
-            <a:pPr indent="0" lvl="0" marL="0" rtl="0" algn="r">
+            <a:pPr marL="0" lvl="0" indent="0" algn="r" rtl="0">
               <a:spcBef>
                 <a:spcPts val="0"/>
               </a:spcBef>
@@ -3235,6 +3378,15 @@
             </a:pPr>
             <a:fld id="{00000000-1234-1234-1234-123412341234}" type="slidenum">
               <a:rPr lang="en"/>
+              <a:pPr marL="0" lvl="0" indent="0" algn="r" rtl="0">
+                <a:spcBef>
+                  <a:spcPts val="0"/>
+                </a:spcBef>
+                <a:spcAft>
+                  <a:spcPts val="0"/>
+                </a:spcAft>
+                <a:buNone/>
+              </a:pPr>
               <a:t>‹#›</a:t>
             </a:fld>
             <a:endParaRPr/>
@@ -3250,11 +3402,11 @@
 </file>
 
 <file path=ppt/slideLayouts/slideLayout3.xml><?xml version="1.0" encoding="utf-8"?>
-<p:sldLayout xmlns:a="http://schemas.openxmlformats.org/drawingml/2006/main" xmlns:r="http://schemas.openxmlformats.org/officeDocument/2006/relationships" xmlns:mc="http://schemas.openxmlformats.org/markup-compatibility/2006" xmlns:mv="urn:schemas-microsoft-com:mac:vml" xmlns:p="http://schemas.openxmlformats.org/presentationml/2006/main" xmlns:c="http://schemas.openxmlformats.org/drawingml/2006/chart" xmlns:dgm="http://schemas.openxmlformats.org/drawingml/2006/diagram" xmlns:o="urn:schemas-microsoft-com:office:office" xmlns:v="urn:schemas-microsoft-com:vml" xmlns:pvml="urn:schemas-microsoft-com:office:powerpoint" xmlns:com="http://schemas.openxmlformats.org/drawingml/2006/compatibility" xmlns:p14="http://schemas.microsoft.com/office/powerpoint/2010/main" xmlns:p15="http://schemas.microsoft.com/office/powerpoint/2012/main" xmlns:ahyp="http://schemas.microsoft.com/office/drawing/2018/hyperlinkcolor" matchingName="Title and body" type="tx">
+<p:sldLayout xmlns:a="http://schemas.openxmlformats.org/drawingml/2006/main" xmlns:r="http://schemas.openxmlformats.org/officeDocument/2006/relationships" xmlns:p="http://schemas.openxmlformats.org/presentationml/2006/main" matchingName="Title and body" type="tx">
   <p:cSld name="TITLE_AND_BODY">
     <p:spTree>
       <p:nvGrpSpPr>
-        <p:cNvPr id="16" name="Shape 16"/>
+        <p:cNvPr id="1" name="Shape 16"/>
         <p:cNvGrpSpPr/>
         <p:nvPr/>
       </p:nvGrpSpPr>
@@ -3269,7 +3421,9 @@
       <p:sp>
         <p:nvSpPr>
           <p:cNvPr id="17" name="Google Shape;17;p4"/>
-          <p:cNvSpPr txBox="1"/>
+          <p:cNvSpPr txBox="1">
+            <a:spLocks noGrp="1"/>
+          </p:cNvSpPr>
           <p:nvPr>
             <p:ph type="title"/>
           </p:nvPr>
@@ -3284,7 +3438,7 @@
           </a:prstGeom>
         </p:spPr>
         <p:txBody>
-          <a:bodyPr anchorCtr="0" anchor="t" bIns="91425" lIns="91425" spcFirstLastPara="1" rIns="91425" wrap="square" tIns="91425">
+          <a:bodyPr spcFirstLastPara="1" wrap="square" lIns="91425" tIns="91425" rIns="91425" bIns="91425" anchor="t" anchorCtr="0">
             <a:normAutofit/>
           </a:bodyPr>
           <a:lstStyle>
@@ -3388,15 +3542,19 @@
               <a:defRPr/>
             </a:lvl9pPr>
           </a:lstStyle>
-          <a:p/>
+          <a:p>
+            <a:endParaRPr/>
+          </a:p>
         </p:txBody>
       </p:sp>
       <p:sp>
         <p:nvSpPr>
           <p:cNvPr id="18" name="Google Shape;18;p4"/>
-          <p:cNvSpPr txBox="1"/>
+          <p:cNvSpPr txBox="1">
+            <a:spLocks noGrp="1"/>
+          </p:cNvSpPr>
           <p:nvPr>
-            <p:ph idx="1" type="body"/>
+            <p:ph type="body" idx="1"/>
           </p:nvPr>
         </p:nvSpPr>
         <p:spPr>
@@ -3409,11 +3567,11 @@
           </a:prstGeom>
         </p:spPr>
         <p:txBody>
-          <a:bodyPr anchorCtr="0" anchor="t" bIns="91425" lIns="91425" spcFirstLastPara="1" rIns="91425" wrap="square" tIns="91425">
+          <a:bodyPr spcFirstLastPara="1" wrap="square" lIns="91425" tIns="91425" rIns="91425" bIns="91425" anchor="t" anchorCtr="0">
             <a:normAutofit/>
           </a:bodyPr>
           <a:lstStyle>
-            <a:lvl1pPr indent="-342900" lvl="0" marL="457200">
+            <a:lvl1pPr marL="457200" lvl="0" indent="-342900">
               <a:spcBef>
                 <a:spcPts val="0"/>
               </a:spcBef>
@@ -3424,7 +3582,7 @@
               <a:buChar char="●"/>
               <a:defRPr/>
             </a:lvl1pPr>
-            <a:lvl2pPr indent="-317500" lvl="1" marL="914400">
+            <a:lvl2pPr marL="914400" lvl="1" indent="-317500">
               <a:spcBef>
                 <a:spcPts val="0"/>
               </a:spcBef>
@@ -3435,7 +3593,7 @@
               <a:buChar char="○"/>
               <a:defRPr/>
             </a:lvl2pPr>
-            <a:lvl3pPr indent="-317500" lvl="2" marL="1371600">
+            <a:lvl3pPr marL="1371600" lvl="2" indent="-317500">
               <a:spcBef>
                 <a:spcPts val="0"/>
               </a:spcBef>
@@ -3446,7 +3604,7 @@
               <a:buChar char="■"/>
               <a:defRPr/>
             </a:lvl3pPr>
-            <a:lvl4pPr indent="-317500" lvl="3" marL="1828800">
+            <a:lvl4pPr marL="1828800" lvl="3" indent="-317500">
               <a:spcBef>
                 <a:spcPts val="0"/>
               </a:spcBef>
@@ -3457,7 +3615,7 @@
               <a:buChar char="●"/>
               <a:defRPr/>
             </a:lvl4pPr>
-            <a:lvl5pPr indent="-317500" lvl="4" marL="2286000">
+            <a:lvl5pPr marL="2286000" lvl="4" indent="-317500">
               <a:spcBef>
                 <a:spcPts val="0"/>
               </a:spcBef>
@@ -3468,7 +3626,7 @@
               <a:buChar char="○"/>
               <a:defRPr/>
             </a:lvl5pPr>
-            <a:lvl6pPr indent="-317500" lvl="5" marL="2743200">
+            <a:lvl6pPr marL="2743200" lvl="5" indent="-317500">
               <a:spcBef>
                 <a:spcPts val="0"/>
               </a:spcBef>
@@ -3479,7 +3637,7 @@
               <a:buChar char="■"/>
               <a:defRPr/>
             </a:lvl6pPr>
-            <a:lvl7pPr indent="-317500" lvl="6" marL="3200400">
+            <a:lvl7pPr marL="3200400" lvl="6" indent="-317500">
               <a:spcBef>
                 <a:spcPts val="0"/>
               </a:spcBef>
@@ -3490,7 +3648,7 @@
               <a:buChar char="●"/>
               <a:defRPr/>
             </a:lvl7pPr>
-            <a:lvl8pPr indent="-317500" lvl="7" marL="3657600">
+            <a:lvl8pPr marL="3657600" lvl="7" indent="-317500">
               <a:spcBef>
                 <a:spcPts val="0"/>
               </a:spcBef>
@@ -3501,7 +3659,7 @@
               <a:buChar char="○"/>
               <a:defRPr/>
             </a:lvl8pPr>
-            <a:lvl9pPr indent="-317500" lvl="8" marL="4114800">
+            <a:lvl9pPr marL="4114800" lvl="8" indent="-317500">
               <a:spcBef>
                 <a:spcPts val="0"/>
               </a:spcBef>
@@ -3513,15 +3671,19 @@
               <a:defRPr/>
             </a:lvl9pPr>
           </a:lstStyle>
-          <a:p/>
+          <a:p>
+            <a:endParaRPr/>
+          </a:p>
         </p:txBody>
       </p:sp>
       <p:sp>
         <p:nvSpPr>
           <p:cNvPr id="19" name="Google Shape;19;p4"/>
-          <p:cNvSpPr txBox="1"/>
+          <p:cNvSpPr txBox="1">
+            <a:spLocks noGrp="1"/>
+          </p:cNvSpPr>
           <p:nvPr>
-            <p:ph idx="12" type="sldNum"/>
+            <p:ph type="sldNum" idx="12"/>
           </p:nvPr>
         </p:nvSpPr>
         <p:spPr>
@@ -3534,7 +3696,7 @@
           </a:prstGeom>
         </p:spPr>
         <p:txBody>
-          <a:bodyPr anchorCtr="0" anchor="ctr" bIns="91425" lIns="91425" spcFirstLastPara="1" rIns="91425" wrap="square" tIns="91425">
+          <a:bodyPr spcFirstLastPara="1" wrap="square" lIns="91425" tIns="91425" rIns="91425" bIns="91425" anchor="ctr" anchorCtr="0">
             <a:normAutofit/>
           </a:bodyPr>
           <a:lstStyle>
@@ -3576,7 +3738,7 @@
             </a:lvl9pPr>
           </a:lstStyle>
           <a:p>
-            <a:pPr indent="0" lvl="0" marL="0" rtl="0" algn="r">
+            <a:pPr marL="0" lvl="0" indent="0" algn="r" rtl="0">
               <a:spcBef>
                 <a:spcPts val="0"/>
               </a:spcBef>
@@ -3587,6 +3749,15 @@
             </a:pPr>
             <a:fld id="{00000000-1234-1234-1234-123412341234}" type="slidenum">
               <a:rPr lang="en"/>
+              <a:pPr marL="0" lvl="0" indent="0" algn="r" rtl="0">
+                <a:spcBef>
+                  <a:spcPts val="0"/>
+                </a:spcBef>
+                <a:spcAft>
+                  <a:spcPts val="0"/>
+                </a:spcAft>
+                <a:buNone/>
+              </a:pPr>
               <a:t>‹#›</a:t>
             </a:fld>
             <a:endParaRPr/>
@@ -3602,11 +3773,11 @@
 </file>
 
 <file path=ppt/slideLayouts/slideLayout4.xml><?xml version="1.0" encoding="utf-8"?>
-<p:sldLayout xmlns:a="http://schemas.openxmlformats.org/drawingml/2006/main" xmlns:r="http://schemas.openxmlformats.org/officeDocument/2006/relationships" xmlns:mc="http://schemas.openxmlformats.org/markup-compatibility/2006" xmlns:mv="urn:schemas-microsoft-com:mac:vml" xmlns:p="http://schemas.openxmlformats.org/presentationml/2006/main" xmlns:c="http://schemas.openxmlformats.org/drawingml/2006/chart" xmlns:dgm="http://schemas.openxmlformats.org/drawingml/2006/diagram" xmlns:o="urn:schemas-microsoft-com:office:office" xmlns:v="urn:schemas-microsoft-com:vml" xmlns:pvml="urn:schemas-microsoft-com:office:powerpoint" xmlns:com="http://schemas.openxmlformats.org/drawingml/2006/compatibility" xmlns:p14="http://schemas.microsoft.com/office/powerpoint/2010/main" xmlns:p15="http://schemas.microsoft.com/office/powerpoint/2012/main" xmlns:ahyp="http://schemas.microsoft.com/office/drawing/2018/hyperlinkcolor" matchingName="Title and two columns" type="twoColTx">
+<p:sldLayout xmlns:a="http://schemas.openxmlformats.org/drawingml/2006/main" xmlns:r="http://schemas.openxmlformats.org/officeDocument/2006/relationships" xmlns:p="http://schemas.openxmlformats.org/presentationml/2006/main" matchingName="Title and two columns" type="twoColTx">
   <p:cSld name="TITLE_AND_TWO_COLUMNS">
     <p:spTree>
       <p:nvGrpSpPr>
-        <p:cNvPr id="20" name="Shape 20"/>
+        <p:cNvPr id="1" name="Shape 20"/>
         <p:cNvGrpSpPr/>
         <p:nvPr/>
       </p:nvGrpSpPr>
@@ -3621,7 +3792,9 @@
       <p:sp>
         <p:nvSpPr>
           <p:cNvPr id="21" name="Google Shape;21;p5"/>
-          <p:cNvSpPr txBox="1"/>
+          <p:cNvSpPr txBox="1">
+            <a:spLocks noGrp="1"/>
+          </p:cNvSpPr>
           <p:nvPr>
             <p:ph type="title"/>
           </p:nvPr>
@@ -3636,7 +3809,7 @@
           </a:prstGeom>
         </p:spPr>
         <p:txBody>
-          <a:bodyPr anchorCtr="0" anchor="t" bIns="91425" lIns="91425" spcFirstLastPara="1" rIns="91425" wrap="square" tIns="91425">
+          <a:bodyPr spcFirstLastPara="1" wrap="square" lIns="91425" tIns="91425" rIns="91425" bIns="91425" anchor="t" anchorCtr="0">
             <a:normAutofit/>
           </a:bodyPr>
           <a:lstStyle>
@@ -3740,15 +3913,19 @@
               <a:defRPr/>
             </a:lvl9pPr>
           </a:lstStyle>
-          <a:p/>
+          <a:p>
+            <a:endParaRPr/>
+          </a:p>
         </p:txBody>
       </p:sp>
       <p:sp>
         <p:nvSpPr>
           <p:cNvPr id="22" name="Google Shape;22;p5"/>
-          <p:cNvSpPr txBox="1"/>
+          <p:cNvSpPr txBox="1">
+            <a:spLocks noGrp="1"/>
+          </p:cNvSpPr>
           <p:nvPr>
-            <p:ph idx="1" type="body"/>
+            <p:ph type="body" idx="1"/>
           </p:nvPr>
         </p:nvSpPr>
         <p:spPr>
@@ -3761,11 +3938,11 @@
           </a:prstGeom>
         </p:spPr>
         <p:txBody>
-          <a:bodyPr anchorCtr="0" anchor="t" bIns="91425" lIns="91425" spcFirstLastPara="1" rIns="91425" wrap="square" tIns="91425">
+          <a:bodyPr spcFirstLastPara="1" wrap="square" lIns="91425" tIns="91425" rIns="91425" bIns="91425" anchor="t" anchorCtr="0">
             <a:normAutofit/>
           </a:bodyPr>
           <a:lstStyle>
-            <a:lvl1pPr indent="-317500" lvl="0" marL="457200">
+            <a:lvl1pPr marL="457200" lvl="0" indent="-317500">
               <a:spcBef>
                 <a:spcPts val="0"/>
               </a:spcBef>
@@ -3776,7 +3953,7 @@
               <a:buChar char="●"/>
               <a:defRPr sz="1400"/>
             </a:lvl1pPr>
-            <a:lvl2pPr indent="-304800" lvl="1" marL="914400">
+            <a:lvl2pPr marL="914400" lvl="1" indent="-304800">
               <a:spcBef>
                 <a:spcPts val="0"/>
               </a:spcBef>
@@ -3787,7 +3964,7 @@
               <a:buChar char="○"/>
               <a:defRPr sz="1200"/>
             </a:lvl2pPr>
-            <a:lvl3pPr indent="-304800" lvl="2" marL="1371600">
+            <a:lvl3pPr marL="1371600" lvl="2" indent="-304800">
               <a:spcBef>
                 <a:spcPts val="0"/>
               </a:spcBef>
@@ -3798,7 +3975,7 @@
               <a:buChar char="■"/>
               <a:defRPr sz="1200"/>
             </a:lvl3pPr>
-            <a:lvl4pPr indent="-304800" lvl="3" marL="1828800">
+            <a:lvl4pPr marL="1828800" lvl="3" indent="-304800">
               <a:spcBef>
                 <a:spcPts val="0"/>
               </a:spcBef>
@@ -3809,7 +3986,7 @@
               <a:buChar char="●"/>
               <a:defRPr sz="1200"/>
             </a:lvl4pPr>
-            <a:lvl5pPr indent="-304800" lvl="4" marL="2286000">
+            <a:lvl5pPr marL="2286000" lvl="4" indent="-304800">
               <a:spcBef>
                 <a:spcPts val="0"/>
               </a:spcBef>
@@ -3820,7 +3997,7 @@
               <a:buChar char="○"/>
               <a:defRPr sz="1200"/>
             </a:lvl5pPr>
-            <a:lvl6pPr indent="-304800" lvl="5" marL="2743200">
+            <a:lvl6pPr marL="2743200" lvl="5" indent="-304800">
               <a:spcBef>
                 <a:spcPts val="0"/>
               </a:spcBef>
@@ -3831,7 +4008,7 @@
               <a:buChar char="■"/>
               <a:defRPr sz="1200"/>
             </a:lvl6pPr>
-            <a:lvl7pPr indent="-304800" lvl="6" marL="3200400">
+            <a:lvl7pPr marL="3200400" lvl="6" indent="-304800">
               <a:spcBef>
                 <a:spcPts val="0"/>
               </a:spcBef>
@@ -3842,7 +4019,7 @@
               <a:buChar char="●"/>
               <a:defRPr sz="1200"/>
             </a:lvl7pPr>
-            <a:lvl8pPr indent="-304800" lvl="7" marL="3657600">
+            <a:lvl8pPr marL="3657600" lvl="7" indent="-304800">
               <a:spcBef>
                 <a:spcPts val="0"/>
               </a:spcBef>
@@ -3853,7 +4030,7 @@
               <a:buChar char="○"/>
               <a:defRPr sz="1200"/>
             </a:lvl8pPr>
-            <a:lvl9pPr indent="-304800" lvl="8" marL="4114800">
+            <a:lvl9pPr marL="4114800" lvl="8" indent="-304800">
               <a:spcBef>
                 <a:spcPts val="0"/>
               </a:spcBef>
@@ -3865,15 +4042,19 @@
               <a:defRPr sz="1200"/>
             </a:lvl9pPr>
           </a:lstStyle>
-          <a:p/>
+          <a:p>
+            <a:endParaRPr/>
+          </a:p>
         </p:txBody>
       </p:sp>
       <p:sp>
         <p:nvSpPr>
           <p:cNvPr id="23" name="Google Shape;23;p5"/>
-          <p:cNvSpPr txBox="1"/>
+          <p:cNvSpPr txBox="1">
+            <a:spLocks noGrp="1"/>
+          </p:cNvSpPr>
           <p:nvPr>
-            <p:ph idx="2" type="body"/>
+            <p:ph type="body" idx="2"/>
           </p:nvPr>
         </p:nvSpPr>
         <p:spPr>
@@ -3886,11 +4067,11 @@
           </a:prstGeom>
         </p:spPr>
         <p:txBody>
-          <a:bodyPr anchorCtr="0" anchor="t" bIns="91425" lIns="91425" spcFirstLastPara="1" rIns="91425" wrap="square" tIns="91425">
+          <a:bodyPr spcFirstLastPara="1" wrap="square" lIns="91425" tIns="91425" rIns="91425" bIns="91425" anchor="t" anchorCtr="0">
             <a:normAutofit/>
           </a:bodyPr>
           <a:lstStyle>
-            <a:lvl1pPr indent="-317500" lvl="0" marL="457200">
+            <a:lvl1pPr marL="457200" lvl="0" indent="-317500">
               <a:spcBef>
                 <a:spcPts val="0"/>
               </a:spcBef>
@@ -3901,7 +4082,7 @@
               <a:buChar char="●"/>
               <a:defRPr sz="1400"/>
             </a:lvl1pPr>
-            <a:lvl2pPr indent="-304800" lvl="1" marL="914400">
+            <a:lvl2pPr marL="914400" lvl="1" indent="-304800">
               <a:spcBef>
                 <a:spcPts val="0"/>
               </a:spcBef>
@@ -3912,7 +4093,7 @@
               <a:buChar char="○"/>
               <a:defRPr sz="1200"/>
             </a:lvl2pPr>
-            <a:lvl3pPr indent="-304800" lvl="2" marL="1371600">
+            <a:lvl3pPr marL="1371600" lvl="2" indent="-304800">
               <a:spcBef>
                 <a:spcPts val="0"/>
               </a:spcBef>
@@ -3923,7 +4104,7 @@
               <a:buChar char="■"/>
               <a:defRPr sz="1200"/>
             </a:lvl3pPr>
-            <a:lvl4pPr indent="-304800" lvl="3" marL="1828800">
+            <a:lvl4pPr marL="1828800" lvl="3" indent="-304800">
               <a:spcBef>
                 <a:spcPts val="0"/>
               </a:spcBef>
@@ -3934,7 +4115,7 @@
               <a:buChar char="●"/>
               <a:defRPr sz="1200"/>
             </a:lvl4pPr>
-            <a:lvl5pPr indent="-304800" lvl="4" marL="2286000">
+            <a:lvl5pPr marL="2286000" lvl="4" indent="-304800">
               <a:spcBef>
                 <a:spcPts val="0"/>
               </a:spcBef>
@@ -3945,7 +4126,7 @@
               <a:buChar char="○"/>
               <a:defRPr sz="1200"/>
             </a:lvl5pPr>
-            <a:lvl6pPr indent="-304800" lvl="5" marL="2743200">
+            <a:lvl6pPr marL="2743200" lvl="5" indent="-304800">
               <a:spcBef>
                 <a:spcPts val="0"/>
               </a:spcBef>
@@ -3956,7 +4137,7 @@
               <a:buChar char="■"/>
               <a:defRPr sz="1200"/>
             </a:lvl6pPr>
-            <a:lvl7pPr indent="-304800" lvl="6" marL="3200400">
+            <a:lvl7pPr marL="3200400" lvl="6" indent="-304800">
               <a:spcBef>
                 <a:spcPts val="0"/>
               </a:spcBef>
@@ -3967,7 +4148,7 @@
               <a:buChar char="●"/>
               <a:defRPr sz="1200"/>
             </a:lvl7pPr>
-            <a:lvl8pPr indent="-304800" lvl="7" marL="3657600">
+            <a:lvl8pPr marL="3657600" lvl="7" indent="-304800">
               <a:spcBef>
                 <a:spcPts val="0"/>
               </a:spcBef>
@@ -3978,7 +4159,7 @@
               <a:buChar char="○"/>
               <a:defRPr sz="1200"/>
             </a:lvl8pPr>
-            <a:lvl9pPr indent="-304800" lvl="8" marL="4114800">
+            <a:lvl9pPr marL="4114800" lvl="8" indent="-304800">
               <a:spcBef>
                 <a:spcPts val="0"/>
               </a:spcBef>
@@ -3990,15 +4171,19 @@
               <a:defRPr sz="1200"/>
             </a:lvl9pPr>
           </a:lstStyle>
-          <a:p/>
+          <a:p>
+            <a:endParaRPr/>
+          </a:p>
         </p:txBody>
       </p:sp>
       <p:sp>
         <p:nvSpPr>
           <p:cNvPr id="24" name="Google Shape;24;p5"/>
-          <p:cNvSpPr txBox="1"/>
+          <p:cNvSpPr txBox="1">
+            <a:spLocks noGrp="1"/>
+          </p:cNvSpPr>
           <p:nvPr>
-            <p:ph idx="12" type="sldNum"/>
+            <p:ph type="sldNum" idx="12"/>
           </p:nvPr>
         </p:nvSpPr>
         <p:spPr>
@@ -4011,7 +4196,7 @@
           </a:prstGeom>
         </p:spPr>
         <p:txBody>
-          <a:bodyPr anchorCtr="0" anchor="ctr" bIns="91425" lIns="91425" spcFirstLastPara="1" rIns="91425" wrap="square" tIns="91425">
+          <a:bodyPr spcFirstLastPara="1" wrap="square" lIns="91425" tIns="91425" rIns="91425" bIns="91425" anchor="ctr" anchorCtr="0">
             <a:normAutofit/>
           </a:bodyPr>
           <a:lstStyle>
@@ -4053,7 +4238,7 @@
             </a:lvl9pPr>
           </a:lstStyle>
           <a:p>
-            <a:pPr indent="0" lvl="0" marL="0" rtl="0" algn="r">
+            <a:pPr marL="0" lvl="0" indent="0" algn="r" rtl="0">
               <a:spcBef>
                 <a:spcPts val="0"/>
               </a:spcBef>
@@ -4064,6 +4249,15 @@
             </a:pPr>
             <a:fld id="{00000000-1234-1234-1234-123412341234}" type="slidenum">
               <a:rPr lang="en"/>
+              <a:pPr marL="0" lvl="0" indent="0" algn="r" rtl="0">
+                <a:spcBef>
+                  <a:spcPts val="0"/>
+                </a:spcBef>
+                <a:spcAft>
+                  <a:spcPts val="0"/>
+                </a:spcAft>
+                <a:buNone/>
+              </a:pPr>
               <a:t>‹#›</a:t>
             </a:fld>
             <a:endParaRPr/>
@@ -4079,11 +4273,11 @@
 </file>
 
 <file path=ppt/slideLayouts/slideLayout5.xml><?xml version="1.0" encoding="utf-8"?>
-<p:sldLayout xmlns:a="http://schemas.openxmlformats.org/drawingml/2006/main" xmlns:r="http://schemas.openxmlformats.org/officeDocument/2006/relationships" xmlns:mc="http://schemas.openxmlformats.org/markup-compatibility/2006" xmlns:mv="urn:schemas-microsoft-com:mac:vml" xmlns:p="http://schemas.openxmlformats.org/presentationml/2006/main" xmlns:c="http://schemas.openxmlformats.org/drawingml/2006/chart" xmlns:dgm="http://schemas.openxmlformats.org/drawingml/2006/diagram" xmlns:o="urn:schemas-microsoft-com:office:office" xmlns:v="urn:schemas-microsoft-com:vml" xmlns:pvml="urn:schemas-microsoft-com:office:powerpoint" xmlns:com="http://schemas.openxmlformats.org/drawingml/2006/compatibility" xmlns:p14="http://schemas.microsoft.com/office/powerpoint/2010/main" xmlns:p15="http://schemas.microsoft.com/office/powerpoint/2012/main" xmlns:ahyp="http://schemas.microsoft.com/office/drawing/2018/hyperlinkcolor" matchingName="Title only" type="titleOnly">
+<p:sldLayout xmlns:a="http://schemas.openxmlformats.org/drawingml/2006/main" xmlns:r="http://schemas.openxmlformats.org/officeDocument/2006/relationships" xmlns:p="http://schemas.openxmlformats.org/presentationml/2006/main" matchingName="Title only" type="titleOnly">
   <p:cSld name="TITLE_ONLY">
     <p:spTree>
       <p:nvGrpSpPr>
-        <p:cNvPr id="25" name="Shape 25"/>
+        <p:cNvPr id="1" name="Shape 25"/>
         <p:cNvGrpSpPr/>
         <p:nvPr/>
       </p:nvGrpSpPr>
@@ -4098,7 +4292,9 @@
       <p:sp>
         <p:nvSpPr>
           <p:cNvPr id="26" name="Google Shape;26;p6"/>
-          <p:cNvSpPr txBox="1"/>
+          <p:cNvSpPr txBox="1">
+            <a:spLocks noGrp="1"/>
+          </p:cNvSpPr>
           <p:nvPr>
             <p:ph type="title"/>
           </p:nvPr>
@@ -4113,7 +4309,7 @@
           </a:prstGeom>
         </p:spPr>
         <p:txBody>
-          <a:bodyPr anchorCtr="0" anchor="t" bIns="91425" lIns="91425" spcFirstLastPara="1" rIns="91425" wrap="square" tIns="91425">
+          <a:bodyPr spcFirstLastPara="1" wrap="square" lIns="91425" tIns="91425" rIns="91425" bIns="91425" anchor="t" anchorCtr="0">
             <a:normAutofit/>
           </a:bodyPr>
           <a:lstStyle>
@@ -4217,15 +4413,19 @@
               <a:defRPr/>
             </a:lvl9pPr>
           </a:lstStyle>
-          <a:p/>
+          <a:p>
+            <a:endParaRPr/>
+          </a:p>
         </p:txBody>
       </p:sp>
       <p:sp>
         <p:nvSpPr>
           <p:cNvPr id="27" name="Google Shape;27;p6"/>
-          <p:cNvSpPr txBox="1"/>
+          <p:cNvSpPr txBox="1">
+            <a:spLocks noGrp="1"/>
+          </p:cNvSpPr>
           <p:nvPr>
-            <p:ph idx="12" type="sldNum"/>
+            <p:ph type="sldNum" idx="12"/>
           </p:nvPr>
         </p:nvSpPr>
         <p:spPr>
@@ -4238,7 +4438,7 @@
           </a:prstGeom>
         </p:spPr>
         <p:txBody>
-          <a:bodyPr anchorCtr="0" anchor="ctr" bIns="91425" lIns="91425" spcFirstLastPara="1" rIns="91425" wrap="square" tIns="91425">
+          <a:bodyPr spcFirstLastPara="1" wrap="square" lIns="91425" tIns="91425" rIns="91425" bIns="91425" anchor="ctr" anchorCtr="0">
             <a:normAutofit/>
           </a:bodyPr>
           <a:lstStyle>
@@ -4280,7 +4480,7 @@
             </a:lvl9pPr>
           </a:lstStyle>
           <a:p>
-            <a:pPr indent="0" lvl="0" marL="0" rtl="0" algn="r">
+            <a:pPr marL="0" lvl="0" indent="0" algn="r" rtl="0">
               <a:spcBef>
                 <a:spcPts val="0"/>
               </a:spcBef>
@@ -4291,6 +4491,15 @@
             </a:pPr>
             <a:fld id="{00000000-1234-1234-1234-123412341234}" type="slidenum">
               <a:rPr lang="en"/>
+              <a:pPr marL="0" lvl="0" indent="0" algn="r" rtl="0">
+                <a:spcBef>
+                  <a:spcPts val="0"/>
+                </a:spcBef>
+                <a:spcAft>
+                  <a:spcPts val="0"/>
+                </a:spcAft>
+                <a:buNone/>
+              </a:pPr>
               <a:t>‹#›</a:t>
             </a:fld>
             <a:endParaRPr/>
@@ -4306,11 +4515,11 @@
 </file>
 
 <file path=ppt/slideLayouts/slideLayout6.xml><?xml version="1.0" encoding="utf-8"?>
-<p:sldLayout xmlns:a="http://schemas.openxmlformats.org/drawingml/2006/main" xmlns:r="http://schemas.openxmlformats.org/officeDocument/2006/relationships" xmlns:mc="http://schemas.openxmlformats.org/markup-compatibility/2006" xmlns:mv="urn:schemas-microsoft-com:mac:vml" xmlns:p="http://schemas.openxmlformats.org/presentationml/2006/main" xmlns:c="http://schemas.openxmlformats.org/drawingml/2006/chart" xmlns:dgm="http://schemas.openxmlformats.org/drawingml/2006/diagram" xmlns:o="urn:schemas-microsoft-com:office:office" xmlns:v="urn:schemas-microsoft-com:vml" xmlns:pvml="urn:schemas-microsoft-com:office:powerpoint" xmlns:com="http://schemas.openxmlformats.org/drawingml/2006/compatibility" xmlns:p14="http://schemas.microsoft.com/office/powerpoint/2010/main" xmlns:p15="http://schemas.microsoft.com/office/powerpoint/2012/main" xmlns:ahyp="http://schemas.microsoft.com/office/drawing/2018/hyperlinkcolor" matchingName="One column text">
+<p:sldLayout xmlns:a="http://schemas.openxmlformats.org/drawingml/2006/main" xmlns:r="http://schemas.openxmlformats.org/officeDocument/2006/relationships" xmlns:p="http://schemas.openxmlformats.org/presentationml/2006/main" matchingName="One column text">
   <p:cSld name="ONE_COLUMN_TEXT">
     <p:spTree>
       <p:nvGrpSpPr>
-        <p:cNvPr id="28" name="Shape 28"/>
+        <p:cNvPr id="1" name="Shape 28"/>
         <p:cNvGrpSpPr/>
         <p:nvPr/>
       </p:nvGrpSpPr>
@@ -4325,7 +4534,9 @@
       <p:sp>
         <p:nvSpPr>
           <p:cNvPr id="29" name="Google Shape;29;p7"/>
-          <p:cNvSpPr txBox="1"/>
+          <p:cNvSpPr txBox="1">
+            <a:spLocks noGrp="1"/>
+          </p:cNvSpPr>
           <p:nvPr>
             <p:ph type="title"/>
           </p:nvPr>
@@ -4340,7 +4551,7 @@
           </a:prstGeom>
         </p:spPr>
         <p:txBody>
-          <a:bodyPr anchorCtr="0" anchor="b" bIns="91425" lIns="91425" spcFirstLastPara="1" rIns="91425" wrap="square" tIns="91425">
+          <a:bodyPr spcFirstLastPara="1" wrap="square" lIns="91425" tIns="91425" rIns="91425" bIns="91425" anchor="b" anchorCtr="0">
             <a:normAutofit/>
           </a:bodyPr>
           <a:lstStyle>
@@ -4444,15 +4655,19 @@
               <a:defRPr sz="2400"/>
             </a:lvl9pPr>
           </a:lstStyle>
-          <a:p/>
+          <a:p>
+            <a:endParaRPr/>
+          </a:p>
         </p:txBody>
       </p:sp>
       <p:sp>
         <p:nvSpPr>
           <p:cNvPr id="30" name="Google Shape;30;p7"/>
-          <p:cNvSpPr txBox="1"/>
+          <p:cNvSpPr txBox="1">
+            <a:spLocks noGrp="1"/>
+          </p:cNvSpPr>
           <p:nvPr>
-            <p:ph idx="1" type="body"/>
+            <p:ph type="body" idx="1"/>
           </p:nvPr>
         </p:nvSpPr>
         <p:spPr>
@@ -4465,11 +4680,11 @@
           </a:prstGeom>
         </p:spPr>
         <p:txBody>
-          <a:bodyPr anchorCtr="0" anchor="t" bIns="91425" lIns="91425" spcFirstLastPara="1" rIns="91425" wrap="square" tIns="91425">
+          <a:bodyPr spcFirstLastPara="1" wrap="square" lIns="91425" tIns="91425" rIns="91425" bIns="91425" anchor="t" anchorCtr="0">
             <a:normAutofit/>
           </a:bodyPr>
           <a:lstStyle>
-            <a:lvl1pPr indent="-304800" lvl="0" marL="457200">
+            <a:lvl1pPr marL="457200" lvl="0" indent="-304800">
               <a:spcBef>
                 <a:spcPts val="0"/>
               </a:spcBef>
@@ -4480,7 +4695,7 @@
               <a:buChar char="●"/>
               <a:defRPr sz="1200"/>
             </a:lvl1pPr>
-            <a:lvl2pPr indent="-304800" lvl="1" marL="914400">
+            <a:lvl2pPr marL="914400" lvl="1" indent="-304800">
               <a:spcBef>
                 <a:spcPts val="0"/>
               </a:spcBef>
@@ -4491,7 +4706,7 @@
               <a:buChar char="○"/>
               <a:defRPr sz="1200"/>
             </a:lvl2pPr>
-            <a:lvl3pPr indent="-304800" lvl="2" marL="1371600">
+            <a:lvl3pPr marL="1371600" lvl="2" indent="-304800">
               <a:spcBef>
                 <a:spcPts val="0"/>
               </a:spcBef>
@@ -4502,7 +4717,7 @@
               <a:buChar char="■"/>
               <a:defRPr sz="1200"/>
             </a:lvl3pPr>
-            <a:lvl4pPr indent="-304800" lvl="3" marL="1828800">
+            <a:lvl4pPr marL="1828800" lvl="3" indent="-304800">
               <a:spcBef>
                 <a:spcPts val="0"/>
               </a:spcBef>
@@ -4513,7 +4728,7 @@
               <a:buChar char="●"/>
               <a:defRPr sz="1200"/>
             </a:lvl4pPr>
-            <a:lvl5pPr indent="-304800" lvl="4" marL="2286000">
+            <a:lvl5pPr marL="2286000" lvl="4" indent="-304800">
               <a:spcBef>
                 <a:spcPts val="0"/>
               </a:spcBef>
@@ -4524,7 +4739,7 @@
               <a:buChar char="○"/>
               <a:defRPr sz="1200"/>
             </a:lvl5pPr>
-            <a:lvl6pPr indent="-304800" lvl="5" marL="2743200">
+            <a:lvl6pPr marL="2743200" lvl="5" indent="-304800">
               <a:spcBef>
                 <a:spcPts val="0"/>
               </a:spcBef>
@@ -4535,7 +4750,7 @@
               <a:buChar char="■"/>
               <a:defRPr sz="1200"/>
             </a:lvl6pPr>
-            <a:lvl7pPr indent="-304800" lvl="6" marL="3200400">
+            <a:lvl7pPr marL="3200400" lvl="6" indent="-304800">
               <a:spcBef>
                 <a:spcPts val="0"/>
               </a:spcBef>
@@ -4546,7 +4761,7 @@
               <a:buChar char="●"/>
               <a:defRPr sz="1200"/>
             </a:lvl7pPr>
-            <a:lvl8pPr indent="-304800" lvl="7" marL="3657600">
+            <a:lvl8pPr marL="3657600" lvl="7" indent="-304800">
               <a:spcBef>
                 <a:spcPts val="0"/>
               </a:spcBef>
@@ -4557,7 +4772,7 @@
               <a:buChar char="○"/>
               <a:defRPr sz="1200"/>
             </a:lvl8pPr>
-            <a:lvl9pPr indent="-304800" lvl="8" marL="4114800">
+            <a:lvl9pPr marL="4114800" lvl="8" indent="-304800">
               <a:spcBef>
                 <a:spcPts val="0"/>
               </a:spcBef>
@@ -4569,15 +4784,19 @@
               <a:defRPr sz="1200"/>
             </a:lvl9pPr>
           </a:lstStyle>
-          <a:p/>
+          <a:p>
+            <a:endParaRPr/>
+          </a:p>
         </p:txBody>
       </p:sp>
       <p:sp>
         <p:nvSpPr>
           <p:cNvPr id="31" name="Google Shape;31;p7"/>
-          <p:cNvSpPr txBox="1"/>
+          <p:cNvSpPr txBox="1">
+            <a:spLocks noGrp="1"/>
+          </p:cNvSpPr>
           <p:nvPr>
-            <p:ph idx="12" type="sldNum"/>
+            <p:ph type="sldNum" idx="12"/>
           </p:nvPr>
         </p:nvSpPr>
         <p:spPr>
@@ -4590,7 +4809,7 @@
           </a:prstGeom>
         </p:spPr>
         <p:txBody>
-          <a:bodyPr anchorCtr="0" anchor="ctr" bIns="91425" lIns="91425" spcFirstLastPara="1" rIns="91425" wrap="square" tIns="91425">
+          <a:bodyPr spcFirstLastPara="1" wrap="square" lIns="91425" tIns="91425" rIns="91425" bIns="91425" anchor="ctr" anchorCtr="0">
             <a:normAutofit/>
           </a:bodyPr>
           <a:lstStyle>
@@ -4632,7 +4851,7 @@
             </a:lvl9pPr>
           </a:lstStyle>
           <a:p>
-            <a:pPr indent="0" lvl="0" marL="0" rtl="0" algn="r">
+            <a:pPr marL="0" lvl="0" indent="0" algn="r" rtl="0">
               <a:spcBef>
                 <a:spcPts val="0"/>
               </a:spcBef>
@@ -4643,6 +4862,15 @@
             </a:pPr>
             <a:fld id="{00000000-1234-1234-1234-123412341234}" type="slidenum">
               <a:rPr lang="en"/>
+              <a:pPr marL="0" lvl="0" indent="0" algn="r" rtl="0">
+                <a:spcBef>
+                  <a:spcPts val="0"/>
+                </a:spcBef>
+                <a:spcAft>
+                  <a:spcPts val="0"/>
+                </a:spcAft>
+                <a:buNone/>
+              </a:pPr>
               <a:t>‹#›</a:t>
             </a:fld>
             <a:endParaRPr/>
@@ -4658,11 +4886,11 @@
 </file>
 
 <file path=ppt/slideLayouts/slideLayout7.xml><?xml version="1.0" encoding="utf-8"?>
-<p:sldLayout xmlns:a="http://schemas.openxmlformats.org/drawingml/2006/main" xmlns:r="http://schemas.openxmlformats.org/officeDocument/2006/relationships" xmlns:mc="http://schemas.openxmlformats.org/markup-compatibility/2006" xmlns:mv="urn:schemas-microsoft-com:mac:vml" xmlns:p="http://schemas.openxmlformats.org/presentationml/2006/main" xmlns:c="http://schemas.openxmlformats.org/drawingml/2006/chart" xmlns:dgm="http://schemas.openxmlformats.org/drawingml/2006/diagram" xmlns:o="urn:schemas-microsoft-com:office:office" xmlns:v="urn:schemas-microsoft-com:vml" xmlns:pvml="urn:schemas-microsoft-com:office:powerpoint" xmlns:com="http://schemas.openxmlformats.org/drawingml/2006/compatibility" xmlns:p14="http://schemas.microsoft.com/office/powerpoint/2010/main" xmlns:p15="http://schemas.microsoft.com/office/powerpoint/2012/main" xmlns:ahyp="http://schemas.microsoft.com/office/drawing/2018/hyperlinkcolor" matchingName="Main point">
+<p:sldLayout xmlns:a="http://schemas.openxmlformats.org/drawingml/2006/main" xmlns:r="http://schemas.openxmlformats.org/officeDocument/2006/relationships" xmlns:p="http://schemas.openxmlformats.org/presentationml/2006/main" matchingName="Main point">
   <p:cSld name="MAIN_POINT">
     <p:spTree>
       <p:nvGrpSpPr>
-        <p:cNvPr id="32" name="Shape 32"/>
+        <p:cNvPr id="1" name="Shape 32"/>
         <p:cNvGrpSpPr/>
         <p:nvPr/>
       </p:nvGrpSpPr>
@@ -4677,7 +4905,9 @@
       <p:sp>
         <p:nvSpPr>
           <p:cNvPr id="33" name="Google Shape;33;p8"/>
-          <p:cNvSpPr txBox="1"/>
+          <p:cNvSpPr txBox="1">
+            <a:spLocks noGrp="1"/>
+          </p:cNvSpPr>
           <p:nvPr>
             <p:ph type="title"/>
           </p:nvPr>
@@ -4692,7 +4922,7 @@
           </a:prstGeom>
         </p:spPr>
         <p:txBody>
-          <a:bodyPr anchorCtr="0" anchor="ctr" bIns="91425" lIns="91425" spcFirstLastPara="1" rIns="91425" wrap="square" tIns="91425">
+          <a:bodyPr spcFirstLastPara="1" wrap="square" lIns="91425" tIns="91425" rIns="91425" bIns="91425" anchor="ctr" anchorCtr="0">
             <a:normAutofit/>
           </a:bodyPr>
           <a:lstStyle>
@@ -4796,15 +5026,19 @@
               <a:defRPr sz="4800"/>
             </a:lvl9pPr>
           </a:lstStyle>
-          <a:p/>
+          <a:p>
+            <a:endParaRPr/>
+          </a:p>
         </p:txBody>
       </p:sp>
       <p:sp>
         <p:nvSpPr>
           <p:cNvPr id="34" name="Google Shape;34;p8"/>
-          <p:cNvSpPr txBox="1"/>
+          <p:cNvSpPr txBox="1">
+            <a:spLocks noGrp="1"/>
+          </p:cNvSpPr>
           <p:nvPr>
-            <p:ph idx="12" type="sldNum"/>
+            <p:ph type="sldNum" idx="12"/>
           </p:nvPr>
         </p:nvSpPr>
         <p:spPr>
@@ -4817,7 +5051,7 @@
           </a:prstGeom>
         </p:spPr>
         <p:txBody>
-          <a:bodyPr anchorCtr="0" anchor="ctr" bIns="91425" lIns="91425" spcFirstLastPara="1" rIns="91425" wrap="square" tIns="91425">
+          <a:bodyPr spcFirstLastPara="1" wrap="square" lIns="91425" tIns="91425" rIns="91425" bIns="91425" anchor="ctr" anchorCtr="0">
             <a:normAutofit/>
           </a:bodyPr>
           <a:lstStyle>
@@ -4859,7 +5093,7 @@
             </a:lvl9pPr>
           </a:lstStyle>
           <a:p>
-            <a:pPr indent="0" lvl="0" marL="0" rtl="0" algn="r">
+            <a:pPr marL="0" lvl="0" indent="0" algn="r" rtl="0">
               <a:spcBef>
                 <a:spcPts val="0"/>
               </a:spcBef>
@@ -4870,6 +5104,15 @@
             </a:pPr>
             <a:fld id="{00000000-1234-1234-1234-123412341234}" type="slidenum">
               <a:rPr lang="en"/>
+              <a:pPr marL="0" lvl="0" indent="0" algn="r" rtl="0">
+                <a:spcBef>
+                  <a:spcPts val="0"/>
+                </a:spcBef>
+                <a:spcAft>
+                  <a:spcPts val="0"/>
+                </a:spcAft>
+                <a:buNone/>
+              </a:pPr>
               <a:t>‹#›</a:t>
             </a:fld>
             <a:endParaRPr/>
@@ -4885,11 +5128,11 @@
 </file>
 
 <file path=ppt/slideLayouts/slideLayout8.xml><?xml version="1.0" encoding="utf-8"?>
-<p:sldLayout xmlns:a="http://schemas.openxmlformats.org/drawingml/2006/main" xmlns:r="http://schemas.openxmlformats.org/officeDocument/2006/relationships" xmlns:mc="http://schemas.openxmlformats.org/markup-compatibility/2006" xmlns:mv="urn:schemas-microsoft-com:mac:vml" xmlns:p="http://schemas.openxmlformats.org/presentationml/2006/main" xmlns:c="http://schemas.openxmlformats.org/drawingml/2006/chart" xmlns:dgm="http://schemas.openxmlformats.org/drawingml/2006/diagram" xmlns:o="urn:schemas-microsoft-com:office:office" xmlns:v="urn:schemas-microsoft-com:vml" xmlns:pvml="urn:schemas-microsoft-com:office:powerpoint" xmlns:com="http://schemas.openxmlformats.org/drawingml/2006/compatibility" xmlns:p14="http://schemas.microsoft.com/office/powerpoint/2010/main" xmlns:p15="http://schemas.microsoft.com/office/powerpoint/2012/main" xmlns:ahyp="http://schemas.microsoft.com/office/drawing/2018/hyperlinkcolor" matchingName="Section title and description">
+<p:sldLayout xmlns:a="http://schemas.openxmlformats.org/drawingml/2006/main" xmlns:r="http://schemas.openxmlformats.org/officeDocument/2006/relationships" xmlns:p="http://schemas.openxmlformats.org/presentationml/2006/main" matchingName="Section title and description">
   <p:cSld name="SECTION_TITLE_AND_DESCRIPTION">
     <p:spTree>
       <p:nvGrpSpPr>
-        <p:cNvPr id="35" name="Shape 35"/>
+        <p:cNvPr id="1" name="Shape 35"/>
         <p:cNvGrpSpPr/>
         <p:nvPr/>
       </p:nvGrpSpPr>
@@ -4923,12 +5166,12 @@
           </a:ln>
         </p:spPr>
         <p:txBody>
-          <a:bodyPr anchorCtr="0" anchor="ctr" bIns="91425" lIns="91425" spcFirstLastPara="1" rIns="91425" wrap="square" tIns="91425">
+          <a:bodyPr spcFirstLastPara="1" wrap="square" lIns="91425" tIns="91425" rIns="91425" bIns="91425" anchor="ctr" anchorCtr="0">
             <a:noAutofit/>
           </a:bodyPr>
           <a:lstStyle/>
           <a:p>
-            <a:pPr indent="0" lvl="0" marL="0" rtl="0" algn="l">
+            <a:pPr marL="0" lvl="0" indent="0" algn="l" rtl="0">
               <a:spcBef>
                 <a:spcPts val="0"/>
               </a:spcBef>
@@ -4937,9 +5180,6 @@
               </a:spcAft>
               <a:buNone/>
             </a:pPr>
-            <a:r>
-              <a:t/>
-            </a:r>
             <a:endParaRPr/>
           </a:p>
         </p:txBody>
@@ -4947,7 +5187,9 @@
       <p:sp>
         <p:nvSpPr>
           <p:cNvPr id="37" name="Google Shape;37;p9"/>
-          <p:cNvSpPr txBox="1"/>
+          <p:cNvSpPr txBox="1">
+            <a:spLocks noGrp="1"/>
+          </p:cNvSpPr>
           <p:nvPr>
             <p:ph type="title"/>
           </p:nvPr>
@@ -4962,7 +5204,7 @@
           </a:prstGeom>
         </p:spPr>
         <p:txBody>
-          <a:bodyPr anchorCtr="0" anchor="b" bIns="91425" lIns="91425" spcFirstLastPara="1" rIns="91425" wrap="square" tIns="91425">
+          <a:bodyPr spcFirstLastPara="1" wrap="square" lIns="91425" tIns="91425" rIns="91425" bIns="91425" anchor="b" anchorCtr="0">
             <a:normAutofit/>
           </a:bodyPr>
           <a:lstStyle>
@@ -5066,15 +5308,19 @@
               <a:defRPr sz="4200"/>
             </a:lvl9pPr>
           </a:lstStyle>
-          <a:p/>
+          <a:p>
+            <a:endParaRPr/>
+          </a:p>
         </p:txBody>
       </p:sp>
       <p:sp>
         <p:nvSpPr>
           <p:cNvPr id="38" name="Google Shape;38;p9"/>
-          <p:cNvSpPr txBox="1"/>
+          <p:cNvSpPr txBox="1">
+            <a:spLocks noGrp="1"/>
+          </p:cNvSpPr>
           <p:nvPr>
-            <p:ph idx="1" type="subTitle"/>
+            <p:ph type="subTitle" idx="1"/>
           </p:nvPr>
         </p:nvSpPr>
         <p:spPr>
@@ -5087,7 +5333,7 @@
           </a:prstGeom>
         </p:spPr>
         <p:txBody>
-          <a:bodyPr anchorCtr="0" anchor="t" bIns="91425" lIns="91425" spcFirstLastPara="1" rIns="91425" wrap="square" tIns="91425">
+          <a:bodyPr spcFirstLastPara="1" wrap="square" lIns="91425" tIns="91425" rIns="91425" bIns="91425" anchor="t" anchorCtr="0">
             <a:normAutofit/>
           </a:bodyPr>
           <a:lstStyle>
@@ -5218,15 +5464,19 @@
               <a:defRPr sz="2100"/>
             </a:lvl9pPr>
           </a:lstStyle>
-          <a:p/>
+          <a:p>
+            <a:endParaRPr/>
+          </a:p>
         </p:txBody>
       </p:sp>
       <p:sp>
         <p:nvSpPr>
           <p:cNvPr id="39" name="Google Shape;39;p9"/>
-          <p:cNvSpPr txBox="1"/>
+          <p:cNvSpPr txBox="1">
+            <a:spLocks noGrp="1"/>
+          </p:cNvSpPr>
           <p:nvPr>
-            <p:ph idx="2" type="body"/>
+            <p:ph type="body" idx="2"/>
           </p:nvPr>
         </p:nvSpPr>
         <p:spPr>
@@ -5239,11 +5489,11 @@
           </a:prstGeom>
         </p:spPr>
         <p:txBody>
-          <a:bodyPr anchorCtr="0" anchor="ctr" bIns="91425" lIns="91425" spcFirstLastPara="1" rIns="91425" wrap="square" tIns="91425">
+          <a:bodyPr spcFirstLastPara="1" wrap="square" lIns="91425" tIns="91425" rIns="91425" bIns="91425" anchor="ctr" anchorCtr="0">
             <a:normAutofit/>
           </a:bodyPr>
           <a:lstStyle>
-            <a:lvl1pPr indent="-342900" lvl="0" marL="457200">
+            <a:lvl1pPr marL="457200" lvl="0" indent="-342900">
               <a:spcBef>
                 <a:spcPts val="0"/>
               </a:spcBef>
@@ -5261,7 +5511,7 @@
                 </a:solidFill>
               </a:defRPr>
             </a:lvl1pPr>
-            <a:lvl2pPr indent="-317500" lvl="1" marL="914400">
+            <a:lvl2pPr marL="914400" lvl="1" indent="-317500">
               <a:spcBef>
                 <a:spcPts val="0"/>
               </a:spcBef>
@@ -5279,7 +5529,7 @@
                 </a:solidFill>
               </a:defRPr>
             </a:lvl2pPr>
-            <a:lvl3pPr indent="-317500" lvl="2" marL="1371600">
+            <a:lvl3pPr marL="1371600" lvl="2" indent="-317500">
               <a:spcBef>
                 <a:spcPts val="0"/>
               </a:spcBef>
@@ -5297,7 +5547,7 @@
                 </a:solidFill>
               </a:defRPr>
             </a:lvl3pPr>
-            <a:lvl4pPr indent="-317500" lvl="3" marL="1828800">
+            <a:lvl4pPr marL="1828800" lvl="3" indent="-317500">
               <a:spcBef>
                 <a:spcPts val="0"/>
               </a:spcBef>
@@ -5315,7 +5565,7 @@
                 </a:solidFill>
               </a:defRPr>
             </a:lvl4pPr>
-            <a:lvl5pPr indent="-317500" lvl="4" marL="2286000">
+            <a:lvl5pPr marL="2286000" lvl="4" indent="-317500">
               <a:spcBef>
                 <a:spcPts val="0"/>
               </a:spcBef>
@@ -5333,7 +5583,7 @@
                 </a:solidFill>
               </a:defRPr>
             </a:lvl5pPr>
-            <a:lvl6pPr indent="-317500" lvl="5" marL="2743200">
+            <a:lvl6pPr marL="2743200" lvl="5" indent="-317500">
               <a:spcBef>
                 <a:spcPts val="0"/>
               </a:spcBef>
@@ -5351,7 +5601,7 @@
                 </a:solidFill>
               </a:defRPr>
             </a:lvl6pPr>
-            <a:lvl7pPr indent="-317500" lvl="6" marL="3200400">
+            <a:lvl7pPr marL="3200400" lvl="6" indent="-317500">
               <a:spcBef>
                 <a:spcPts val="0"/>
               </a:spcBef>
@@ -5369,7 +5619,7 @@
                 </a:solidFill>
               </a:defRPr>
             </a:lvl7pPr>
-            <a:lvl8pPr indent="-317500" lvl="7" marL="3657600">
+            <a:lvl8pPr marL="3657600" lvl="7" indent="-317500">
               <a:spcBef>
                 <a:spcPts val="0"/>
               </a:spcBef>
@@ -5387,7 +5637,7 @@
                 </a:solidFill>
               </a:defRPr>
             </a:lvl8pPr>
-            <a:lvl9pPr indent="-317500" lvl="8" marL="4114800">
+            <a:lvl9pPr marL="4114800" lvl="8" indent="-317500">
               <a:spcBef>
                 <a:spcPts val="0"/>
               </a:spcBef>
@@ -5406,15 +5656,19 @@
               </a:defRPr>
             </a:lvl9pPr>
           </a:lstStyle>
-          <a:p/>
+          <a:p>
+            <a:endParaRPr/>
+          </a:p>
         </p:txBody>
       </p:sp>
       <p:sp>
         <p:nvSpPr>
           <p:cNvPr id="40" name="Google Shape;40;p9"/>
-          <p:cNvSpPr txBox="1"/>
+          <p:cNvSpPr txBox="1">
+            <a:spLocks noGrp="1"/>
+          </p:cNvSpPr>
           <p:nvPr>
-            <p:ph idx="12" type="sldNum"/>
+            <p:ph type="sldNum" idx="12"/>
           </p:nvPr>
         </p:nvSpPr>
         <p:spPr>
@@ -5427,7 +5681,7 @@
           </a:prstGeom>
         </p:spPr>
         <p:txBody>
-          <a:bodyPr anchorCtr="0" anchor="ctr" bIns="91425" lIns="91425" spcFirstLastPara="1" rIns="91425" wrap="square" tIns="91425">
+          <a:bodyPr spcFirstLastPara="1" wrap="square" lIns="91425" tIns="91425" rIns="91425" bIns="91425" anchor="ctr" anchorCtr="0">
             <a:normAutofit/>
           </a:bodyPr>
           <a:lstStyle>
@@ -5469,7 +5723,7 @@
             </a:lvl9pPr>
           </a:lstStyle>
           <a:p>
-            <a:pPr indent="0" lvl="0" marL="0" rtl="0" algn="r">
+            <a:pPr marL="0" lvl="0" indent="0" algn="r" rtl="0">
               <a:spcBef>
                 <a:spcPts val="0"/>
               </a:spcBef>
@@ -5480,6 +5734,15 @@
             </a:pPr>
             <a:fld id="{00000000-1234-1234-1234-123412341234}" type="slidenum">
               <a:rPr lang="en"/>
+              <a:pPr marL="0" lvl="0" indent="0" algn="r" rtl="0">
+                <a:spcBef>
+                  <a:spcPts val="0"/>
+                </a:spcBef>
+                <a:spcAft>
+                  <a:spcPts val="0"/>
+                </a:spcAft>
+                <a:buNone/>
+              </a:pPr>
               <a:t>‹#›</a:t>
             </a:fld>
             <a:endParaRPr/>
@@ -5495,11 +5758,11 @@
 </file>
 
 <file path=ppt/slideLayouts/slideLayout9.xml><?xml version="1.0" encoding="utf-8"?>
-<p:sldLayout xmlns:a="http://schemas.openxmlformats.org/drawingml/2006/main" xmlns:r="http://schemas.openxmlformats.org/officeDocument/2006/relationships" xmlns:mc="http://schemas.openxmlformats.org/markup-compatibility/2006" xmlns:mv="urn:schemas-microsoft-com:mac:vml" xmlns:p="http://schemas.openxmlformats.org/presentationml/2006/main" xmlns:c="http://schemas.openxmlformats.org/drawingml/2006/chart" xmlns:dgm="http://schemas.openxmlformats.org/drawingml/2006/diagram" xmlns:o="urn:schemas-microsoft-com:office:office" xmlns:v="urn:schemas-microsoft-com:vml" xmlns:pvml="urn:schemas-microsoft-com:office:powerpoint" xmlns:com="http://schemas.openxmlformats.org/drawingml/2006/compatibility" xmlns:p14="http://schemas.microsoft.com/office/powerpoint/2010/main" xmlns:p15="http://schemas.microsoft.com/office/powerpoint/2012/main" xmlns:ahyp="http://schemas.microsoft.com/office/drawing/2018/hyperlinkcolor" matchingName="Caption">
+<p:sldLayout xmlns:a="http://schemas.openxmlformats.org/drawingml/2006/main" xmlns:r="http://schemas.openxmlformats.org/officeDocument/2006/relationships" xmlns:p="http://schemas.openxmlformats.org/presentationml/2006/main" matchingName="Caption">
   <p:cSld name="CAPTION_ONLY">
     <p:spTree>
       <p:nvGrpSpPr>
-        <p:cNvPr id="41" name="Shape 41"/>
+        <p:cNvPr id="1" name="Shape 41"/>
         <p:cNvGrpSpPr/>
         <p:nvPr/>
       </p:nvGrpSpPr>
@@ -5514,9 +5777,11 @@
       <p:sp>
         <p:nvSpPr>
           <p:cNvPr id="42" name="Google Shape;42;p10"/>
-          <p:cNvSpPr txBox="1"/>
+          <p:cNvSpPr txBox="1">
+            <a:spLocks noGrp="1"/>
+          </p:cNvSpPr>
           <p:nvPr>
-            <p:ph idx="1" type="body"/>
+            <p:ph type="body" idx="1"/>
           </p:nvPr>
         </p:nvSpPr>
         <p:spPr>
@@ -5529,11 +5794,11 @@
           </a:prstGeom>
         </p:spPr>
         <p:txBody>
-          <a:bodyPr anchorCtr="0" anchor="ctr" bIns="91425" lIns="91425" spcFirstLastPara="1" rIns="91425" wrap="square" tIns="91425">
+          <a:bodyPr spcFirstLastPara="1" wrap="square" lIns="91425" tIns="91425" rIns="91425" bIns="91425" anchor="ctr" anchorCtr="0">
             <a:normAutofit/>
           </a:bodyPr>
           <a:lstStyle>
-            <a:lvl1pPr indent="-228600" lvl="0" marL="457200">
+            <a:lvl1pPr marL="457200" lvl="0" indent="-228600">
               <a:lnSpc>
                 <a:spcPct val="100000"/>
               </a:lnSpc>
@@ -5548,15 +5813,19 @@
               <a:defRPr/>
             </a:lvl1pPr>
           </a:lstStyle>
-          <a:p/>
+          <a:p>
+            <a:endParaRPr/>
+          </a:p>
         </p:txBody>
       </p:sp>
       <p:sp>
         <p:nvSpPr>
           <p:cNvPr id="43" name="Google Shape;43;p10"/>
-          <p:cNvSpPr txBox="1"/>
+          <p:cNvSpPr txBox="1">
+            <a:spLocks noGrp="1"/>
+          </p:cNvSpPr>
           <p:nvPr>
-            <p:ph idx="12" type="sldNum"/>
+            <p:ph type="sldNum" idx="12"/>
           </p:nvPr>
         </p:nvSpPr>
         <p:spPr>
@@ -5569,7 +5838,7 @@
           </a:prstGeom>
         </p:spPr>
         <p:txBody>
-          <a:bodyPr anchorCtr="0" anchor="ctr" bIns="91425" lIns="91425" spcFirstLastPara="1" rIns="91425" wrap="square" tIns="91425">
+          <a:bodyPr spcFirstLastPara="1" wrap="square" lIns="91425" tIns="91425" rIns="91425" bIns="91425" anchor="ctr" anchorCtr="0">
             <a:normAutofit/>
           </a:bodyPr>
           <a:lstStyle>
@@ -5611,7 +5880,7 @@
             </a:lvl9pPr>
           </a:lstStyle>
           <a:p>
-            <a:pPr indent="0" lvl="0" marL="0" rtl="0" algn="r">
+            <a:pPr marL="0" lvl="0" indent="0" algn="r" rtl="0">
               <a:spcBef>
                 <a:spcPts val="0"/>
               </a:spcBef>
@@ -5622,6 +5891,15 @@
             </a:pPr>
             <a:fld id="{00000000-1234-1234-1234-123412341234}" type="slidenum">
               <a:rPr lang="en"/>
+              <a:pPr marL="0" lvl="0" indent="0" algn="r" rtl="0">
+                <a:spcBef>
+                  <a:spcPts val="0"/>
+                </a:spcBef>
+                <a:spcAft>
+                  <a:spcPts val="0"/>
+                </a:spcAft>
+                <a:buNone/>
+              </a:pPr>
               <a:t>‹#›</a:t>
             </a:fld>
             <a:endParaRPr/>
@@ -5637,18 +5915,19 @@
 </file>
 
 <file path=ppt/slideMasters/slideMaster1.xml><?xml version="1.0" encoding="utf-8"?>
-<p:sldMaster xmlns:a="http://schemas.openxmlformats.org/drawingml/2006/main" xmlns:r="http://schemas.openxmlformats.org/officeDocument/2006/relationships" xmlns:mc="http://schemas.openxmlformats.org/markup-compatibility/2006" xmlns:mv="urn:schemas-microsoft-com:mac:vml" xmlns:p="http://schemas.openxmlformats.org/presentationml/2006/main" xmlns:c="http://schemas.openxmlformats.org/drawingml/2006/chart" xmlns:dgm="http://schemas.openxmlformats.org/drawingml/2006/diagram" xmlns:o="urn:schemas-microsoft-com:office:office" xmlns:v="urn:schemas-microsoft-com:vml" xmlns:pvml="urn:schemas-microsoft-com:office:powerpoint" xmlns:com="http://schemas.openxmlformats.org/drawingml/2006/compatibility" xmlns:p14="http://schemas.microsoft.com/office/powerpoint/2010/main" xmlns:p15="http://schemas.microsoft.com/office/powerpoint/2012/main" xmlns:ahyp="http://schemas.microsoft.com/office/drawing/2018/hyperlinkcolor">
+<p:sldMaster xmlns:a="http://schemas.openxmlformats.org/drawingml/2006/main" xmlns:r="http://schemas.openxmlformats.org/officeDocument/2006/relationships" xmlns:p="http://schemas.openxmlformats.org/presentationml/2006/main">
   <p:cSld name="simple-dark-2">
     <p:bg>
       <p:bgPr>
         <a:solidFill>
           <a:schemeClr val="lt1"/>
         </a:solidFill>
+        <a:effectLst/>
       </p:bgPr>
     </p:bg>
     <p:spTree>
       <p:nvGrpSpPr>
-        <p:cNvPr id="5" name="Shape 5"/>
+        <p:cNvPr id="1" name="Shape 5"/>
         <p:cNvGrpSpPr/>
         <p:nvPr/>
       </p:nvGrpSpPr>
@@ -5663,7 +5942,9 @@
       <p:sp>
         <p:nvSpPr>
           <p:cNvPr id="6" name="Google Shape;6;p1"/>
-          <p:cNvSpPr txBox="1"/>
+          <p:cNvSpPr txBox="1">
+            <a:spLocks noGrp="1"/>
+          </p:cNvSpPr>
           <p:nvPr>
             <p:ph type="title"/>
           </p:nvPr>
@@ -5682,7 +5963,7 @@
           </a:ln>
         </p:spPr>
         <p:txBody>
-          <a:bodyPr anchorCtr="0" anchor="t" bIns="91425" lIns="91425" spcFirstLastPara="1" rIns="91425" wrap="square" tIns="91425">
+          <a:bodyPr spcFirstLastPara="1" wrap="square" lIns="91425" tIns="91425" rIns="91425" bIns="91425" anchor="t" anchorCtr="0">
             <a:normAutofit/>
           </a:bodyPr>
           <a:lstStyle>
@@ -5849,15 +6130,19 @@
               </a:defRPr>
             </a:lvl9pPr>
           </a:lstStyle>
-          <a:p/>
+          <a:p>
+            <a:endParaRPr/>
+          </a:p>
         </p:txBody>
       </p:sp>
       <p:sp>
         <p:nvSpPr>
           <p:cNvPr id="7" name="Google Shape;7;p1"/>
-          <p:cNvSpPr txBox="1"/>
+          <p:cNvSpPr txBox="1">
+            <a:spLocks noGrp="1"/>
+          </p:cNvSpPr>
           <p:nvPr>
-            <p:ph idx="1" type="body"/>
+            <p:ph type="body" idx="1"/>
           </p:nvPr>
         </p:nvSpPr>
         <p:spPr>
@@ -5874,11 +6159,11 @@
           </a:ln>
         </p:spPr>
         <p:txBody>
-          <a:bodyPr anchorCtr="0" anchor="t" bIns="91425" lIns="91425" spcFirstLastPara="1" rIns="91425" wrap="square" tIns="91425">
+          <a:bodyPr spcFirstLastPara="1" wrap="square" lIns="91425" tIns="91425" rIns="91425" bIns="91425" anchor="t" anchorCtr="0">
             <a:normAutofit/>
           </a:bodyPr>
           <a:lstStyle>
-            <a:lvl1pPr indent="-342900" lvl="0" marL="457200">
+            <a:lvl1pPr marL="457200" lvl="0" indent="-342900">
               <a:lnSpc>
                 <a:spcPct val="115000"/>
               </a:lnSpc>
@@ -5899,7 +6184,7 @@
                 </a:solidFill>
               </a:defRPr>
             </a:lvl1pPr>
-            <a:lvl2pPr indent="-317500" lvl="1" marL="914400">
+            <a:lvl2pPr marL="914400" lvl="1" indent="-317500">
               <a:lnSpc>
                 <a:spcPct val="115000"/>
               </a:lnSpc>
@@ -5920,7 +6205,7 @@
                 </a:solidFill>
               </a:defRPr>
             </a:lvl2pPr>
-            <a:lvl3pPr indent="-317500" lvl="2" marL="1371600">
+            <a:lvl3pPr marL="1371600" lvl="2" indent="-317500">
               <a:lnSpc>
                 <a:spcPct val="115000"/>
               </a:lnSpc>
@@ -5941,7 +6226,7 @@
                 </a:solidFill>
               </a:defRPr>
             </a:lvl3pPr>
-            <a:lvl4pPr indent="-317500" lvl="3" marL="1828800">
+            <a:lvl4pPr marL="1828800" lvl="3" indent="-317500">
               <a:lnSpc>
                 <a:spcPct val="115000"/>
               </a:lnSpc>
@@ -5962,7 +6247,7 @@
                 </a:solidFill>
               </a:defRPr>
             </a:lvl4pPr>
-            <a:lvl5pPr indent="-317500" lvl="4" marL="2286000">
+            <a:lvl5pPr marL="2286000" lvl="4" indent="-317500">
               <a:lnSpc>
                 <a:spcPct val="115000"/>
               </a:lnSpc>
@@ -5983,7 +6268,7 @@
                 </a:solidFill>
               </a:defRPr>
             </a:lvl5pPr>
-            <a:lvl6pPr indent="-317500" lvl="5" marL="2743200">
+            <a:lvl6pPr marL="2743200" lvl="5" indent="-317500">
               <a:lnSpc>
                 <a:spcPct val="115000"/>
               </a:lnSpc>
@@ -6004,7 +6289,7 @@
                 </a:solidFill>
               </a:defRPr>
             </a:lvl6pPr>
-            <a:lvl7pPr indent="-317500" lvl="6" marL="3200400">
+            <a:lvl7pPr marL="3200400" lvl="6" indent="-317500">
               <a:lnSpc>
                 <a:spcPct val="115000"/>
               </a:lnSpc>
@@ -6025,7 +6310,7 @@
                 </a:solidFill>
               </a:defRPr>
             </a:lvl7pPr>
-            <a:lvl8pPr indent="-317500" lvl="7" marL="3657600">
+            <a:lvl8pPr marL="3657600" lvl="7" indent="-317500">
               <a:lnSpc>
                 <a:spcPct val="115000"/>
               </a:lnSpc>
@@ -6046,7 +6331,7 @@
                 </a:solidFill>
               </a:defRPr>
             </a:lvl8pPr>
-            <a:lvl9pPr indent="-317500" lvl="8" marL="4114800">
+            <a:lvl9pPr marL="4114800" lvl="8" indent="-317500">
               <a:lnSpc>
                 <a:spcPct val="115000"/>
               </a:lnSpc>
@@ -6068,15 +6353,19 @@
               </a:defRPr>
             </a:lvl9pPr>
           </a:lstStyle>
-          <a:p/>
+          <a:p>
+            <a:endParaRPr/>
+          </a:p>
         </p:txBody>
       </p:sp>
       <p:sp>
         <p:nvSpPr>
           <p:cNvPr id="8" name="Google Shape;8;p1"/>
-          <p:cNvSpPr txBox="1"/>
+          <p:cNvSpPr txBox="1">
+            <a:spLocks noGrp="1"/>
+          </p:cNvSpPr>
           <p:nvPr>
-            <p:ph idx="12" type="sldNum"/>
+            <p:ph type="sldNum" idx="12"/>
           </p:nvPr>
         </p:nvSpPr>
         <p:spPr>
@@ -6093,7 +6382,7 @@
           </a:ln>
         </p:spPr>
         <p:txBody>
-          <a:bodyPr anchorCtr="0" anchor="ctr" bIns="91425" lIns="91425" spcFirstLastPara="1" rIns="91425" wrap="square" tIns="91425">
+          <a:bodyPr spcFirstLastPara="1" wrap="square" lIns="91425" tIns="91425" rIns="91425" bIns="91425" anchor="ctr" anchorCtr="0">
             <a:normAutofit/>
           </a:bodyPr>
           <a:lstStyle>
@@ -6171,7 +6460,7 @@
             </a:lvl9pPr>
           </a:lstStyle>
           <a:p>
-            <a:pPr indent="0" lvl="0" marL="0" rtl="0" algn="r">
+            <a:pPr marL="0" lvl="0" indent="0" algn="r" rtl="0">
               <a:spcBef>
                 <a:spcPts val="0"/>
               </a:spcBef>
@@ -6182,6 +6471,15 @@
             </a:pPr>
             <a:fld id="{00000000-1234-1234-1234-123412341234}" type="slidenum">
               <a:rPr lang="en"/>
+              <a:pPr marL="0" lvl="0" indent="0" algn="r" rtl="0">
+                <a:spcBef>
+                  <a:spcPts val="0"/>
+                </a:spcBef>
+                <a:spcAft>
+                  <a:spcPts val="0"/>
+                </a:spcAft>
+                <a:buNone/>
+              </a:pPr>
               <a:t>‹#›</a:t>
             </a:fld>
             <a:endParaRPr/>
@@ -6190,7 +6488,7 @@
       </p:sp>
     </p:spTree>
   </p:cSld>
-  <p:clrMap accent1="accent1" accent2="accent2" accent3="accent3" accent4="accent4" accent5="accent5" accent6="accent6" bg1="lt1" bg2="dk2" tx1="dk1" tx2="lt2" folHlink="folHlink" hlink="hlink"/>
+  <p:clrMap bg1="lt1" tx1="dk1" bg2="dk2" tx2="lt2" accent1="accent1" accent2="accent2" accent3="accent3" accent4="accent4" accent5="accent5" accent6="accent6" hlink="hlink" folHlink="folHlink"/>
   <p:sldLayoutIdLst>
     <p:sldLayoutId id="2147483648" r:id="rId1"/>
     <p:sldLayoutId id="2147483649" r:id="rId2"/>
@@ -6204,10 +6502,10 @@
     <p:sldLayoutId id="2147483657" r:id="rId10"/>
     <p:sldLayoutId id="2147483658" r:id="rId11"/>
   </p:sldLayoutIdLst>
-  <p:hf dt="0" ftr="0" hdr="0" sldNum="0"/>
+  <p:hf sldNum="0" hdr="0" ftr="0" dt="0"/>
   <p:txStyles>
     <p:titleStyle>
-      <a:defPPr lvl="0" marR="0" rtl="0" algn="l">
+      <a:defPPr marR="0" lvl="0" algn="l" rtl="0">
         <a:lnSpc>
           <a:spcPct val="100000"/>
         </a:lnSpc>
@@ -6218,7 +6516,7 @@
           <a:spcPts val="0"/>
         </a:spcAft>
       </a:defPPr>
-      <a:lvl1pPr lvl="0" marR="0" rtl="0" algn="l">
+      <a:lvl1pPr marR="0" lvl="0" algn="l" rtl="0">
         <a:lnSpc>
           <a:spcPct val="100000"/>
         </a:lnSpc>
@@ -6232,7 +6530,7 @@
           <a:srgbClr val="000000"/>
         </a:buClr>
         <a:buFont typeface="Arial"/>
-        <a:defRPr b="0" i="0" sz="1400" u="none" cap="none" strike="noStrike">
+        <a:defRPr sz="1400" b="0" i="0" u="none" strike="noStrike" cap="none">
           <a:solidFill>
             <a:srgbClr val="000000"/>
           </a:solidFill>
@@ -6242,7 +6540,7 @@
           <a:sym typeface="Arial"/>
         </a:defRPr>
       </a:lvl1pPr>
-      <a:lvl2pPr lvl="1" marR="0" rtl="0" algn="l">
+      <a:lvl2pPr marR="0" lvl="1" algn="l" rtl="0">
         <a:lnSpc>
           <a:spcPct val="100000"/>
         </a:lnSpc>
@@ -6256,7 +6554,7 @@
           <a:srgbClr val="000000"/>
         </a:buClr>
         <a:buFont typeface="Arial"/>
-        <a:defRPr b="0" i="0" sz="1400" u="none" cap="none" strike="noStrike">
+        <a:defRPr sz="1400" b="0" i="0" u="none" strike="noStrike" cap="none">
           <a:solidFill>
             <a:srgbClr val="000000"/>
           </a:solidFill>
@@ -6266,7 +6564,7 @@
           <a:sym typeface="Arial"/>
         </a:defRPr>
       </a:lvl2pPr>
-      <a:lvl3pPr lvl="2" marR="0" rtl="0" algn="l">
+      <a:lvl3pPr marR="0" lvl="2" algn="l" rtl="0">
         <a:lnSpc>
           <a:spcPct val="100000"/>
         </a:lnSpc>
@@ -6280,7 +6578,7 @@
           <a:srgbClr val="000000"/>
         </a:buClr>
         <a:buFont typeface="Arial"/>
-        <a:defRPr b="0" i="0" sz="1400" u="none" cap="none" strike="noStrike">
+        <a:defRPr sz="1400" b="0" i="0" u="none" strike="noStrike" cap="none">
           <a:solidFill>
             <a:srgbClr val="000000"/>
           </a:solidFill>
@@ -6290,7 +6588,7 @@
           <a:sym typeface="Arial"/>
         </a:defRPr>
       </a:lvl3pPr>
-      <a:lvl4pPr lvl="3" marR="0" rtl="0" algn="l">
+      <a:lvl4pPr marR="0" lvl="3" algn="l" rtl="0">
         <a:lnSpc>
           <a:spcPct val="100000"/>
         </a:lnSpc>
@@ -6304,7 +6602,7 @@
           <a:srgbClr val="000000"/>
         </a:buClr>
         <a:buFont typeface="Arial"/>
-        <a:defRPr b="0" i="0" sz="1400" u="none" cap="none" strike="noStrike">
+        <a:defRPr sz="1400" b="0" i="0" u="none" strike="noStrike" cap="none">
           <a:solidFill>
             <a:srgbClr val="000000"/>
           </a:solidFill>
@@ -6314,7 +6612,7 @@
           <a:sym typeface="Arial"/>
         </a:defRPr>
       </a:lvl4pPr>
-      <a:lvl5pPr lvl="4" marR="0" rtl="0" algn="l">
+      <a:lvl5pPr marR="0" lvl="4" algn="l" rtl="0">
         <a:lnSpc>
           <a:spcPct val="100000"/>
         </a:lnSpc>
@@ -6328,7 +6626,7 @@
           <a:srgbClr val="000000"/>
         </a:buClr>
         <a:buFont typeface="Arial"/>
-        <a:defRPr b="0" i="0" sz="1400" u="none" cap="none" strike="noStrike">
+        <a:defRPr sz="1400" b="0" i="0" u="none" strike="noStrike" cap="none">
           <a:solidFill>
             <a:srgbClr val="000000"/>
           </a:solidFill>
@@ -6338,7 +6636,7 @@
           <a:sym typeface="Arial"/>
         </a:defRPr>
       </a:lvl5pPr>
-      <a:lvl6pPr lvl="5" marR="0" rtl="0" algn="l">
+      <a:lvl6pPr marR="0" lvl="5" algn="l" rtl="0">
         <a:lnSpc>
           <a:spcPct val="100000"/>
         </a:lnSpc>
@@ -6352,7 +6650,7 @@
           <a:srgbClr val="000000"/>
         </a:buClr>
         <a:buFont typeface="Arial"/>
-        <a:defRPr b="0" i="0" sz="1400" u="none" cap="none" strike="noStrike">
+        <a:defRPr sz="1400" b="0" i="0" u="none" strike="noStrike" cap="none">
           <a:solidFill>
             <a:srgbClr val="000000"/>
           </a:solidFill>
@@ -6362,7 +6660,7 @@
           <a:sym typeface="Arial"/>
         </a:defRPr>
       </a:lvl6pPr>
-      <a:lvl7pPr lvl="6" marR="0" rtl="0" algn="l">
+      <a:lvl7pPr marR="0" lvl="6" algn="l" rtl="0">
         <a:lnSpc>
           <a:spcPct val="100000"/>
         </a:lnSpc>
@@ -6376,7 +6674,7 @@
           <a:srgbClr val="000000"/>
         </a:buClr>
         <a:buFont typeface="Arial"/>
-        <a:defRPr b="0" i="0" sz="1400" u="none" cap="none" strike="noStrike">
+        <a:defRPr sz="1400" b="0" i="0" u="none" strike="noStrike" cap="none">
           <a:solidFill>
             <a:srgbClr val="000000"/>
           </a:solidFill>
@@ -6386,7 +6684,7 @@
           <a:sym typeface="Arial"/>
         </a:defRPr>
       </a:lvl7pPr>
-      <a:lvl8pPr lvl="7" marR="0" rtl="0" algn="l">
+      <a:lvl8pPr marR="0" lvl="7" algn="l" rtl="0">
         <a:lnSpc>
           <a:spcPct val="100000"/>
         </a:lnSpc>
@@ -6400,7 +6698,7 @@
           <a:srgbClr val="000000"/>
         </a:buClr>
         <a:buFont typeface="Arial"/>
-        <a:defRPr b="0" i="0" sz="1400" u="none" cap="none" strike="noStrike">
+        <a:defRPr sz="1400" b="0" i="0" u="none" strike="noStrike" cap="none">
           <a:solidFill>
             <a:srgbClr val="000000"/>
           </a:solidFill>
@@ -6410,7 +6708,7 @@
           <a:sym typeface="Arial"/>
         </a:defRPr>
       </a:lvl8pPr>
-      <a:lvl9pPr lvl="8" marR="0" rtl="0" algn="l">
+      <a:lvl9pPr marR="0" lvl="8" algn="l" rtl="0">
         <a:lnSpc>
           <a:spcPct val="100000"/>
         </a:lnSpc>
@@ -6424,7 +6722,7 @@
           <a:srgbClr val="000000"/>
         </a:buClr>
         <a:buFont typeface="Arial"/>
-        <a:defRPr b="0" i="0" sz="1400" u="none" cap="none" strike="noStrike">
+        <a:defRPr sz="1400" b="0" i="0" u="none" strike="noStrike" cap="none">
           <a:solidFill>
             <a:srgbClr val="000000"/>
           </a:solidFill>
@@ -6436,7 +6734,7 @@
       </a:lvl9pPr>
     </p:titleStyle>
     <p:bodyStyle>
-      <a:defPPr lvl="0" marR="0" rtl="0" algn="l">
+      <a:defPPr marR="0" lvl="0" algn="l" rtl="0">
         <a:lnSpc>
           <a:spcPct val="100000"/>
         </a:lnSpc>
@@ -6447,7 +6745,7 @@
           <a:spcPts val="0"/>
         </a:spcAft>
       </a:defPPr>
-      <a:lvl1pPr lvl="0" marR="0" rtl="0" algn="l">
+      <a:lvl1pPr marR="0" lvl="0" algn="l" rtl="0">
         <a:lnSpc>
           <a:spcPct val="100000"/>
         </a:lnSpc>
@@ -6461,7 +6759,7 @@
           <a:srgbClr val="000000"/>
         </a:buClr>
         <a:buFont typeface="Arial"/>
-        <a:defRPr b="0" i="0" sz="1400" u="none" cap="none" strike="noStrike">
+        <a:defRPr sz="1400" b="0" i="0" u="none" strike="noStrike" cap="none">
           <a:solidFill>
             <a:srgbClr val="000000"/>
           </a:solidFill>
@@ -6471,7 +6769,7 @@
           <a:sym typeface="Arial"/>
         </a:defRPr>
       </a:lvl1pPr>
-      <a:lvl2pPr lvl="1" marR="0" rtl="0" algn="l">
+      <a:lvl2pPr marR="0" lvl="1" algn="l" rtl="0">
         <a:lnSpc>
           <a:spcPct val="100000"/>
         </a:lnSpc>
@@ -6485,7 +6783,7 @@
           <a:srgbClr val="000000"/>
         </a:buClr>
         <a:buFont typeface="Arial"/>
-        <a:defRPr b="0" i="0" sz="1400" u="none" cap="none" strike="noStrike">
+        <a:defRPr sz="1400" b="0" i="0" u="none" strike="noStrike" cap="none">
           <a:solidFill>
             <a:srgbClr val="000000"/>
           </a:solidFill>
@@ -6495,7 +6793,7 @@
           <a:sym typeface="Arial"/>
         </a:defRPr>
       </a:lvl2pPr>
-      <a:lvl3pPr lvl="2" marR="0" rtl="0" algn="l">
+      <a:lvl3pPr marR="0" lvl="2" algn="l" rtl="0">
         <a:lnSpc>
           <a:spcPct val="100000"/>
         </a:lnSpc>
@@ -6509,7 +6807,7 @@
           <a:srgbClr val="000000"/>
         </a:buClr>
         <a:buFont typeface="Arial"/>
-        <a:defRPr b="0" i="0" sz="1400" u="none" cap="none" strike="noStrike">
+        <a:defRPr sz="1400" b="0" i="0" u="none" strike="noStrike" cap="none">
           <a:solidFill>
             <a:srgbClr val="000000"/>
           </a:solidFill>
@@ -6519,7 +6817,7 @@
           <a:sym typeface="Arial"/>
         </a:defRPr>
       </a:lvl3pPr>
-      <a:lvl4pPr lvl="3" marR="0" rtl="0" algn="l">
+      <a:lvl4pPr marR="0" lvl="3" algn="l" rtl="0">
         <a:lnSpc>
           <a:spcPct val="100000"/>
         </a:lnSpc>
@@ -6533,7 +6831,7 @@
           <a:srgbClr val="000000"/>
         </a:buClr>
         <a:buFont typeface="Arial"/>
-        <a:defRPr b="0" i="0" sz="1400" u="none" cap="none" strike="noStrike">
+        <a:defRPr sz="1400" b="0" i="0" u="none" strike="noStrike" cap="none">
           <a:solidFill>
             <a:srgbClr val="000000"/>
           </a:solidFill>
@@ -6543,7 +6841,7 @@
           <a:sym typeface="Arial"/>
         </a:defRPr>
       </a:lvl4pPr>
-      <a:lvl5pPr lvl="4" marR="0" rtl="0" algn="l">
+      <a:lvl5pPr marR="0" lvl="4" algn="l" rtl="0">
         <a:lnSpc>
           <a:spcPct val="100000"/>
         </a:lnSpc>
@@ -6557,7 +6855,7 @@
           <a:srgbClr val="000000"/>
         </a:buClr>
         <a:buFont typeface="Arial"/>
-        <a:defRPr b="0" i="0" sz="1400" u="none" cap="none" strike="noStrike">
+        <a:defRPr sz="1400" b="0" i="0" u="none" strike="noStrike" cap="none">
           <a:solidFill>
             <a:srgbClr val="000000"/>
           </a:solidFill>
@@ -6567,7 +6865,7 @@
           <a:sym typeface="Arial"/>
         </a:defRPr>
       </a:lvl5pPr>
-      <a:lvl6pPr lvl="5" marR="0" rtl="0" algn="l">
+      <a:lvl6pPr marR="0" lvl="5" algn="l" rtl="0">
         <a:lnSpc>
           <a:spcPct val="100000"/>
         </a:lnSpc>
@@ -6581,7 +6879,7 @@
           <a:srgbClr val="000000"/>
         </a:buClr>
         <a:buFont typeface="Arial"/>
-        <a:defRPr b="0" i="0" sz="1400" u="none" cap="none" strike="noStrike">
+        <a:defRPr sz="1400" b="0" i="0" u="none" strike="noStrike" cap="none">
           <a:solidFill>
             <a:srgbClr val="000000"/>
           </a:solidFill>
@@ -6591,7 +6889,7 @@
           <a:sym typeface="Arial"/>
         </a:defRPr>
       </a:lvl6pPr>
-      <a:lvl7pPr lvl="6" marR="0" rtl="0" algn="l">
+      <a:lvl7pPr marR="0" lvl="6" algn="l" rtl="0">
         <a:lnSpc>
           <a:spcPct val="100000"/>
         </a:lnSpc>
@@ -6605,7 +6903,7 @@
           <a:srgbClr val="000000"/>
         </a:buClr>
         <a:buFont typeface="Arial"/>
-        <a:defRPr b="0" i="0" sz="1400" u="none" cap="none" strike="noStrike">
+        <a:defRPr sz="1400" b="0" i="0" u="none" strike="noStrike" cap="none">
           <a:solidFill>
             <a:srgbClr val="000000"/>
           </a:solidFill>
@@ -6615,7 +6913,7 @@
           <a:sym typeface="Arial"/>
         </a:defRPr>
       </a:lvl7pPr>
-      <a:lvl8pPr lvl="7" marR="0" rtl="0" algn="l">
+      <a:lvl8pPr marR="0" lvl="7" algn="l" rtl="0">
         <a:lnSpc>
           <a:spcPct val="100000"/>
         </a:lnSpc>
@@ -6629,7 +6927,7 @@
           <a:srgbClr val="000000"/>
         </a:buClr>
         <a:buFont typeface="Arial"/>
-        <a:defRPr b="0" i="0" sz="1400" u="none" cap="none" strike="noStrike">
+        <a:defRPr sz="1400" b="0" i="0" u="none" strike="noStrike" cap="none">
           <a:solidFill>
             <a:srgbClr val="000000"/>
           </a:solidFill>
@@ -6639,7 +6937,7 @@
           <a:sym typeface="Arial"/>
         </a:defRPr>
       </a:lvl8pPr>
-      <a:lvl9pPr lvl="8" marR="0" rtl="0" algn="l">
+      <a:lvl9pPr marR="0" lvl="8" algn="l" rtl="0">
         <a:lnSpc>
           <a:spcPct val="100000"/>
         </a:lnSpc>
@@ -6653,7 +6951,7 @@
           <a:srgbClr val="000000"/>
         </a:buClr>
         <a:buFont typeface="Arial"/>
-        <a:defRPr b="0" i="0" sz="1400" u="none" cap="none" strike="noStrike">
+        <a:defRPr sz="1400" b="0" i="0" u="none" strike="noStrike" cap="none">
           <a:solidFill>
             <a:srgbClr val="000000"/>
           </a:solidFill>
@@ -6665,7 +6963,7 @@
       </a:lvl9pPr>
     </p:bodyStyle>
     <p:otherStyle>
-      <a:defPPr lvl="0" marR="0" rtl="0" algn="l">
+      <a:defPPr marR="0" lvl="0" algn="l" rtl="0">
         <a:lnSpc>
           <a:spcPct val="100000"/>
         </a:lnSpc>
@@ -6676,7 +6974,7 @@
           <a:spcPts val="0"/>
         </a:spcAft>
       </a:defPPr>
-      <a:lvl1pPr lvl="0" marR="0" rtl="0" algn="l">
+      <a:lvl1pPr marR="0" lvl="0" algn="l" rtl="0">
         <a:lnSpc>
           <a:spcPct val="100000"/>
         </a:lnSpc>
@@ -6690,7 +6988,7 @@
           <a:srgbClr val="000000"/>
         </a:buClr>
         <a:buFont typeface="Arial"/>
-        <a:defRPr b="0" i="0" sz="1400" u="none" cap="none" strike="noStrike">
+        <a:defRPr sz="1400" b="0" i="0" u="none" strike="noStrike" cap="none">
           <a:solidFill>
             <a:srgbClr val="000000"/>
           </a:solidFill>
@@ -6700,7 +6998,7 @@
           <a:sym typeface="Arial"/>
         </a:defRPr>
       </a:lvl1pPr>
-      <a:lvl2pPr lvl="1" marR="0" rtl="0" algn="l">
+      <a:lvl2pPr marR="0" lvl="1" algn="l" rtl="0">
         <a:lnSpc>
           <a:spcPct val="100000"/>
         </a:lnSpc>
@@ -6714,7 +7012,7 @@
           <a:srgbClr val="000000"/>
         </a:buClr>
         <a:buFont typeface="Arial"/>
-        <a:defRPr b="0" i="0" sz="1400" u="none" cap="none" strike="noStrike">
+        <a:defRPr sz="1400" b="0" i="0" u="none" strike="noStrike" cap="none">
           <a:solidFill>
             <a:srgbClr val="000000"/>
           </a:solidFill>
@@ -6724,7 +7022,7 @@
           <a:sym typeface="Arial"/>
         </a:defRPr>
       </a:lvl2pPr>
-      <a:lvl3pPr lvl="2" marR="0" rtl="0" algn="l">
+      <a:lvl3pPr marR="0" lvl="2" algn="l" rtl="0">
         <a:lnSpc>
           <a:spcPct val="100000"/>
         </a:lnSpc>
@@ -6738,7 +7036,7 @@
           <a:srgbClr val="000000"/>
         </a:buClr>
         <a:buFont typeface="Arial"/>
-        <a:defRPr b="0" i="0" sz="1400" u="none" cap="none" strike="noStrike">
+        <a:defRPr sz="1400" b="0" i="0" u="none" strike="noStrike" cap="none">
           <a:solidFill>
             <a:srgbClr val="000000"/>
           </a:solidFill>
@@ -6748,7 +7046,7 @@
           <a:sym typeface="Arial"/>
         </a:defRPr>
       </a:lvl3pPr>
-      <a:lvl4pPr lvl="3" marR="0" rtl="0" algn="l">
+      <a:lvl4pPr marR="0" lvl="3" algn="l" rtl="0">
         <a:lnSpc>
           <a:spcPct val="100000"/>
         </a:lnSpc>
@@ -6762,7 +7060,7 @@
           <a:srgbClr val="000000"/>
         </a:buClr>
         <a:buFont typeface="Arial"/>
-        <a:defRPr b="0" i="0" sz="1400" u="none" cap="none" strike="noStrike">
+        <a:defRPr sz="1400" b="0" i="0" u="none" strike="noStrike" cap="none">
           <a:solidFill>
             <a:srgbClr val="000000"/>
           </a:solidFill>
@@ -6772,7 +7070,7 @@
           <a:sym typeface="Arial"/>
         </a:defRPr>
       </a:lvl4pPr>
-      <a:lvl5pPr lvl="4" marR="0" rtl="0" algn="l">
+      <a:lvl5pPr marR="0" lvl="4" algn="l" rtl="0">
         <a:lnSpc>
           <a:spcPct val="100000"/>
         </a:lnSpc>
@@ -6786,7 +7084,7 @@
           <a:srgbClr val="000000"/>
         </a:buClr>
         <a:buFont typeface="Arial"/>
-        <a:defRPr b="0" i="0" sz="1400" u="none" cap="none" strike="noStrike">
+        <a:defRPr sz="1400" b="0" i="0" u="none" strike="noStrike" cap="none">
           <a:solidFill>
             <a:srgbClr val="000000"/>
           </a:solidFill>
@@ -6796,7 +7094,7 @@
           <a:sym typeface="Arial"/>
         </a:defRPr>
       </a:lvl5pPr>
-      <a:lvl6pPr lvl="5" marR="0" rtl="0" algn="l">
+      <a:lvl6pPr marR="0" lvl="5" algn="l" rtl="0">
         <a:lnSpc>
           <a:spcPct val="100000"/>
         </a:lnSpc>
@@ -6810,7 +7108,7 @@
           <a:srgbClr val="000000"/>
         </a:buClr>
         <a:buFont typeface="Arial"/>
-        <a:defRPr b="0" i="0" sz="1400" u="none" cap="none" strike="noStrike">
+        <a:defRPr sz="1400" b="0" i="0" u="none" strike="noStrike" cap="none">
           <a:solidFill>
             <a:srgbClr val="000000"/>
           </a:solidFill>
@@ -6820,7 +7118,7 @@
           <a:sym typeface="Arial"/>
         </a:defRPr>
       </a:lvl6pPr>
-      <a:lvl7pPr lvl="6" marR="0" rtl="0" algn="l">
+      <a:lvl7pPr marR="0" lvl="6" algn="l" rtl="0">
         <a:lnSpc>
           <a:spcPct val="100000"/>
         </a:lnSpc>
@@ -6834,7 +7132,7 @@
           <a:srgbClr val="000000"/>
         </a:buClr>
         <a:buFont typeface="Arial"/>
-        <a:defRPr b="0" i="0" sz="1400" u="none" cap="none" strike="noStrike">
+        <a:defRPr sz="1400" b="0" i="0" u="none" strike="noStrike" cap="none">
           <a:solidFill>
             <a:srgbClr val="000000"/>
           </a:solidFill>
@@ -6844,7 +7142,7 @@
           <a:sym typeface="Arial"/>
         </a:defRPr>
       </a:lvl7pPr>
-      <a:lvl8pPr lvl="7" marR="0" rtl="0" algn="l">
+      <a:lvl8pPr marR="0" lvl="7" algn="l" rtl="0">
         <a:lnSpc>
           <a:spcPct val="100000"/>
         </a:lnSpc>
@@ -6858,7 +7156,7 @@
           <a:srgbClr val="000000"/>
         </a:buClr>
         <a:buFont typeface="Arial"/>
-        <a:defRPr b="0" i="0" sz="1400" u="none" cap="none" strike="noStrike">
+        <a:defRPr sz="1400" b="0" i="0" u="none" strike="noStrike" cap="none">
           <a:solidFill>
             <a:srgbClr val="000000"/>
           </a:solidFill>
@@ -6868,7 +7166,7 @@
           <a:sym typeface="Arial"/>
         </a:defRPr>
       </a:lvl8pPr>
-      <a:lvl9pPr lvl="8" marR="0" rtl="0" algn="l">
+      <a:lvl9pPr marR="0" lvl="8" algn="l" rtl="0">
         <a:lnSpc>
           <a:spcPct val="100000"/>
         </a:lnSpc>
@@ -6882,7 +7180,7 @@
           <a:srgbClr val="000000"/>
         </a:buClr>
         <a:buFont typeface="Arial"/>
-        <a:defRPr b="0" i="0" sz="1400" u="none" cap="none" strike="noStrike">
+        <a:defRPr sz="1400" b="0" i="0" u="none" strike="noStrike" cap="none">
           <a:solidFill>
             <a:srgbClr val="000000"/>
           </a:solidFill>
@@ -6898,18 +7196,19 @@
 </file>
 
 <file path=ppt/slides/slide1.xml><?xml version="1.0" encoding="utf-8"?>
-<p:sld xmlns:a="http://schemas.openxmlformats.org/drawingml/2006/main" xmlns:r="http://schemas.openxmlformats.org/officeDocument/2006/relationships" xmlns:mc="http://schemas.openxmlformats.org/markup-compatibility/2006" xmlns:mv="urn:schemas-microsoft-com:mac:vml" xmlns:p="http://schemas.openxmlformats.org/presentationml/2006/main" xmlns:c="http://schemas.openxmlformats.org/drawingml/2006/chart" xmlns:dgm="http://schemas.openxmlformats.org/drawingml/2006/diagram" xmlns:o="urn:schemas-microsoft-com:office:office" xmlns:v="urn:schemas-microsoft-com:vml" xmlns:pvml="urn:schemas-microsoft-com:office:powerpoint" xmlns:com="http://schemas.openxmlformats.org/drawingml/2006/compatibility" xmlns:p14="http://schemas.microsoft.com/office/powerpoint/2010/main" xmlns:p15="http://schemas.microsoft.com/office/powerpoint/2012/main" xmlns:ahyp="http://schemas.microsoft.com/office/drawing/2018/hyperlinkcolor">
+<p:sld xmlns:a="http://schemas.openxmlformats.org/drawingml/2006/main" xmlns:r="http://schemas.openxmlformats.org/officeDocument/2006/relationships" xmlns:p="http://schemas.openxmlformats.org/presentationml/2006/main">
   <p:cSld>
     <p:bg>
       <p:bgPr>
         <a:solidFill>
           <a:srgbClr val="000000"/>
         </a:solidFill>
+        <a:effectLst/>
       </p:bgPr>
     </p:bg>
     <p:spTree>
       <p:nvGrpSpPr>
-        <p:cNvPr id="53" name="Shape 53"/>
+        <p:cNvPr id="1" name="Shape 53"/>
         <p:cNvGrpSpPr/>
         <p:nvPr/>
       </p:nvGrpSpPr>
@@ -6924,7 +7223,9 @@
       <p:sp>
         <p:nvSpPr>
           <p:cNvPr id="54" name="Google Shape;54;p13"/>
-          <p:cNvSpPr txBox="1"/>
+          <p:cNvSpPr txBox="1">
+            <a:spLocks noGrp="1"/>
+          </p:cNvSpPr>
           <p:nvPr>
             <p:ph type="ctrTitle"/>
           </p:nvPr>
@@ -6939,12 +7240,12 @@
           </a:prstGeom>
         </p:spPr>
         <p:txBody>
-          <a:bodyPr anchorCtr="0" anchor="b" bIns="91425" lIns="91425" spcFirstLastPara="1" rIns="91425" wrap="square" tIns="91425">
+          <a:bodyPr spcFirstLastPara="1" wrap="square" lIns="91425" tIns="91425" rIns="91425" bIns="91425" anchor="b" anchorCtr="0">
             <a:normAutofit/>
           </a:bodyPr>
           <a:lstStyle/>
           <a:p>
-            <a:pPr indent="0" lvl="0" marL="0" rtl="0" algn="ctr">
+            <a:pPr marL="0" lvl="0" indent="0" algn="ctr" rtl="0">
               <a:spcBef>
                 <a:spcPts val="0"/>
               </a:spcBef>
@@ -6954,21 +7255,21 @@
               <a:buNone/>
             </a:pPr>
             <a:r>
-              <a:rPr b="1" lang="en" sz="5100">
+              <a:rPr lang="en" sz="5100" b="1">
                 <a:solidFill>
                   <a:srgbClr val="A64D79"/>
                 </a:solidFill>
               </a:rPr>
               <a:t>MEDIGITZ</a:t>
             </a:r>
-            <a:endParaRPr b="1" sz="5100">
+            <a:endParaRPr sz="5100" b="1">
               <a:solidFill>
                 <a:srgbClr val="A64D79"/>
               </a:solidFill>
             </a:endParaRPr>
           </a:p>
           <a:p>
-            <a:pPr indent="0" lvl="0" marL="0" rtl="0" algn="ctr">
+            <a:pPr marL="0" lvl="0" indent="0" algn="ctr" rtl="0">
               <a:spcBef>
                 <a:spcPts val="0"/>
               </a:spcBef>
@@ -6978,30 +7279,22 @@
               <a:buNone/>
             </a:pPr>
             <a:r>
-              <a:rPr b="1" i="1" lang="en" sz="1600">
+              <a:rPr lang="en" sz="1600" b="1" i="1">
                 <a:solidFill>
                   <a:srgbClr val="B7B7B7"/>
                 </a:solidFill>
               </a:rPr>
-              <a:t>                   y</a:t>
+              <a:t>                   yo</a:t>
             </a:r>
             <a:r>
-              <a:rPr b="1" i="1" lang="en" sz="1600">
-                <a:solidFill>
-                  <a:srgbClr val="B7B7B7"/>
-                </a:solidFill>
-              </a:rPr>
-              <a:t>o</a:t>
-            </a:r>
-            <a:r>
-              <a:rPr b="1" i="1" lang="en" sz="1533">
+              <a:rPr lang="en" sz="1533" b="1" i="1">
                 <a:solidFill>
                   <a:srgbClr val="B7B7B7"/>
                 </a:solidFill>
               </a:rPr>
               <a:t>ur child’s health companion</a:t>
             </a:r>
-            <a:endParaRPr b="1" i="1" sz="1533">
+            <a:endParaRPr sz="1533" b="1" i="1">
               <a:solidFill>
                 <a:srgbClr val="B7B7B7"/>
               </a:solidFill>
@@ -7012,9 +7305,11 @@
       <p:sp>
         <p:nvSpPr>
           <p:cNvPr id="55" name="Google Shape;55;p13"/>
-          <p:cNvSpPr txBox="1"/>
+          <p:cNvSpPr txBox="1">
+            <a:spLocks noGrp="1"/>
+          </p:cNvSpPr>
           <p:nvPr>
-            <p:ph idx="1" type="subTitle"/>
+            <p:ph type="subTitle" idx="1"/>
           </p:nvPr>
         </p:nvSpPr>
         <p:spPr>
@@ -7027,12 +7322,12 @@
           </a:prstGeom>
         </p:spPr>
         <p:txBody>
-          <a:bodyPr anchorCtr="0" anchor="t" bIns="91425" lIns="91425" spcFirstLastPara="1" rIns="91425" wrap="square" tIns="91425">
+          <a:bodyPr spcFirstLastPara="1" wrap="square" lIns="91425" tIns="91425" rIns="91425" bIns="91425" anchor="t" anchorCtr="0">
             <a:normAutofit/>
           </a:bodyPr>
           <a:lstStyle/>
           <a:p>
-            <a:pPr indent="0" lvl="0" marL="0" rtl="0" algn="ctr">
+            <a:pPr marL="0" lvl="0" indent="0" algn="ctr" rtl="0">
               <a:spcBef>
                 <a:spcPts val="0"/>
               </a:spcBef>
@@ -7069,12 +7364,12 @@
           </a:ln>
         </p:spPr>
         <p:txBody>
-          <a:bodyPr anchorCtr="0" anchor="t" bIns="91425" lIns="91425" spcFirstLastPara="1" rIns="91425" wrap="square" tIns="91425">
+          <a:bodyPr spcFirstLastPara="1" wrap="square" lIns="91425" tIns="91425" rIns="91425" bIns="91425" anchor="t" anchorCtr="0">
             <a:spAutoFit/>
           </a:bodyPr>
           <a:lstStyle/>
           <a:p>
-            <a:pPr indent="0" lvl="0" marL="0" rtl="0" algn="l">
+            <a:pPr marL="0" lvl="0" indent="0" algn="l" rtl="0">
               <a:spcBef>
                 <a:spcPts val="0"/>
               </a:spcBef>
@@ -7098,7 +7393,7 @@
             </a:endParaRPr>
           </a:p>
           <a:p>
-            <a:pPr indent="0" lvl="0" marL="0" rtl="0" algn="l">
+            <a:pPr marL="0" lvl="0" indent="0" algn="l" rtl="0">
               <a:spcBef>
                 <a:spcPts val="0"/>
               </a:spcBef>
@@ -7108,14 +7403,14 @@
               <a:buNone/>
             </a:pPr>
             <a:r>
-              <a:rPr b="1" lang="en" sz="1600">
+              <a:rPr lang="en" sz="1600" b="1">
                 <a:solidFill>
                   <a:srgbClr val="999999"/>
                 </a:solidFill>
               </a:rPr>
               <a:t>EXCEPTION HANDLERS</a:t>
             </a:r>
-            <a:endParaRPr b="1" sz="1600">
+            <a:endParaRPr sz="1600" b="1">
               <a:solidFill>
                 <a:srgbClr val="999999"/>
               </a:solidFill>
@@ -7143,12 +7438,12 @@
           </a:ln>
         </p:spPr>
         <p:txBody>
-          <a:bodyPr anchorCtr="0" anchor="t" bIns="91425" lIns="91425" spcFirstLastPara="1" rIns="91425" wrap="square" tIns="91425">
+          <a:bodyPr spcFirstLastPara="1" wrap="square" lIns="91425" tIns="91425" rIns="91425" bIns="91425" anchor="t" anchorCtr="0">
             <a:spAutoFit/>
           </a:bodyPr>
           <a:lstStyle/>
           <a:p>
-            <a:pPr indent="0" lvl="0" marL="0" rtl="0" algn="l">
+            <a:pPr marL="0" lvl="0" indent="0" algn="l" rtl="0">
               <a:spcBef>
                 <a:spcPts val="0"/>
               </a:spcBef>
@@ -7157,9 +7452,6 @@
               </a:spcAft>
               <a:buNone/>
             </a:pPr>
-            <a:r>
-              <a:t/>
-            </a:r>
             <a:endParaRPr/>
           </a:p>
         </p:txBody>
@@ -7201,11 +7493,11 @@
 </file>
 
 <file path=ppt/slides/slide10.xml><?xml version="1.0" encoding="utf-8"?>
-<p:sld xmlns:a="http://schemas.openxmlformats.org/drawingml/2006/main" xmlns:r="http://schemas.openxmlformats.org/officeDocument/2006/relationships" xmlns:mc="http://schemas.openxmlformats.org/markup-compatibility/2006" xmlns:mv="urn:schemas-microsoft-com:mac:vml" xmlns:p="http://schemas.openxmlformats.org/presentationml/2006/main" xmlns:c="http://schemas.openxmlformats.org/drawingml/2006/chart" xmlns:dgm="http://schemas.openxmlformats.org/drawingml/2006/diagram" xmlns:o="urn:schemas-microsoft-com:office:office" xmlns:v="urn:schemas-microsoft-com:vml" xmlns:pvml="urn:schemas-microsoft-com:office:powerpoint" xmlns:com="http://schemas.openxmlformats.org/drawingml/2006/compatibility" xmlns:p14="http://schemas.microsoft.com/office/powerpoint/2010/main" xmlns:p15="http://schemas.microsoft.com/office/powerpoint/2012/main" xmlns:ahyp="http://schemas.microsoft.com/office/drawing/2018/hyperlinkcolor">
+<p:sld xmlns:a="http://schemas.openxmlformats.org/drawingml/2006/main" xmlns:r="http://schemas.openxmlformats.org/officeDocument/2006/relationships" xmlns:p="http://schemas.openxmlformats.org/presentationml/2006/main">
   <p:cSld>
     <p:spTree>
       <p:nvGrpSpPr>
-        <p:cNvPr id="132" name="Shape 132"/>
+        <p:cNvPr id="1" name="Shape 132"/>
         <p:cNvGrpSpPr/>
         <p:nvPr/>
       </p:nvGrpSpPr>
@@ -7220,9 +7512,11 @@
       <p:sp>
         <p:nvSpPr>
           <p:cNvPr id="133" name="Google Shape;133;p22"/>
-          <p:cNvSpPr txBox="1"/>
+          <p:cNvSpPr txBox="1">
+            <a:spLocks noGrp="1"/>
+          </p:cNvSpPr>
           <p:nvPr>
-            <p:ph idx="1" type="body"/>
+            <p:ph type="body" idx="1"/>
           </p:nvPr>
         </p:nvSpPr>
         <p:spPr>
@@ -7235,12 +7529,12 @@
           </a:prstGeom>
         </p:spPr>
         <p:txBody>
-          <a:bodyPr anchorCtr="0" anchor="t" bIns="91425" lIns="91425" spcFirstLastPara="1" rIns="91425" wrap="square" tIns="91425">
+          <a:bodyPr spcFirstLastPara="1" wrap="square" lIns="91425" tIns="91425" rIns="91425" bIns="91425" anchor="t" anchorCtr="0">
             <a:normAutofit/>
           </a:bodyPr>
           <a:lstStyle/>
           <a:p>
-            <a:pPr indent="0" lvl="0" marL="457200" rtl="0" algn="l">
+            <a:pPr marL="457200" lvl="0" indent="0" algn="l" rtl="0">
               <a:spcBef>
                 <a:spcPts val="0"/>
               </a:spcBef>
@@ -7249,13 +7543,10 @@
               </a:spcAft>
               <a:buNone/>
             </a:pPr>
-            <a:r>
-              <a:t/>
-            </a:r>
             <a:endParaRPr/>
           </a:p>
           <a:p>
-            <a:pPr indent="0" lvl="0" marL="0" rtl="0" algn="l">
+            <a:pPr marL="0" lvl="0" indent="0" algn="l" rtl="0">
               <a:spcBef>
                 <a:spcPts val="1200"/>
               </a:spcBef>
@@ -7275,7 +7566,9 @@
       <p:sp>
         <p:nvSpPr>
           <p:cNvPr id="134" name="Google Shape;134;p22"/>
-          <p:cNvSpPr txBox="1"/>
+          <p:cNvSpPr txBox="1">
+            <a:spLocks noGrp="1"/>
+          </p:cNvSpPr>
           <p:nvPr>
             <p:ph type="title"/>
           </p:nvPr>
@@ -7290,12 +7583,12 @@
           </a:prstGeom>
         </p:spPr>
         <p:txBody>
-          <a:bodyPr anchorCtr="0" anchor="t" bIns="91425" lIns="91425" spcFirstLastPara="1" rIns="91425" wrap="square" tIns="91425">
+          <a:bodyPr spcFirstLastPara="1" wrap="square" lIns="91425" tIns="91425" rIns="91425" bIns="91425" anchor="t" anchorCtr="0">
             <a:normAutofit fontScale="90000"/>
           </a:bodyPr>
           <a:lstStyle/>
           <a:p>
-            <a:pPr indent="-388620" lvl="0" marL="457200" rtl="0" algn="l">
+            <a:pPr marL="457200" lvl="0" indent="-388620" algn="l" rtl="0">
               <a:spcBef>
                 <a:spcPts val="0"/>
               </a:spcBef>
@@ -7323,7 +7616,7 @@
             </a:endParaRPr>
           </a:p>
           <a:p>
-            <a:pPr indent="0" lvl="0" marL="457200" rtl="0" algn="l">
+            <a:pPr marL="457200" lvl="0" indent="0" algn="l" rtl="0">
               <a:spcBef>
                 <a:spcPts val="0"/>
               </a:spcBef>
@@ -7332,9 +7625,6 @@
               </a:spcAft>
               <a:buNone/>
             </a:pPr>
-            <a:r>
-              <a:t/>
-            </a:r>
             <a:endParaRPr>
               <a:solidFill>
                 <a:srgbClr val="6AA84F"/>
@@ -7342,7 +7632,7 @@
             </a:endParaRPr>
           </a:p>
           <a:p>
-            <a:pPr indent="-388620" lvl="0" marL="457200" rtl="0" algn="l">
+            <a:pPr marL="457200" lvl="0" indent="-388620" algn="l" rtl="0">
               <a:spcBef>
                 <a:spcPts val="0"/>
               </a:spcBef>
@@ -7380,11 +7670,11 @@
 </file>
 
 <file path=ppt/slides/slide11.xml><?xml version="1.0" encoding="utf-8"?>
-<p:sld xmlns:a="http://schemas.openxmlformats.org/drawingml/2006/main" xmlns:r="http://schemas.openxmlformats.org/officeDocument/2006/relationships" xmlns:mc="http://schemas.openxmlformats.org/markup-compatibility/2006" xmlns:mv="urn:schemas-microsoft-com:mac:vml" xmlns:p="http://schemas.openxmlformats.org/presentationml/2006/main" xmlns:c="http://schemas.openxmlformats.org/drawingml/2006/chart" xmlns:dgm="http://schemas.openxmlformats.org/drawingml/2006/diagram" xmlns:o="urn:schemas-microsoft-com:office:office" xmlns:v="urn:schemas-microsoft-com:vml" xmlns:pvml="urn:schemas-microsoft-com:office:powerpoint" xmlns:com="http://schemas.openxmlformats.org/drawingml/2006/compatibility" xmlns:p14="http://schemas.microsoft.com/office/powerpoint/2010/main" xmlns:p15="http://schemas.microsoft.com/office/powerpoint/2012/main" xmlns:ahyp="http://schemas.microsoft.com/office/drawing/2018/hyperlinkcolor">
+<p:sld xmlns:a="http://schemas.openxmlformats.org/drawingml/2006/main" xmlns:r="http://schemas.openxmlformats.org/officeDocument/2006/relationships" xmlns:p="http://schemas.openxmlformats.org/presentationml/2006/main">
   <p:cSld>
     <p:spTree>
       <p:nvGrpSpPr>
-        <p:cNvPr id="138" name="Shape 138"/>
+        <p:cNvPr id="1" name="Shape 138"/>
         <p:cNvGrpSpPr/>
         <p:nvPr/>
       </p:nvGrpSpPr>
@@ -7399,9 +7689,11 @@
       <p:sp>
         <p:nvSpPr>
           <p:cNvPr id="139" name="Google Shape;139;p23"/>
-          <p:cNvSpPr txBox="1"/>
+          <p:cNvSpPr txBox="1">
+            <a:spLocks noGrp="1"/>
+          </p:cNvSpPr>
           <p:nvPr>
-            <p:ph idx="1" type="body"/>
+            <p:ph type="body" idx="1"/>
           </p:nvPr>
         </p:nvSpPr>
         <p:spPr>
@@ -7414,12 +7706,12 @@
           </a:prstGeom>
         </p:spPr>
         <p:txBody>
-          <a:bodyPr anchorCtr="0" anchor="ctr" bIns="91425" lIns="91425" spcFirstLastPara="1" rIns="91425" wrap="square" tIns="91425">
+          <a:bodyPr spcFirstLastPara="1" wrap="square" lIns="91425" tIns="91425" rIns="91425" bIns="91425" anchor="ctr" anchorCtr="0">
             <a:normAutofit/>
           </a:bodyPr>
           <a:lstStyle/>
           <a:p>
-            <a:pPr indent="0" lvl="0" marL="0" rtl="0" algn="l">
+            <a:pPr marL="0" lvl="0" indent="0" algn="l" rtl="0">
               <a:spcBef>
                 <a:spcPts val="0"/>
               </a:spcBef>
@@ -7456,12 +7748,12 @@
           </a:ln>
         </p:spPr>
         <p:txBody>
-          <a:bodyPr anchorCtr="0" anchor="t" bIns="91425" lIns="91425" spcFirstLastPara="1" rIns="91425" wrap="square" tIns="91425">
+          <a:bodyPr spcFirstLastPara="1" wrap="square" lIns="91425" tIns="91425" rIns="91425" bIns="91425" anchor="t" anchorCtr="0">
             <a:spAutoFit/>
           </a:bodyPr>
           <a:lstStyle/>
           <a:p>
-            <a:pPr indent="0" lvl="0" marL="0" rtl="0" algn="l">
+            <a:pPr marL="0" lvl="0" indent="0" algn="l" rtl="0">
               <a:spcBef>
                 <a:spcPts val="0"/>
               </a:spcBef>
@@ -7470,9 +7762,6 @@
               </a:spcAft>
               <a:buNone/>
             </a:pPr>
-            <a:r>
-              <a:t/>
-            </a:r>
             <a:endParaRPr/>
           </a:p>
         </p:txBody>
@@ -7525,12 +7814,12 @@
           </a:ln>
         </p:spPr>
         <p:txBody>
-          <a:bodyPr anchorCtr="0" anchor="t" bIns="91425" lIns="91425" spcFirstLastPara="1" rIns="91425" wrap="square" tIns="91425">
+          <a:bodyPr spcFirstLastPara="1" wrap="square" lIns="91425" tIns="91425" rIns="91425" bIns="91425" anchor="t" anchorCtr="0">
             <a:spAutoFit/>
           </a:bodyPr>
           <a:lstStyle/>
           <a:p>
-            <a:pPr indent="0" lvl="0" marL="0" rtl="0" algn="l">
+            <a:pPr marL="0" lvl="0" indent="0" algn="l" rtl="0">
               <a:spcBef>
                 <a:spcPts val="0"/>
               </a:spcBef>
@@ -7539,9 +7828,6 @@
               </a:spcAft>
               <a:buNone/>
             </a:pPr>
-            <a:r>
-              <a:t/>
-            </a:r>
             <a:endParaRPr/>
           </a:p>
         </p:txBody>
@@ -7583,11 +7869,11 @@
 </file>
 
 <file path=ppt/slides/slide12.xml><?xml version="1.0" encoding="utf-8"?>
-<p:sld xmlns:a="http://schemas.openxmlformats.org/drawingml/2006/main" xmlns:r="http://schemas.openxmlformats.org/officeDocument/2006/relationships" xmlns:mc="http://schemas.openxmlformats.org/markup-compatibility/2006" xmlns:mv="urn:schemas-microsoft-com:mac:vml" xmlns:p="http://schemas.openxmlformats.org/presentationml/2006/main" xmlns:c="http://schemas.openxmlformats.org/drawingml/2006/chart" xmlns:dgm="http://schemas.openxmlformats.org/drawingml/2006/diagram" xmlns:o="urn:schemas-microsoft-com:office:office" xmlns:v="urn:schemas-microsoft-com:vml" xmlns:pvml="urn:schemas-microsoft-com:office:powerpoint" xmlns:com="http://schemas.openxmlformats.org/drawingml/2006/compatibility" xmlns:p14="http://schemas.microsoft.com/office/powerpoint/2010/main" xmlns:p15="http://schemas.microsoft.com/office/powerpoint/2012/main" xmlns:ahyp="http://schemas.microsoft.com/office/drawing/2018/hyperlinkcolor">
+<p:sld xmlns:a="http://schemas.openxmlformats.org/drawingml/2006/main" xmlns:r="http://schemas.openxmlformats.org/officeDocument/2006/relationships" xmlns:p="http://schemas.openxmlformats.org/presentationml/2006/main">
   <p:cSld>
     <p:spTree>
       <p:nvGrpSpPr>
-        <p:cNvPr id="147" name="Shape 147"/>
+        <p:cNvPr id="1" name="Shape 147"/>
         <p:cNvGrpSpPr/>
         <p:nvPr/>
       </p:nvGrpSpPr>
@@ -7602,7 +7888,9 @@
       <p:sp>
         <p:nvSpPr>
           <p:cNvPr id="148" name="Google Shape;148;p24"/>
-          <p:cNvSpPr txBox="1"/>
+          <p:cNvSpPr txBox="1">
+            <a:spLocks noGrp="1"/>
+          </p:cNvSpPr>
           <p:nvPr>
             <p:ph type="title"/>
           </p:nvPr>
@@ -7617,12 +7905,12 @@
           </a:prstGeom>
         </p:spPr>
         <p:txBody>
-          <a:bodyPr anchorCtr="0" anchor="ctr" bIns="91425" lIns="91425" spcFirstLastPara="1" rIns="91425" wrap="square" tIns="91425">
+          <a:bodyPr spcFirstLastPara="1" wrap="square" lIns="91425" tIns="91425" rIns="91425" bIns="91425" anchor="ctr" anchorCtr="0">
             <a:normAutofit/>
           </a:bodyPr>
           <a:lstStyle/>
           <a:p>
-            <a:pPr indent="0" lvl="0" marL="0" rtl="0" algn="l">
+            <a:pPr marL="0" lvl="0" indent="0" algn="l" rtl="0">
               <a:spcBef>
                 <a:spcPts val="0"/>
               </a:spcBef>
@@ -7675,12 +7963,12 @@
           </a:ln>
         </p:spPr>
         <p:txBody>
-          <a:bodyPr anchorCtr="0" anchor="t" bIns="91425" lIns="91425" spcFirstLastPara="1" rIns="91425" wrap="square" tIns="91425">
+          <a:bodyPr spcFirstLastPara="1" wrap="square" lIns="91425" tIns="91425" rIns="91425" bIns="91425" anchor="t" anchorCtr="0">
             <a:spAutoFit/>
           </a:bodyPr>
           <a:lstStyle/>
           <a:p>
-            <a:pPr indent="0" lvl="0" marL="0" rtl="0" algn="l">
+            <a:pPr marL="0" lvl="0" indent="0" algn="l" rtl="0">
               <a:spcBef>
                 <a:spcPts val="0"/>
               </a:spcBef>
@@ -7689,9 +7977,6 @@
               </a:spcAft>
               <a:buNone/>
             </a:pPr>
-            <a:r>
-              <a:t/>
-            </a:r>
             <a:endParaRPr/>
           </a:p>
         </p:txBody>
@@ -7716,12 +8001,12 @@
           </a:ln>
         </p:spPr>
         <p:txBody>
-          <a:bodyPr anchorCtr="0" anchor="t" bIns="91425" lIns="91425" spcFirstLastPara="1" rIns="91425" wrap="square" tIns="91425">
+          <a:bodyPr spcFirstLastPara="1" wrap="square" lIns="91425" tIns="91425" rIns="91425" bIns="91425" anchor="t" anchorCtr="0">
             <a:spAutoFit/>
           </a:bodyPr>
           <a:lstStyle/>
           <a:p>
-            <a:pPr indent="0" lvl="0" marL="0" rtl="0" algn="l">
+            <a:pPr marL="0" lvl="0" indent="0" algn="l" rtl="0">
               <a:spcBef>
                 <a:spcPts val="0"/>
               </a:spcBef>
@@ -7730,9 +8015,6 @@
               </a:spcAft>
               <a:buNone/>
             </a:pPr>
-            <a:r>
-              <a:t/>
-            </a:r>
             <a:endParaRPr/>
           </a:p>
         </p:txBody>
@@ -7774,11 +8056,11 @@
 </file>
 
 <file path=ppt/slides/slide13.xml><?xml version="1.0" encoding="utf-8"?>
-<p:sld xmlns:a="http://schemas.openxmlformats.org/drawingml/2006/main" xmlns:r="http://schemas.openxmlformats.org/officeDocument/2006/relationships" xmlns:mc="http://schemas.openxmlformats.org/markup-compatibility/2006" xmlns:mv="urn:schemas-microsoft-com:mac:vml" xmlns:p="http://schemas.openxmlformats.org/presentationml/2006/main" xmlns:c="http://schemas.openxmlformats.org/drawingml/2006/chart" xmlns:dgm="http://schemas.openxmlformats.org/drawingml/2006/diagram" xmlns:o="urn:schemas-microsoft-com:office:office" xmlns:v="urn:schemas-microsoft-com:vml" xmlns:pvml="urn:schemas-microsoft-com:office:powerpoint" xmlns:com="http://schemas.openxmlformats.org/drawingml/2006/compatibility" xmlns:p14="http://schemas.microsoft.com/office/powerpoint/2010/main" xmlns:p15="http://schemas.microsoft.com/office/powerpoint/2012/main" xmlns:ahyp="http://schemas.microsoft.com/office/drawing/2018/hyperlinkcolor">
+<p:sld xmlns:a="http://schemas.openxmlformats.org/drawingml/2006/main" xmlns:r="http://schemas.openxmlformats.org/officeDocument/2006/relationships" xmlns:p="http://schemas.openxmlformats.org/presentationml/2006/main">
   <p:cSld>
     <p:spTree>
       <p:nvGrpSpPr>
-        <p:cNvPr id="155" name="Shape 155"/>
+        <p:cNvPr id="1" name="Shape 155"/>
         <p:cNvGrpSpPr/>
         <p:nvPr/>
       </p:nvGrpSpPr>
@@ -7793,7 +8075,9 @@
       <p:sp>
         <p:nvSpPr>
           <p:cNvPr id="156" name="Google Shape;156;p25"/>
-          <p:cNvSpPr txBox="1"/>
+          <p:cNvSpPr txBox="1">
+            <a:spLocks noGrp="1"/>
+          </p:cNvSpPr>
           <p:nvPr>
             <p:ph type="title"/>
           </p:nvPr>
@@ -7808,12 +8092,12 @@
           </a:prstGeom>
         </p:spPr>
         <p:txBody>
-          <a:bodyPr anchorCtr="0" anchor="b" bIns="91425" lIns="91425" spcFirstLastPara="1" rIns="91425" wrap="square" tIns="91425">
+          <a:bodyPr spcFirstLastPara="1" wrap="square" lIns="91425" tIns="91425" rIns="91425" bIns="91425" anchor="b" anchorCtr="0">
             <a:normAutofit fontScale="90000"/>
           </a:bodyPr>
           <a:lstStyle/>
           <a:p>
-            <a:pPr indent="0" lvl="0" marL="0" rtl="0" algn="ctr">
+            <a:pPr marL="0" lvl="0" indent="0" algn="ctr" rtl="0">
               <a:spcBef>
                 <a:spcPts val="0"/>
               </a:spcBef>
@@ -7841,9 +8125,11 @@
       <p:sp>
         <p:nvSpPr>
           <p:cNvPr id="157" name="Google Shape;157;p25"/>
-          <p:cNvSpPr txBox="1"/>
+          <p:cNvSpPr txBox="1">
+            <a:spLocks noGrp="1"/>
+          </p:cNvSpPr>
           <p:nvPr>
-            <p:ph idx="2" type="body"/>
+            <p:ph type="body" idx="2"/>
           </p:nvPr>
         </p:nvSpPr>
         <p:spPr>
@@ -7856,12 +8142,12 @@
           </a:prstGeom>
         </p:spPr>
         <p:txBody>
-          <a:bodyPr anchorCtr="0" anchor="ctr" bIns="91425" lIns="91425" spcFirstLastPara="1" rIns="91425" wrap="square" tIns="91425">
+          <a:bodyPr spcFirstLastPara="1" wrap="square" lIns="91425" tIns="91425" rIns="91425" bIns="91425" anchor="ctr" anchorCtr="0">
             <a:normAutofit/>
           </a:bodyPr>
           <a:lstStyle/>
           <a:p>
-            <a:pPr indent="0" lvl="0" marL="0" rtl="0" algn="l">
+            <a:pPr marL="0" lvl="0" indent="0" algn="l" rtl="0">
               <a:spcBef>
                 <a:spcPts val="0"/>
               </a:spcBef>
@@ -7881,9 +8167,11 @@
       <p:sp>
         <p:nvSpPr>
           <p:cNvPr id="158" name="Google Shape;158;p25"/>
-          <p:cNvSpPr txBox="1"/>
+          <p:cNvSpPr txBox="1">
+            <a:spLocks noGrp="1"/>
+          </p:cNvSpPr>
           <p:nvPr>
-            <p:ph idx="1" type="subTitle"/>
+            <p:ph type="subTitle" idx="1"/>
           </p:nvPr>
         </p:nvSpPr>
         <p:spPr>
@@ -7896,12 +8184,12 @@
           </a:prstGeom>
         </p:spPr>
         <p:txBody>
-          <a:bodyPr anchorCtr="0" anchor="t" bIns="91425" lIns="91425" spcFirstLastPara="1" rIns="91425" wrap="square" tIns="91425">
+          <a:bodyPr spcFirstLastPara="1" wrap="square" lIns="91425" tIns="91425" rIns="91425" bIns="91425" anchor="t" anchorCtr="0">
             <a:normAutofit/>
           </a:bodyPr>
           <a:lstStyle/>
           <a:p>
-            <a:pPr indent="0" lvl="0" marL="0" rtl="0" algn="ctr">
+            <a:pPr marL="0" lvl="0" indent="0" algn="ctr" rtl="0">
               <a:spcBef>
                 <a:spcPts val="0"/>
               </a:spcBef>
@@ -7938,12 +8226,12 @@
           </a:ln>
         </p:spPr>
         <p:txBody>
-          <a:bodyPr anchorCtr="0" anchor="t" bIns="91425" lIns="91425" spcFirstLastPara="1" rIns="91425" wrap="square" tIns="91425">
+          <a:bodyPr spcFirstLastPara="1" wrap="square" lIns="91425" tIns="91425" rIns="91425" bIns="91425" anchor="t" anchorCtr="0">
             <a:spAutoFit/>
           </a:bodyPr>
           <a:lstStyle/>
           <a:p>
-            <a:pPr indent="0" lvl="0" marL="0" rtl="0" algn="l">
+            <a:pPr marL="0" lvl="0" indent="0" algn="l" rtl="0">
               <a:spcBef>
                 <a:spcPts val="0"/>
               </a:spcBef>
@@ -7952,9 +8240,6 @@
               </a:spcAft>
               <a:buNone/>
             </a:pPr>
-            <a:r>
-              <a:t/>
-            </a:r>
             <a:endParaRPr/>
           </a:p>
         </p:txBody>
@@ -7996,11 +8281,11 @@
 </file>
 
 <file path=ppt/slides/slide14.xml><?xml version="1.0" encoding="utf-8"?>
-<p:sld xmlns:a="http://schemas.openxmlformats.org/drawingml/2006/main" xmlns:r="http://schemas.openxmlformats.org/officeDocument/2006/relationships" xmlns:mc="http://schemas.openxmlformats.org/markup-compatibility/2006" xmlns:mv="urn:schemas-microsoft-com:mac:vml" xmlns:p="http://schemas.openxmlformats.org/presentationml/2006/main" xmlns:c="http://schemas.openxmlformats.org/drawingml/2006/chart" xmlns:dgm="http://schemas.openxmlformats.org/drawingml/2006/diagram" xmlns:o="urn:schemas-microsoft-com:office:office" xmlns:v="urn:schemas-microsoft-com:vml" xmlns:pvml="urn:schemas-microsoft-com:office:powerpoint" xmlns:com="http://schemas.openxmlformats.org/drawingml/2006/compatibility" xmlns:p14="http://schemas.microsoft.com/office/powerpoint/2010/main" xmlns:p15="http://schemas.microsoft.com/office/powerpoint/2012/main" xmlns:ahyp="http://schemas.microsoft.com/office/drawing/2018/hyperlinkcolor">
+<p:sld xmlns:a="http://schemas.openxmlformats.org/drawingml/2006/main" xmlns:r="http://schemas.openxmlformats.org/officeDocument/2006/relationships" xmlns:p="http://schemas.openxmlformats.org/presentationml/2006/main">
   <p:cSld>
     <p:spTree>
       <p:nvGrpSpPr>
-        <p:cNvPr id="164" name="Shape 164"/>
+        <p:cNvPr id="1" name="Shape 164"/>
         <p:cNvGrpSpPr/>
         <p:nvPr/>
       </p:nvGrpSpPr>
@@ -8015,7 +8300,9 @@
       <p:sp>
         <p:nvSpPr>
           <p:cNvPr id="165" name="Google Shape;165;p26"/>
-          <p:cNvSpPr txBox="1"/>
+          <p:cNvSpPr txBox="1">
+            <a:spLocks noGrp="1"/>
+          </p:cNvSpPr>
           <p:nvPr>
             <p:ph type="title"/>
           </p:nvPr>
@@ -8030,12 +8317,12 @@
           </a:prstGeom>
         </p:spPr>
         <p:txBody>
-          <a:bodyPr anchorCtr="0" anchor="t" bIns="91425" lIns="91425" spcFirstLastPara="1" rIns="91425" wrap="square" tIns="91425">
+          <a:bodyPr spcFirstLastPara="1" wrap="square" lIns="91425" tIns="91425" rIns="91425" bIns="91425" anchor="t" anchorCtr="0">
             <a:normAutofit fontScale="90000"/>
           </a:bodyPr>
           <a:lstStyle/>
           <a:p>
-            <a:pPr indent="0" lvl="0" marL="0" rtl="0" algn="l">
+            <a:pPr marL="0" lvl="0" indent="0" algn="l" rtl="0">
               <a:spcBef>
                 <a:spcPts val="0"/>
               </a:spcBef>
@@ -8079,9 +8366,11 @@
       <p:sp>
         <p:nvSpPr>
           <p:cNvPr id="166" name="Google Shape;166;p26"/>
-          <p:cNvSpPr txBox="1"/>
+          <p:cNvSpPr txBox="1">
+            <a:spLocks noGrp="1"/>
+          </p:cNvSpPr>
           <p:nvPr>
-            <p:ph idx="1" type="body"/>
+            <p:ph type="body" idx="1"/>
           </p:nvPr>
         </p:nvSpPr>
         <p:spPr>
@@ -8094,12 +8383,12 @@
           </a:prstGeom>
         </p:spPr>
         <p:txBody>
-          <a:bodyPr anchorCtr="0" anchor="t" bIns="91425" lIns="91425" spcFirstLastPara="1" rIns="91425" wrap="square" tIns="91425">
+          <a:bodyPr spcFirstLastPara="1" wrap="square" lIns="91425" tIns="91425" rIns="91425" bIns="91425" anchor="t" anchorCtr="0">
             <a:normAutofit/>
           </a:bodyPr>
           <a:lstStyle/>
           <a:p>
-            <a:pPr indent="-381000" lvl="0" marL="457200" rtl="0" algn="l">
+            <a:pPr marL="457200" lvl="0" indent="-381000" algn="l" rtl="0">
               <a:spcBef>
                 <a:spcPts val="0"/>
               </a:spcBef>
@@ -8127,7 +8416,7 @@
             </a:endParaRPr>
           </a:p>
           <a:p>
-            <a:pPr indent="-381000" lvl="0" marL="457200" rtl="0" algn="l">
+            <a:pPr marL="457200" lvl="0" indent="-381000" algn="l" rtl="0">
               <a:spcBef>
                 <a:spcPts val="0"/>
               </a:spcBef>
@@ -8155,7 +8444,7 @@
             </a:endParaRPr>
           </a:p>
           <a:p>
-            <a:pPr indent="-381000" lvl="0" marL="457200" rtl="0" algn="l">
+            <a:pPr marL="457200" lvl="0" indent="-381000" algn="l" rtl="0">
               <a:spcBef>
                 <a:spcPts val="0"/>
               </a:spcBef>
@@ -8183,7 +8472,7 @@
             </a:endParaRPr>
           </a:p>
           <a:p>
-            <a:pPr indent="-381000" lvl="0" marL="457200" rtl="0" algn="l">
+            <a:pPr marL="457200" lvl="0" indent="-381000" algn="l" rtl="0">
               <a:spcBef>
                 <a:spcPts val="0"/>
               </a:spcBef>
@@ -8211,7 +8500,7 @@
             </a:endParaRPr>
           </a:p>
           <a:p>
-            <a:pPr indent="-381000" lvl="0" marL="457200" rtl="0" algn="l">
+            <a:pPr marL="457200" lvl="0" indent="-381000" algn="l" rtl="0">
               <a:spcBef>
                 <a:spcPts val="0"/>
               </a:spcBef>
@@ -8239,7 +8528,7 @@
             </a:endParaRPr>
           </a:p>
           <a:p>
-            <a:pPr indent="-381000" lvl="0" marL="457200" rtl="0" algn="l">
+            <a:pPr marL="457200" lvl="0" indent="-381000" algn="l" rtl="0">
               <a:spcBef>
                 <a:spcPts val="0"/>
               </a:spcBef>
@@ -8277,11 +8566,11 @@
 </file>
 
 <file path=ppt/slides/slide15.xml><?xml version="1.0" encoding="utf-8"?>
-<p:sld xmlns:a="http://schemas.openxmlformats.org/drawingml/2006/main" xmlns:r="http://schemas.openxmlformats.org/officeDocument/2006/relationships" xmlns:mc="http://schemas.openxmlformats.org/markup-compatibility/2006" xmlns:mv="urn:schemas-microsoft-com:mac:vml" xmlns:p="http://schemas.openxmlformats.org/presentationml/2006/main" xmlns:c="http://schemas.openxmlformats.org/drawingml/2006/chart" xmlns:dgm="http://schemas.openxmlformats.org/drawingml/2006/diagram" xmlns:o="urn:schemas-microsoft-com:office:office" xmlns:v="urn:schemas-microsoft-com:vml" xmlns:pvml="urn:schemas-microsoft-com:office:powerpoint" xmlns:com="http://schemas.openxmlformats.org/drawingml/2006/compatibility" xmlns:p14="http://schemas.microsoft.com/office/powerpoint/2010/main" xmlns:p15="http://schemas.microsoft.com/office/powerpoint/2012/main" xmlns:ahyp="http://schemas.microsoft.com/office/drawing/2018/hyperlinkcolor">
+<p:sld xmlns:a="http://schemas.openxmlformats.org/drawingml/2006/main" xmlns:r="http://schemas.openxmlformats.org/officeDocument/2006/relationships" xmlns:p="http://schemas.openxmlformats.org/presentationml/2006/main">
   <p:cSld>
     <p:spTree>
       <p:nvGrpSpPr>
-        <p:cNvPr id="170" name="Shape 170"/>
+        <p:cNvPr id="1" name="Shape 170"/>
         <p:cNvGrpSpPr/>
         <p:nvPr/>
       </p:nvGrpSpPr>
@@ -8313,12 +8602,12 @@
           </a:ln>
         </p:spPr>
         <p:txBody>
-          <a:bodyPr anchorCtr="0" anchor="t" bIns="91425" lIns="91425" spcFirstLastPara="1" rIns="91425" wrap="square" tIns="91425">
+          <a:bodyPr spcFirstLastPara="1" wrap="square" lIns="91425" tIns="91425" rIns="91425" bIns="91425" anchor="t" anchorCtr="0">
             <a:spAutoFit/>
           </a:bodyPr>
           <a:lstStyle/>
           <a:p>
-            <a:pPr indent="0" lvl="0" marL="0" rtl="0" algn="l">
+            <a:pPr marL="0" lvl="0" indent="0" algn="l" rtl="0">
               <a:spcBef>
                 <a:spcPts val="0"/>
               </a:spcBef>
@@ -8327,9 +8616,6 @@
               </a:spcAft>
               <a:buNone/>
             </a:pPr>
-            <a:r>
-              <a:t/>
-            </a:r>
             <a:endParaRPr/>
           </a:p>
         </p:txBody>
@@ -8354,12 +8640,12 @@
           </a:ln>
         </p:spPr>
         <p:txBody>
-          <a:bodyPr anchorCtr="0" anchor="t" bIns="91425" lIns="91425" spcFirstLastPara="1" rIns="91425" wrap="square" tIns="91425">
+          <a:bodyPr spcFirstLastPara="1" wrap="square" lIns="91425" tIns="91425" rIns="91425" bIns="91425" anchor="t" anchorCtr="0">
             <a:spAutoFit/>
           </a:bodyPr>
           <a:lstStyle/>
           <a:p>
-            <a:pPr indent="0" lvl="0" marL="0" rtl="0" algn="l">
+            <a:pPr marL="0" lvl="0" indent="0" algn="l" rtl="0">
               <a:spcBef>
                 <a:spcPts val="0"/>
               </a:spcBef>
@@ -8393,11 +8679,11 @@
 </file>
 
 <file path=ppt/slides/slide2.xml><?xml version="1.0" encoding="utf-8"?>
-<p:sld xmlns:a="http://schemas.openxmlformats.org/drawingml/2006/main" xmlns:r="http://schemas.openxmlformats.org/officeDocument/2006/relationships" xmlns:mc="http://schemas.openxmlformats.org/markup-compatibility/2006" xmlns:mv="urn:schemas-microsoft-com:mac:vml" xmlns:p="http://schemas.openxmlformats.org/presentationml/2006/main" xmlns:c="http://schemas.openxmlformats.org/drawingml/2006/chart" xmlns:dgm="http://schemas.openxmlformats.org/drawingml/2006/diagram" xmlns:o="urn:schemas-microsoft-com:office:office" xmlns:v="urn:schemas-microsoft-com:vml" xmlns:pvml="urn:schemas-microsoft-com:office:powerpoint" xmlns:com="http://schemas.openxmlformats.org/drawingml/2006/compatibility" xmlns:p14="http://schemas.microsoft.com/office/powerpoint/2010/main" xmlns:p15="http://schemas.microsoft.com/office/powerpoint/2012/main" xmlns:ahyp="http://schemas.microsoft.com/office/drawing/2018/hyperlinkcolor">
+<p:sld xmlns:a="http://schemas.openxmlformats.org/drawingml/2006/main" xmlns:r="http://schemas.openxmlformats.org/officeDocument/2006/relationships" xmlns:p="http://schemas.openxmlformats.org/presentationml/2006/main">
   <p:cSld>
     <p:spTree>
       <p:nvGrpSpPr>
-        <p:cNvPr id="62" name="Shape 62"/>
+        <p:cNvPr id="1" name="Shape 62"/>
         <p:cNvGrpSpPr/>
         <p:nvPr/>
       </p:nvGrpSpPr>
@@ -8412,7 +8698,9 @@
       <p:sp>
         <p:nvSpPr>
           <p:cNvPr id="63" name="Google Shape;63;p14"/>
-          <p:cNvSpPr txBox="1"/>
+          <p:cNvSpPr txBox="1">
+            <a:spLocks noGrp="1"/>
+          </p:cNvSpPr>
           <p:nvPr>
             <p:ph type="title"/>
           </p:nvPr>
@@ -8427,12 +8715,12 @@
           </a:prstGeom>
         </p:spPr>
         <p:txBody>
-          <a:bodyPr anchorCtr="0" anchor="ctr" bIns="91425" lIns="91425" spcFirstLastPara="1" rIns="91425" wrap="square" tIns="91425">
+          <a:bodyPr spcFirstLastPara="1" wrap="square" lIns="91425" tIns="91425" rIns="91425" bIns="91425" anchor="ctr" anchorCtr="0">
             <a:normAutofit/>
           </a:bodyPr>
           <a:lstStyle/>
           <a:p>
-            <a:pPr indent="-350520" lvl="0" marL="457200" rtl="0" algn="l">
+            <a:pPr marL="457200" lvl="0" indent="-350520" algn="l" rtl="0">
               <a:spcBef>
                 <a:spcPts val="0"/>
               </a:spcBef>
@@ -8492,7 +8780,7 @@
             </a:endParaRPr>
           </a:p>
           <a:p>
-            <a:pPr indent="0" lvl="0" marL="0" rtl="0" algn="l">
+            <a:pPr marL="0" lvl="0" indent="0" algn="l" rtl="0">
               <a:spcBef>
                 <a:spcPts val="0"/>
               </a:spcBef>
@@ -8508,15 +8796,7 @@
                   <a:srgbClr val="6AA84F"/>
                 </a:solidFill>
               </a:rPr>
-              <a:t>      </a:t>
-            </a:r>
-            <a:r>
-              <a:rPr lang="en" sz="1920">
-                <a:solidFill>
-                  <a:srgbClr val="6AA84F"/>
-                </a:solidFill>
-              </a:rPr>
-              <a:t>They are at increased risk of life threatening diseases</a:t>
+              <a:t>      They are at increased risk of life threatening diseases</a:t>
             </a:r>
             <a:endParaRPr sz="1920">
               <a:solidFill>
@@ -8546,12 +8826,12 @@
           </a:ln>
         </p:spPr>
         <p:txBody>
-          <a:bodyPr anchorCtr="0" anchor="t" bIns="91425" lIns="91425" spcFirstLastPara="1" rIns="91425" wrap="square" tIns="91425">
+          <a:bodyPr spcFirstLastPara="1" wrap="square" lIns="91425" tIns="91425" rIns="91425" bIns="91425" anchor="t" anchorCtr="0">
             <a:spAutoFit/>
           </a:bodyPr>
           <a:lstStyle/>
           <a:p>
-            <a:pPr indent="0" lvl="0" marL="0" rtl="0" algn="l">
+            <a:pPr marL="0" lvl="0" indent="0" algn="l" rtl="0">
               <a:spcBef>
                 <a:spcPts val="0"/>
               </a:spcBef>
@@ -8560,9 +8840,6 @@
               </a:spcAft>
               <a:buNone/>
             </a:pPr>
-            <a:r>
-              <a:t/>
-            </a:r>
             <a:endParaRPr/>
           </a:p>
         </p:txBody>
@@ -8587,12 +8864,12 @@
           </a:ln>
         </p:spPr>
         <p:txBody>
-          <a:bodyPr anchorCtr="0" anchor="t" bIns="91425" lIns="91425" spcFirstLastPara="1" rIns="91425" wrap="square" tIns="91425">
+          <a:bodyPr spcFirstLastPara="1" wrap="square" lIns="91425" tIns="91425" rIns="91425" bIns="91425" anchor="t" anchorCtr="0">
             <a:spAutoFit/>
           </a:bodyPr>
           <a:lstStyle/>
           <a:p>
-            <a:pPr indent="0" lvl="0" marL="0" rtl="0" algn="l">
+            <a:pPr marL="0" lvl="0" indent="0" algn="l" rtl="0">
               <a:spcBef>
                 <a:spcPts val="0"/>
               </a:spcBef>
@@ -8601,9 +8878,6 @@
               </a:spcAft>
               <a:buNone/>
             </a:pPr>
-            <a:r>
-              <a:t/>
-            </a:r>
             <a:endParaRPr/>
           </a:p>
         </p:txBody>
@@ -8628,12 +8902,12 @@
           </a:ln>
         </p:spPr>
         <p:txBody>
-          <a:bodyPr anchorCtr="0" anchor="t" bIns="91425" lIns="91425" spcFirstLastPara="1" rIns="91425" wrap="square" tIns="91425">
+          <a:bodyPr spcFirstLastPara="1" wrap="square" lIns="91425" tIns="91425" rIns="91425" bIns="91425" anchor="t" anchorCtr="0">
             <a:spAutoFit/>
           </a:bodyPr>
           <a:lstStyle/>
           <a:p>
-            <a:pPr indent="-342900" lvl="0" marL="457200" rtl="0" algn="l">
+            <a:pPr marL="457200" lvl="0" indent="-342900" algn="l" rtl="0">
               <a:spcBef>
                 <a:spcPts val="0"/>
               </a:spcBef>
@@ -8647,7 +8921,7 @@
               <a:buChar char="❖"/>
             </a:pPr>
             <a:r>
-              <a:rPr lang="en" sz="1800">
+              <a:rPr lang="en" sz="1800" dirty="0">
                 <a:solidFill>
                   <a:srgbClr val="6AA84F"/>
                 </a:solidFill>
@@ -8655,7 +8929,7 @@
               <a:t>Many parents are </a:t>
             </a:r>
             <a:r>
-              <a:rPr lang="en" sz="1800">
+              <a:rPr lang="en" sz="1800" dirty="0">
                 <a:solidFill>
                   <a:srgbClr val="FF00FF"/>
                 </a:solidFill>
@@ -8663,12 +8937,20 @@
               <a:t>unaware about the vaccination</a:t>
             </a:r>
             <a:r>
-              <a:rPr lang="en" sz="1800">
+              <a:rPr lang="en" sz="1800" dirty="0">
                 <a:solidFill>
                   <a:srgbClr val="6AA84F"/>
                 </a:solidFill>
               </a:rPr>
-              <a:t> that must be given to kids  at regular intervals.This ignorance can even cost the life of innocent kids.</a:t>
+              <a:t> that must be given to kids  at regular intervals.This ignorance can even cost the life of innocent </a:t>
+            </a:r>
+            <a:r>
+              <a:rPr lang="en" sz="1800" dirty="0" smtClean="0">
+                <a:solidFill>
+                  <a:srgbClr val="6AA84F"/>
+                </a:solidFill>
+              </a:rPr>
+              <a:t>kids</a:t>
             </a:r>
             <a:endParaRPr sz="1800">
               <a:solidFill>
@@ -8677,7 +8959,7 @@
             </a:endParaRPr>
           </a:p>
           <a:p>
-            <a:pPr indent="0" lvl="0" marL="457200" rtl="0" algn="l">
+            <a:pPr marL="457200" lvl="0" indent="0" algn="l" rtl="0">
               <a:spcBef>
                 <a:spcPts val="0"/>
               </a:spcBef>
@@ -8686,9 +8968,6 @@
               </a:spcAft>
               <a:buNone/>
             </a:pPr>
-            <a:r>
-              <a:t/>
-            </a:r>
             <a:endParaRPr sz="1800">
               <a:solidFill>
                 <a:srgbClr val="6AA84F"/>
@@ -8696,7 +8975,7 @@
             </a:endParaRPr>
           </a:p>
           <a:p>
-            <a:pPr indent="-342900" lvl="0" marL="457200" rtl="0" algn="l">
+            <a:pPr marL="457200" lvl="0" indent="-342900" algn="l" rtl="0">
               <a:spcBef>
                 <a:spcPts val="0"/>
               </a:spcBef>
@@ -8710,7 +8989,7 @@
               <a:buChar char="❖"/>
             </a:pPr>
             <a:r>
-              <a:rPr lang="en" sz="1800">
+              <a:rPr lang="en" sz="1800" dirty="0">
                 <a:solidFill>
                   <a:srgbClr val="FF00FF"/>
                 </a:solidFill>
@@ -8718,7 +8997,7 @@
               <a:t>Unhealthy food styles</a:t>
             </a:r>
             <a:r>
-              <a:rPr lang="en" sz="1800">
+              <a:rPr lang="en" sz="1800" dirty="0">
                 <a:solidFill>
                   <a:srgbClr val="6AA84F"/>
                 </a:solidFill>
@@ -8726,7 +9005,7 @@
               <a:t> of children are making them vulnerable to many </a:t>
             </a:r>
             <a:r>
-              <a:rPr lang="en" sz="1800">
+              <a:rPr lang="en" sz="1800" dirty="0">
                 <a:solidFill>
                   <a:srgbClr val="FF00FF"/>
                 </a:solidFill>
@@ -8740,7 +9019,7 @@
             </a:endParaRPr>
           </a:p>
           <a:p>
-            <a:pPr indent="0" lvl="0" marL="457200" rtl="0" algn="l">
+            <a:pPr marL="457200" lvl="0" indent="0" algn="l" rtl="0">
               <a:spcBef>
                 <a:spcPts val="0"/>
               </a:spcBef>
@@ -8749,9 +9028,6 @@
               </a:spcAft>
               <a:buNone/>
             </a:pPr>
-            <a:r>
-              <a:t/>
-            </a:r>
             <a:endParaRPr sz="1800">
               <a:solidFill>
                 <a:srgbClr val="6AA84F"/>
@@ -8759,7 +9035,7 @@
             </a:endParaRPr>
           </a:p>
           <a:p>
-            <a:pPr indent="-342900" lvl="0" marL="457200" rtl="0" algn="l">
+            <a:pPr marL="457200" lvl="0" indent="-342900" algn="l" rtl="0">
               <a:spcBef>
                 <a:spcPts val="0"/>
               </a:spcBef>
@@ -8773,7 +9049,7 @@
               <a:buChar char="❖"/>
             </a:pPr>
             <a:r>
-              <a:rPr lang="en" sz="1800">
+              <a:rPr lang="en" sz="1800" dirty="0">
                 <a:solidFill>
                   <a:srgbClr val="6AA84F"/>
                 </a:solidFill>
@@ -8781,7 +9057,7 @@
               <a:t>Many children are now facing </a:t>
             </a:r>
             <a:r>
-              <a:rPr lang="en" sz="1800">
+              <a:rPr lang="en" sz="1800" dirty="0">
                 <a:solidFill>
                   <a:srgbClr val="FF00FF"/>
                 </a:solidFill>
@@ -8789,7 +9065,7 @@
               <a:t>obesity and undergrowth.</a:t>
             </a:r>
             <a:r>
-              <a:rPr lang="en" sz="1800">
+              <a:rPr lang="en" sz="1800" dirty="0">
                 <a:solidFill>
                   <a:srgbClr val="6AA84F"/>
                 </a:solidFill>
@@ -8803,7 +9079,7 @@
             </a:endParaRPr>
           </a:p>
           <a:p>
-            <a:pPr indent="0" lvl="0" marL="457200" rtl="0" algn="l">
+            <a:pPr marL="457200" lvl="0" indent="0" algn="l" rtl="0">
               <a:spcBef>
                 <a:spcPts val="0"/>
               </a:spcBef>
@@ -8812,9 +9088,6 @@
               </a:spcAft>
               <a:buNone/>
             </a:pPr>
-            <a:r>
-              <a:t/>
-            </a:r>
             <a:endParaRPr sz="1800">
               <a:solidFill>
                 <a:srgbClr val="6AA84F"/>
@@ -8822,7 +9095,7 @@
             </a:endParaRPr>
           </a:p>
           <a:p>
-            <a:pPr indent="-342900" lvl="0" marL="457200" rtl="0" algn="l">
+            <a:pPr marL="457200" lvl="0" indent="-342900" algn="l" rtl="0">
               <a:spcBef>
                 <a:spcPts val="0"/>
               </a:spcBef>
@@ -8836,7 +9109,7 @@
               <a:buChar char="❖"/>
             </a:pPr>
             <a:r>
-              <a:rPr lang="en" sz="1800">
+              <a:rPr lang="en" sz="1800" dirty="0">
                 <a:solidFill>
                   <a:srgbClr val="6AA84F"/>
                 </a:solidFill>
@@ -8844,7 +9117,7 @@
               <a:t>Young parents are generally </a:t>
             </a:r>
             <a:r>
-              <a:rPr lang="en" sz="1800">
+              <a:rPr lang="en" sz="1800" dirty="0">
                 <a:solidFill>
                   <a:srgbClr val="FF00FF"/>
                 </a:solidFill>
@@ -8852,7 +9125,7 @@
               <a:t>confused and worried about parenting</a:t>
             </a:r>
             <a:r>
-              <a:rPr lang="en" sz="1800">
+              <a:rPr lang="en" sz="1800" dirty="0">
                 <a:solidFill>
                   <a:srgbClr val="6AA84F"/>
                 </a:solidFill>
@@ -8866,7 +9139,7 @@
             </a:endParaRPr>
           </a:p>
           <a:p>
-            <a:pPr indent="0" lvl="0" marL="457200" rtl="0" algn="l">
+            <a:pPr marL="457200" lvl="0" indent="0" algn="l" rtl="0">
               <a:spcBef>
                 <a:spcPts val="0"/>
               </a:spcBef>
@@ -8875,9 +9148,6 @@
               </a:spcAft>
               <a:buNone/>
             </a:pPr>
-            <a:r>
-              <a:t/>
-            </a:r>
             <a:endParaRPr sz="1800">
               <a:solidFill>
                 <a:srgbClr val="38761D"/>
@@ -8906,12 +9176,12 @@
           </a:ln>
         </p:spPr>
         <p:txBody>
-          <a:bodyPr anchorCtr="0" anchor="t" bIns="91425" lIns="91425" spcFirstLastPara="1" rIns="91425" wrap="square" tIns="91425">
+          <a:bodyPr spcFirstLastPara="1" wrap="square" lIns="91425" tIns="91425" rIns="91425" bIns="91425" anchor="t" anchorCtr="0">
             <a:spAutoFit/>
           </a:bodyPr>
           <a:lstStyle/>
           <a:p>
-            <a:pPr indent="0" lvl="0" marL="0" rtl="0" algn="l">
+            <a:pPr marL="0" lvl="0" indent="0" algn="l" rtl="0">
               <a:spcBef>
                 <a:spcPts val="0"/>
               </a:spcBef>
@@ -8920,9 +9190,6 @@
               </a:spcAft>
               <a:buNone/>
             </a:pPr>
-            <a:r>
-              <a:t/>
-            </a:r>
             <a:endParaRPr/>
           </a:p>
         </p:txBody>
@@ -8947,12 +9214,12 @@
           </a:ln>
         </p:spPr>
         <p:txBody>
-          <a:bodyPr anchorCtr="0" anchor="t" bIns="91425" lIns="91425" spcFirstLastPara="1" rIns="91425" wrap="square" tIns="91425">
+          <a:bodyPr spcFirstLastPara="1" wrap="square" lIns="91425" tIns="91425" rIns="91425" bIns="91425" anchor="t" anchorCtr="0">
             <a:spAutoFit/>
           </a:bodyPr>
           <a:lstStyle/>
           <a:p>
-            <a:pPr indent="0" lvl="0" marL="0" rtl="0" algn="l">
+            <a:pPr marL="0" lvl="0" indent="0" algn="l" rtl="0">
               <a:spcBef>
                 <a:spcPts val="0"/>
               </a:spcBef>
@@ -8961,9 +9228,6 @@
               </a:spcAft>
               <a:buNone/>
             </a:pPr>
-            <a:r>
-              <a:t/>
-            </a:r>
             <a:endParaRPr/>
           </a:p>
         </p:txBody>
@@ -8988,12 +9252,12 @@
           </a:ln>
         </p:spPr>
         <p:txBody>
-          <a:bodyPr anchorCtr="0" anchor="t" bIns="91425" lIns="91425" spcFirstLastPara="1" rIns="91425" wrap="square" tIns="91425">
+          <a:bodyPr spcFirstLastPara="1" wrap="square" lIns="91425" tIns="91425" rIns="91425" bIns="91425" anchor="t" anchorCtr="0">
             <a:spAutoFit/>
           </a:bodyPr>
           <a:lstStyle/>
           <a:p>
-            <a:pPr indent="0" lvl="0" marL="0" rtl="0" algn="l">
+            <a:pPr marL="0" lvl="0" indent="0" algn="l" rtl="0">
               <a:spcBef>
                 <a:spcPts val="0"/>
               </a:spcBef>
@@ -9003,7 +9267,7 @@
               <a:buNone/>
             </a:pPr>
             <a:r>
-              <a:rPr i="1" lang="en" sz="1900">
+              <a:rPr lang="en" sz="1900" i="1">
                 <a:solidFill>
                   <a:srgbClr val="00FFFF"/>
                 </a:solidFill>
@@ -9043,11 +9307,11 @@
 </file>
 
 <file path=ppt/slides/slide3.xml><?xml version="1.0" encoding="utf-8"?>
-<p:sld xmlns:a="http://schemas.openxmlformats.org/drawingml/2006/main" xmlns:r="http://schemas.openxmlformats.org/officeDocument/2006/relationships" xmlns:mc="http://schemas.openxmlformats.org/markup-compatibility/2006" xmlns:mv="urn:schemas-microsoft-com:mac:vml" xmlns:p="http://schemas.openxmlformats.org/presentationml/2006/main" xmlns:c="http://schemas.openxmlformats.org/drawingml/2006/chart" xmlns:dgm="http://schemas.openxmlformats.org/drawingml/2006/diagram" xmlns:o="urn:schemas-microsoft-com:office:office" xmlns:v="urn:schemas-microsoft-com:vml" xmlns:pvml="urn:schemas-microsoft-com:office:powerpoint" xmlns:com="http://schemas.openxmlformats.org/drawingml/2006/compatibility" xmlns:p14="http://schemas.microsoft.com/office/powerpoint/2010/main" xmlns:p15="http://schemas.microsoft.com/office/powerpoint/2012/main" xmlns:ahyp="http://schemas.microsoft.com/office/drawing/2018/hyperlinkcolor">
+<p:sld xmlns:a="http://schemas.openxmlformats.org/drawingml/2006/main" xmlns:r="http://schemas.openxmlformats.org/officeDocument/2006/relationships" xmlns:p="http://schemas.openxmlformats.org/presentationml/2006/main">
   <p:cSld>
     <p:spTree>
       <p:nvGrpSpPr>
-        <p:cNvPr id="73" name="Shape 73"/>
+        <p:cNvPr id="1" name="Shape 73"/>
         <p:cNvGrpSpPr/>
         <p:nvPr/>
       </p:nvGrpSpPr>
@@ -9062,7 +9326,9 @@
       <p:sp>
         <p:nvSpPr>
           <p:cNvPr id="74" name="Google Shape;74;p15"/>
-          <p:cNvSpPr txBox="1"/>
+          <p:cNvSpPr txBox="1">
+            <a:spLocks noGrp="1"/>
+          </p:cNvSpPr>
           <p:nvPr>
             <p:ph type="title"/>
           </p:nvPr>
@@ -9077,12 +9343,12 @@
           </a:prstGeom>
         </p:spPr>
         <p:txBody>
-          <a:bodyPr anchorCtr="0" anchor="ctr" bIns="91425" lIns="91425" spcFirstLastPara="1" rIns="91425" wrap="square" tIns="91425">
+          <a:bodyPr spcFirstLastPara="1" wrap="square" lIns="91425" tIns="91425" rIns="91425" bIns="91425" anchor="ctr" anchorCtr="0">
             <a:normAutofit/>
           </a:bodyPr>
           <a:lstStyle/>
           <a:p>
-            <a:pPr indent="0" lvl="0" marL="0" rtl="0" algn="l">
+            <a:pPr marL="0" lvl="0" indent="0" algn="l" rtl="0">
               <a:spcBef>
                 <a:spcPts val="0"/>
               </a:spcBef>
@@ -9114,7 +9380,7 @@
             </a:endParaRPr>
           </a:p>
           <a:p>
-            <a:pPr indent="0" lvl="0" marL="0" rtl="0" algn="l">
+            <a:pPr marL="0" lvl="0" indent="0" algn="l" rtl="0">
               <a:spcBef>
                 <a:spcPts val="0"/>
               </a:spcBef>
@@ -9146,7 +9412,7 @@
             </a:endParaRPr>
           </a:p>
           <a:p>
-            <a:pPr indent="0" lvl="0" marL="0" rtl="0" algn="l">
+            <a:pPr marL="0" lvl="0" indent="0" algn="l" rtl="0">
               <a:spcBef>
                 <a:spcPts val="0"/>
               </a:spcBef>
@@ -9190,7 +9456,7 @@
             </a:endParaRPr>
           </a:p>
           <a:p>
-            <a:pPr indent="0" lvl="0" marL="0" rtl="0" algn="l">
+            <a:pPr marL="0" lvl="0" indent="0" algn="l" rtl="0">
               <a:spcBef>
                 <a:spcPts val="0"/>
               </a:spcBef>
@@ -9222,7 +9488,7 @@
             </a:endParaRPr>
           </a:p>
           <a:p>
-            <a:pPr indent="0" lvl="0" marL="0" rtl="0" algn="l">
+            <a:pPr marL="0" lvl="0" indent="0" algn="l" rtl="0">
               <a:spcBef>
                 <a:spcPts val="0"/>
               </a:spcBef>
@@ -9280,11 +9546,11 @@
 </file>
 
 <file path=ppt/slides/slide4.xml><?xml version="1.0" encoding="utf-8"?>
-<p:sld xmlns:a="http://schemas.openxmlformats.org/drawingml/2006/main" xmlns:r="http://schemas.openxmlformats.org/officeDocument/2006/relationships" xmlns:mc="http://schemas.openxmlformats.org/markup-compatibility/2006" xmlns:mv="urn:schemas-microsoft-com:mac:vml" xmlns:p="http://schemas.openxmlformats.org/presentationml/2006/main" xmlns:c="http://schemas.openxmlformats.org/drawingml/2006/chart" xmlns:dgm="http://schemas.openxmlformats.org/drawingml/2006/diagram" xmlns:o="urn:schemas-microsoft-com:office:office" xmlns:v="urn:schemas-microsoft-com:vml" xmlns:pvml="urn:schemas-microsoft-com:office:powerpoint" xmlns:com="http://schemas.openxmlformats.org/drawingml/2006/compatibility" xmlns:p14="http://schemas.microsoft.com/office/powerpoint/2010/main" xmlns:p15="http://schemas.microsoft.com/office/powerpoint/2012/main" xmlns:ahyp="http://schemas.microsoft.com/office/drawing/2018/hyperlinkcolor">
+<p:sld xmlns:a="http://schemas.openxmlformats.org/drawingml/2006/main" xmlns:r="http://schemas.openxmlformats.org/officeDocument/2006/relationships" xmlns:p="http://schemas.openxmlformats.org/presentationml/2006/main">
   <p:cSld>
     <p:spTree>
       <p:nvGrpSpPr>
-        <p:cNvPr id="78" name="Shape 78"/>
+        <p:cNvPr id="1" name="Shape 78"/>
         <p:cNvGrpSpPr/>
         <p:nvPr/>
       </p:nvGrpSpPr>
@@ -9316,12 +9582,12 @@
           </a:ln>
         </p:spPr>
         <p:txBody>
-          <a:bodyPr anchorCtr="0" anchor="t" bIns="91425" lIns="91425" spcFirstLastPara="1" rIns="91425" wrap="square" tIns="91425">
+          <a:bodyPr spcFirstLastPara="1" wrap="square" lIns="91425" tIns="91425" rIns="91425" bIns="91425" anchor="t" anchorCtr="0">
             <a:spAutoFit/>
           </a:bodyPr>
           <a:lstStyle/>
           <a:p>
-            <a:pPr indent="0" lvl="0" marL="0" rtl="0" algn="l">
+            <a:pPr marL="0" lvl="0" indent="0" algn="l" rtl="0">
               <a:spcBef>
                 <a:spcPts val="0"/>
               </a:spcBef>
@@ -9330,9 +9596,6 @@
               </a:spcAft>
               <a:buNone/>
             </a:pPr>
-            <a:r>
-              <a:t/>
-            </a:r>
             <a:endParaRPr/>
           </a:p>
         </p:txBody>
@@ -9374,11 +9637,11 @@
 </file>
 
 <file path=ppt/slides/slide5.xml><?xml version="1.0" encoding="utf-8"?>
-<p:sld xmlns:a="http://schemas.openxmlformats.org/drawingml/2006/main" xmlns:r="http://schemas.openxmlformats.org/officeDocument/2006/relationships" xmlns:mc="http://schemas.openxmlformats.org/markup-compatibility/2006" xmlns:mv="urn:schemas-microsoft-com:mac:vml" xmlns:p="http://schemas.openxmlformats.org/presentationml/2006/main" xmlns:c="http://schemas.openxmlformats.org/drawingml/2006/chart" xmlns:dgm="http://schemas.openxmlformats.org/drawingml/2006/diagram" xmlns:o="urn:schemas-microsoft-com:office:office" xmlns:v="urn:schemas-microsoft-com:vml" xmlns:pvml="urn:schemas-microsoft-com:office:powerpoint" xmlns:com="http://schemas.openxmlformats.org/drawingml/2006/compatibility" xmlns:p14="http://schemas.microsoft.com/office/powerpoint/2010/main" xmlns:p15="http://schemas.microsoft.com/office/powerpoint/2012/main" xmlns:ahyp="http://schemas.microsoft.com/office/drawing/2018/hyperlinkcolor">
+<p:sld xmlns:a="http://schemas.openxmlformats.org/drawingml/2006/main" xmlns:r="http://schemas.openxmlformats.org/officeDocument/2006/relationships" xmlns:p="http://schemas.openxmlformats.org/presentationml/2006/main">
   <p:cSld>
     <p:spTree>
       <p:nvGrpSpPr>
-        <p:cNvPr id="84" name="Shape 84"/>
+        <p:cNvPr id="1" name="Shape 84"/>
         <p:cNvGrpSpPr/>
         <p:nvPr/>
       </p:nvGrpSpPr>
@@ -9393,7 +9656,9 @@
       <p:sp>
         <p:nvSpPr>
           <p:cNvPr id="85" name="Google Shape;85;p17"/>
-          <p:cNvSpPr txBox="1"/>
+          <p:cNvSpPr txBox="1">
+            <a:spLocks noGrp="1"/>
+          </p:cNvSpPr>
           <p:nvPr>
             <p:ph type="title"/>
           </p:nvPr>
@@ -9408,12 +9673,12 @@
           </a:prstGeom>
         </p:spPr>
         <p:txBody>
-          <a:bodyPr anchorCtr="0" anchor="t" bIns="91425" lIns="91425" spcFirstLastPara="1" rIns="91425" wrap="square" tIns="91425">
+          <a:bodyPr spcFirstLastPara="1" wrap="square" lIns="91425" tIns="91425" rIns="91425" bIns="91425" anchor="t" anchorCtr="0">
             <a:normAutofit/>
           </a:bodyPr>
           <a:lstStyle/>
           <a:p>
-            <a:pPr indent="0" lvl="0" marL="0" rtl="0" algn="l">
+            <a:pPr marL="0" lvl="0" indent="0" algn="l" rtl="0">
               <a:spcBef>
                 <a:spcPts val="0"/>
               </a:spcBef>
@@ -9441,9 +9706,11 @@
       <p:sp>
         <p:nvSpPr>
           <p:cNvPr id="86" name="Google Shape;86;p17"/>
-          <p:cNvSpPr txBox="1"/>
+          <p:cNvSpPr txBox="1">
+            <a:spLocks noGrp="1"/>
+          </p:cNvSpPr>
           <p:nvPr>
-            <p:ph idx="1" type="body"/>
+            <p:ph type="body" idx="1"/>
           </p:nvPr>
         </p:nvSpPr>
         <p:spPr>
@@ -9456,12 +9723,12 @@
           </a:prstGeom>
         </p:spPr>
         <p:txBody>
-          <a:bodyPr anchorCtr="0" anchor="t" bIns="91425" lIns="91425" spcFirstLastPara="1" rIns="91425" wrap="square" tIns="91425">
+          <a:bodyPr spcFirstLastPara="1" wrap="square" lIns="91425" tIns="91425" rIns="91425" bIns="91425" anchor="t" anchorCtr="0">
             <a:normAutofit/>
           </a:bodyPr>
           <a:lstStyle/>
           <a:p>
-            <a:pPr indent="-342900" lvl="0" marL="457200" rtl="0" algn="l">
+            <a:pPr marL="457200" lvl="0" indent="-342900" algn="l" rtl="0">
               <a:spcBef>
                 <a:spcPts val="0"/>
               </a:spcBef>
@@ -9489,7 +9756,7 @@
             </a:endParaRPr>
           </a:p>
           <a:p>
-            <a:pPr indent="0" lvl="0" marL="457200" rtl="0" algn="l">
+            <a:pPr marL="457200" lvl="0" indent="0" algn="l" rtl="0">
               <a:spcBef>
                 <a:spcPts val="1200"/>
               </a:spcBef>
@@ -9498,9 +9765,6 @@
               </a:spcAft>
               <a:buNone/>
             </a:pPr>
-            <a:r>
-              <a:t/>
-            </a:r>
             <a:endParaRPr>
               <a:solidFill>
                 <a:srgbClr val="6AA84F"/>
@@ -9508,7 +9772,7 @@
             </a:endParaRPr>
           </a:p>
           <a:p>
-            <a:pPr indent="0" lvl="0" marL="457200" rtl="0" algn="l">
+            <a:pPr marL="457200" lvl="0" indent="0" algn="l" rtl="0">
               <a:spcBef>
                 <a:spcPts val="1200"/>
               </a:spcBef>
@@ -9581,12 +9845,12 @@
           </a:ln>
         </p:spPr>
         <p:txBody>
-          <a:bodyPr anchorCtr="0" anchor="t" bIns="91425" lIns="91425" spcFirstLastPara="1" rIns="91425" wrap="square" tIns="91425">
+          <a:bodyPr spcFirstLastPara="1" wrap="square" lIns="91425" tIns="91425" rIns="91425" bIns="91425" anchor="t" anchorCtr="0">
             <a:spAutoFit/>
           </a:bodyPr>
           <a:lstStyle/>
           <a:p>
-            <a:pPr indent="0" lvl="0" marL="0" rtl="0" algn="l">
+            <a:pPr marL="0" lvl="0" indent="0" algn="l" rtl="0">
               <a:spcBef>
                 <a:spcPts val="0"/>
               </a:spcBef>
@@ -9595,9 +9859,6 @@
               </a:spcAft>
               <a:buNone/>
             </a:pPr>
-            <a:r>
-              <a:t/>
-            </a:r>
             <a:endParaRPr/>
           </a:p>
         </p:txBody>
@@ -9622,12 +9883,12 @@
           </a:ln>
         </p:spPr>
         <p:txBody>
-          <a:bodyPr anchorCtr="0" anchor="t" bIns="91425" lIns="91425" spcFirstLastPara="1" rIns="91425" wrap="square" tIns="91425">
+          <a:bodyPr spcFirstLastPara="1" wrap="square" lIns="91425" tIns="91425" rIns="91425" bIns="91425" anchor="t" anchorCtr="0">
             <a:spAutoFit/>
           </a:bodyPr>
           <a:lstStyle/>
           <a:p>
-            <a:pPr indent="0" lvl="0" marL="0" rtl="0" algn="l">
+            <a:pPr marL="0" lvl="0" indent="0" algn="l" rtl="0">
               <a:spcBef>
                 <a:spcPts val="0"/>
               </a:spcBef>
@@ -9636,9 +9897,6 @@
               </a:spcAft>
               <a:buNone/>
             </a:pPr>
-            <a:r>
-              <a:t/>
-            </a:r>
             <a:endParaRPr/>
           </a:p>
         </p:txBody>
@@ -9663,12 +9921,12 @@
           </a:ln>
         </p:spPr>
         <p:txBody>
-          <a:bodyPr anchorCtr="0" anchor="t" bIns="91425" lIns="91425" spcFirstLastPara="1" rIns="91425" wrap="square" tIns="91425">
+          <a:bodyPr spcFirstLastPara="1" wrap="square" lIns="91425" tIns="91425" rIns="91425" bIns="91425" anchor="t" anchorCtr="0">
             <a:spAutoFit/>
           </a:bodyPr>
           <a:lstStyle/>
           <a:p>
-            <a:pPr indent="0" lvl="0" marL="0" rtl="0" algn="l">
+            <a:pPr marL="0" lvl="0" indent="0" algn="l" rtl="0">
               <a:spcBef>
                 <a:spcPts val="0"/>
               </a:spcBef>
@@ -9677,9 +9935,6 @@
               </a:spcAft>
               <a:buNone/>
             </a:pPr>
-            <a:r>
-              <a:t/>
-            </a:r>
             <a:endParaRPr/>
           </a:p>
         </p:txBody>
@@ -9721,11 +9976,11 @@
 </file>
 
 <file path=ppt/slides/slide6.xml><?xml version="1.0" encoding="utf-8"?>
-<p:sld xmlns:a="http://schemas.openxmlformats.org/drawingml/2006/main" xmlns:r="http://schemas.openxmlformats.org/officeDocument/2006/relationships" xmlns:mc="http://schemas.openxmlformats.org/markup-compatibility/2006" xmlns:mv="urn:schemas-microsoft-com:mac:vml" xmlns:p="http://schemas.openxmlformats.org/presentationml/2006/main" xmlns:c="http://schemas.openxmlformats.org/drawingml/2006/chart" xmlns:dgm="http://schemas.openxmlformats.org/drawingml/2006/diagram" xmlns:o="urn:schemas-microsoft-com:office:office" xmlns:v="urn:schemas-microsoft-com:vml" xmlns:pvml="urn:schemas-microsoft-com:office:powerpoint" xmlns:com="http://schemas.openxmlformats.org/drawingml/2006/compatibility" xmlns:p14="http://schemas.microsoft.com/office/powerpoint/2010/main" xmlns:p15="http://schemas.microsoft.com/office/powerpoint/2012/main" xmlns:ahyp="http://schemas.microsoft.com/office/drawing/2018/hyperlinkcolor">
+<p:sld xmlns:a="http://schemas.openxmlformats.org/drawingml/2006/main" xmlns:r="http://schemas.openxmlformats.org/officeDocument/2006/relationships" xmlns:p="http://schemas.openxmlformats.org/presentationml/2006/main">
   <p:cSld>
     <p:spTree>
       <p:nvGrpSpPr>
-        <p:cNvPr id="95" name="Shape 95"/>
+        <p:cNvPr id="1" name="Shape 95"/>
         <p:cNvGrpSpPr/>
         <p:nvPr/>
       </p:nvGrpSpPr>
@@ -9740,7 +9995,9 @@
       <p:sp>
         <p:nvSpPr>
           <p:cNvPr id="96" name="Google Shape;96;p18"/>
-          <p:cNvSpPr txBox="1"/>
+          <p:cNvSpPr txBox="1">
+            <a:spLocks noGrp="1"/>
+          </p:cNvSpPr>
           <p:nvPr>
             <p:ph type="title"/>
           </p:nvPr>
@@ -9755,12 +10012,12 @@
           </a:prstGeom>
         </p:spPr>
         <p:txBody>
-          <a:bodyPr anchorCtr="0" anchor="t" bIns="91425" lIns="91425" spcFirstLastPara="1" rIns="91425" wrap="square" tIns="91425">
+          <a:bodyPr spcFirstLastPara="1" wrap="square" lIns="91425" tIns="91425" rIns="91425" bIns="91425" anchor="t" anchorCtr="0">
             <a:normAutofit/>
           </a:bodyPr>
           <a:lstStyle/>
           <a:p>
-            <a:pPr indent="0" lvl="0" marL="0" rtl="0" algn="l">
+            <a:pPr marL="0" lvl="0" indent="0" algn="l" rtl="0">
               <a:spcBef>
                 <a:spcPts val="0"/>
               </a:spcBef>
@@ -9788,9 +10045,11 @@
       <p:sp>
         <p:nvSpPr>
           <p:cNvPr id="97" name="Google Shape;97;p18"/>
-          <p:cNvSpPr txBox="1"/>
+          <p:cNvSpPr txBox="1">
+            <a:spLocks noGrp="1"/>
+          </p:cNvSpPr>
           <p:nvPr>
-            <p:ph idx="1" type="body"/>
+            <p:ph type="body" idx="1"/>
           </p:nvPr>
         </p:nvSpPr>
         <p:spPr>
@@ -9803,12 +10062,12 @@
           </a:prstGeom>
         </p:spPr>
         <p:txBody>
-          <a:bodyPr anchorCtr="0" anchor="t" bIns="91425" lIns="91425" spcFirstLastPara="1" rIns="91425" wrap="square" tIns="91425">
+          <a:bodyPr spcFirstLastPara="1" wrap="square" lIns="91425" tIns="91425" rIns="91425" bIns="91425" anchor="t" anchorCtr="0">
             <a:normAutofit/>
           </a:bodyPr>
           <a:lstStyle/>
           <a:p>
-            <a:pPr indent="0" lvl="0" marL="0" rtl="0" algn="l">
+            <a:pPr marL="0" lvl="0" indent="0" algn="l" rtl="0">
               <a:spcBef>
                 <a:spcPts val="0"/>
               </a:spcBef>
@@ -9817,9 +10076,6 @@
               </a:spcAft>
               <a:buNone/>
             </a:pPr>
-            <a:r>
-              <a:t/>
-            </a:r>
             <a:endParaRPr/>
           </a:p>
         </p:txBody>
@@ -9861,11 +10117,11 @@
 </file>
 
 <file path=ppt/slides/slide7.xml><?xml version="1.0" encoding="utf-8"?>
-<p:sld xmlns:a="http://schemas.openxmlformats.org/drawingml/2006/main" xmlns:r="http://schemas.openxmlformats.org/officeDocument/2006/relationships" xmlns:mc="http://schemas.openxmlformats.org/markup-compatibility/2006" xmlns:mv="urn:schemas-microsoft-com:mac:vml" xmlns:p="http://schemas.openxmlformats.org/presentationml/2006/main" xmlns:c="http://schemas.openxmlformats.org/drawingml/2006/chart" xmlns:dgm="http://schemas.openxmlformats.org/drawingml/2006/diagram" xmlns:o="urn:schemas-microsoft-com:office:office" xmlns:v="urn:schemas-microsoft-com:vml" xmlns:pvml="urn:schemas-microsoft-com:office:powerpoint" xmlns:com="http://schemas.openxmlformats.org/drawingml/2006/compatibility" xmlns:p14="http://schemas.microsoft.com/office/powerpoint/2010/main" xmlns:p15="http://schemas.microsoft.com/office/powerpoint/2012/main" xmlns:ahyp="http://schemas.microsoft.com/office/drawing/2018/hyperlinkcolor">
+<p:sld xmlns:a="http://schemas.openxmlformats.org/drawingml/2006/main" xmlns:r="http://schemas.openxmlformats.org/officeDocument/2006/relationships" xmlns:p="http://schemas.openxmlformats.org/presentationml/2006/main">
   <p:cSld>
     <p:spTree>
       <p:nvGrpSpPr>
-        <p:cNvPr id="102" name="Shape 102"/>
+        <p:cNvPr id="1" name="Shape 102"/>
         <p:cNvGrpSpPr/>
         <p:nvPr/>
       </p:nvGrpSpPr>
@@ -9880,7 +10136,9 @@
       <p:sp>
         <p:nvSpPr>
           <p:cNvPr id="103" name="Google Shape;103;p19"/>
-          <p:cNvSpPr txBox="1"/>
+          <p:cNvSpPr txBox="1">
+            <a:spLocks noGrp="1"/>
+          </p:cNvSpPr>
           <p:nvPr>
             <p:ph type="title"/>
           </p:nvPr>
@@ -9895,12 +10153,12 @@
           </a:prstGeom>
         </p:spPr>
         <p:txBody>
-          <a:bodyPr anchorCtr="0" anchor="ctr" bIns="91425" lIns="91425" spcFirstLastPara="1" rIns="91425" wrap="square" tIns="91425">
+          <a:bodyPr spcFirstLastPara="1" wrap="square" lIns="91425" tIns="91425" rIns="91425" bIns="91425" anchor="ctr" anchorCtr="0">
             <a:normAutofit/>
           </a:bodyPr>
           <a:lstStyle/>
           <a:p>
-            <a:pPr indent="0" lvl="0" marL="0" rtl="0" algn="l">
+            <a:pPr marL="0" lvl="0" indent="0" algn="l" rtl="0">
               <a:spcBef>
                 <a:spcPts val="0"/>
               </a:spcBef>
@@ -9931,15 +10189,7 @@
                   <a:srgbClr val="38761D"/>
                 </a:solidFill>
               </a:rPr>
-              <a:t> TO </a:t>
-            </a:r>
-            <a:r>
-              <a:rPr lang="en" sz="4600">
-                <a:solidFill>
-                  <a:srgbClr val="38761D"/>
-                </a:solidFill>
-              </a:rPr>
-              <a:t>MALNUTRITION AND UNHEALTHY FOOD ROUTINE WITH </a:t>
+              <a:t> TO MALNUTRITION AND UNHEALTHY FOOD ROUTINE WITH </a:t>
             </a:r>
             <a:r>
               <a:rPr lang="en" sz="4600">
@@ -9966,11 +10216,11 @@
 </file>
 
 <file path=ppt/slides/slide8.xml><?xml version="1.0" encoding="utf-8"?>
-<p:sld xmlns:a="http://schemas.openxmlformats.org/drawingml/2006/main" xmlns:r="http://schemas.openxmlformats.org/officeDocument/2006/relationships" xmlns:mc="http://schemas.openxmlformats.org/markup-compatibility/2006" xmlns:mv="urn:schemas-microsoft-com:mac:vml" xmlns:p="http://schemas.openxmlformats.org/presentationml/2006/main" xmlns:c="http://schemas.openxmlformats.org/drawingml/2006/chart" xmlns:dgm="http://schemas.openxmlformats.org/drawingml/2006/diagram" xmlns:o="urn:schemas-microsoft-com:office:office" xmlns:v="urn:schemas-microsoft-com:vml" xmlns:pvml="urn:schemas-microsoft-com:office:powerpoint" xmlns:com="http://schemas.openxmlformats.org/drawingml/2006/compatibility" xmlns:p14="http://schemas.microsoft.com/office/powerpoint/2010/main" xmlns:p15="http://schemas.microsoft.com/office/powerpoint/2012/main" xmlns:ahyp="http://schemas.microsoft.com/office/drawing/2018/hyperlinkcolor">
+<p:sld xmlns:a="http://schemas.openxmlformats.org/drawingml/2006/main" xmlns:r="http://schemas.openxmlformats.org/officeDocument/2006/relationships" xmlns:p="http://schemas.openxmlformats.org/presentationml/2006/main">
   <p:cSld>
     <p:spTree>
       <p:nvGrpSpPr>
-        <p:cNvPr id="107" name="Shape 107"/>
+        <p:cNvPr id="1" name="Shape 107"/>
         <p:cNvGrpSpPr/>
         <p:nvPr/>
       </p:nvGrpSpPr>
@@ -9985,7 +10235,9 @@
       <p:sp>
         <p:nvSpPr>
           <p:cNvPr id="108" name="Google Shape;108;p20"/>
-          <p:cNvSpPr txBox="1"/>
+          <p:cNvSpPr txBox="1">
+            <a:spLocks noGrp="1"/>
+          </p:cNvSpPr>
           <p:nvPr>
             <p:ph type="title"/>
           </p:nvPr>
@@ -10000,12 +10252,12 @@
           </a:prstGeom>
         </p:spPr>
         <p:txBody>
-          <a:bodyPr anchorCtr="0" anchor="t" bIns="91425" lIns="91425" spcFirstLastPara="1" rIns="91425" wrap="square" tIns="91425">
+          <a:bodyPr spcFirstLastPara="1" wrap="square" lIns="91425" tIns="91425" rIns="91425" bIns="91425" anchor="t" anchorCtr="0">
             <a:noAutofit/>
           </a:bodyPr>
           <a:lstStyle/>
           <a:p>
-            <a:pPr indent="0" lvl="0" marL="0" rtl="0" algn="l">
+            <a:pPr marL="0" lvl="0" indent="0" algn="l" rtl="0">
               <a:spcBef>
                 <a:spcPts val="0"/>
               </a:spcBef>
@@ -10060,7 +10312,7 @@
             </a:endParaRPr>
           </a:p>
           <a:p>
-            <a:pPr indent="0" lvl="0" marL="0" rtl="0" algn="l">
+            <a:pPr marL="0" lvl="0" indent="0" algn="l" rtl="0">
               <a:spcBef>
                 <a:spcPts val="0"/>
               </a:spcBef>
@@ -10070,9 +10322,6 @@
               <a:buSzPts val="990"/>
               <a:buNone/>
             </a:pPr>
-            <a:r>
-              <a:t/>
-            </a:r>
             <a:endParaRPr sz="2520"/>
           </a:p>
         </p:txBody>
@@ -10080,9 +10329,11 @@
       <p:sp>
         <p:nvSpPr>
           <p:cNvPr id="109" name="Google Shape;109;p20"/>
-          <p:cNvSpPr txBox="1"/>
+          <p:cNvSpPr txBox="1">
+            <a:spLocks noGrp="1"/>
+          </p:cNvSpPr>
           <p:nvPr>
-            <p:ph idx="1" type="body"/>
+            <p:ph type="body" idx="1"/>
           </p:nvPr>
         </p:nvSpPr>
         <p:spPr>
@@ -10095,12 +10346,12 @@
           </a:prstGeom>
         </p:spPr>
         <p:txBody>
-          <a:bodyPr anchorCtr="0" anchor="t" bIns="91425" lIns="91425" spcFirstLastPara="1" rIns="91425" wrap="square" tIns="91425">
+          <a:bodyPr spcFirstLastPara="1" wrap="square" lIns="91425" tIns="91425" rIns="91425" bIns="91425" anchor="t" anchorCtr="0">
             <a:normAutofit/>
           </a:bodyPr>
           <a:lstStyle/>
           <a:p>
-            <a:pPr indent="0" lvl="0" marL="0" rtl="0" algn="l">
+            <a:pPr marL="0" lvl="0" indent="0" algn="l" rtl="0">
               <a:spcBef>
                 <a:spcPts val="0"/>
               </a:spcBef>
@@ -10109,13 +10360,10 @@
               </a:spcAft>
               <a:buNone/>
             </a:pPr>
-            <a:r>
-              <a:t/>
-            </a:r>
             <a:endParaRPr/>
           </a:p>
           <a:p>
-            <a:pPr indent="0" lvl="0" marL="0" rtl="0" algn="l">
+            <a:pPr marL="0" lvl="0" indent="0" algn="l" rtl="0">
               <a:spcBef>
                 <a:spcPts val="1200"/>
               </a:spcBef>
@@ -10124,9 +10372,6 @@
               </a:spcAft>
               <a:buNone/>
             </a:pPr>
-            <a:r>
-              <a:t/>
-            </a:r>
             <a:endParaRPr/>
           </a:p>
         </p:txBody>
@@ -10179,12 +10424,12 @@
           </a:ln>
         </p:spPr>
         <p:txBody>
-          <a:bodyPr anchorCtr="0" anchor="t" bIns="91425" lIns="91425" spcFirstLastPara="1" rIns="91425" wrap="square" tIns="91425">
+          <a:bodyPr spcFirstLastPara="1" wrap="square" lIns="91425" tIns="91425" rIns="91425" bIns="91425" anchor="t" anchorCtr="0">
             <a:spAutoFit/>
           </a:bodyPr>
           <a:lstStyle/>
           <a:p>
-            <a:pPr indent="0" lvl="0" marL="0" rtl="0" algn="l">
+            <a:pPr marL="0" lvl="0" indent="0" algn="l" rtl="0">
               <a:spcBef>
                 <a:spcPts val="0"/>
               </a:spcBef>
@@ -10193,9 +10438,6 @@
               </a:spcAft>
               <a:buNone/>
             </a:pPr>
-            <a:r>
-              <a:t/>
-            </a:r>
             <a:endParaRPr/>
           </a:p>
         </p:txBody>
@@ -10237,11 +10479,11 @@
 </file>
 
 <file path=ppt/slides/slide9.xml><?xml version="1.0" encoding="utf-8"?>
-<p:sld xmlns:a="http://schemas.openxmlformats.org/drawingml/2006/main" xmlns:r="http://schemas.openxmlformats.org/officeDocument/2006/relationships" xmlns:mc="http://schemas.openxmlformats.org/markup-compatibility/2006" xmlns:mv="urn:schemas-microsoft-com:mac:vml" xmlns:p="http://schemas.openxmlformats.org/presentationml/2006/main" xmlns:c="http://schemas.openxmlformats.org/drawingml/2006/chart" xmlns:dgm="http://schemas.openxmlformats.org/drawingml/2006/diagram" xmlns:o="urn:schemas-microsoft-com:office:office" xmlns:v="urn:schemas-microsoft-com:vml" xmlns:pvml="urn:schemas-microsoft-com:office:powerpoint" xmlns:com="http://schemas.openxmlformats.org/drawingml/2006/compatibility" xmlns:p14="http://schemas.microsoft.com/office/powerpoint/2010/main" xmlns:p15="http://schemas.microsoft.com/office/powerpoint/2012/main" xmlns:ahyp="http://schemas.microsoft.com/office/drawing/2018/hyperlinkcolor">
+<p:sld xmlns:a="http://schemas.openxmlformats.org/drawingml/2006/main" xmlns:r="http://schemas.openxmlformats.org/officeDocument/2006/relationships" xmlns:p="http://schemas.openxmlformats.org/presentationml/2006/main">
   <p:cSld>
     <p:spTree>
       <p:nvGrpSpPr>
-        <p:cNvPr id="116" name="Shape 116"/>
+        <p:cNvPr id="1" name="Shape 116"/>
         <p:cNvGrpSpPr/>
         <p:nvPr/>
       </p:nvGrpSpPr>
@@ -10256,7 +10498,9 @@
       <p:sp>
         <p:nvSpPr>
           <p:cNvPr id="117" name="Google Shape;117;p21"/>
-          <p:cNvSpPr txBox="1"/>
+          <p:cNvSpPr txBox="1">
+            <a:spLocks noGrp="1"/>
+          </p:cNvSpPr>
           <p:nvPr>
             <p:ph type="title"/>
           </p:nvPr>
@@ -10271,12 +10515,12 @@
           </a:prstGeom>
         </p:spPr>
         <p:txBody>
-          <a:bodyPr anchorCtr="0" anchor="t" bIns="91425" lIns="91425" spcFirstLastPara="1" rIns="91425" wrap="square" tIns="91425">
+          <a:bodyPr spcFirstLastPara="1" wrap="square" lIns="91425" tIns="91425" rIns="91425" bIns="91425" anchor="t" anchorCtr="0">
             <a:normAutofit fontScale="90000"/>
           </a:bodyPr>
           <a:lstStyle/>
           <a:p>
-            <a:pPr indent="0" lvl="0" marL="0" rtl="0" algn="l">
+            <a:pPr marL="0" lvl="0" indent="0" algn="l" rtl="0">
               <a:spcBef>
                 <a:spcPts val="0"/>
               </a:spcBef>
@@ -10296,9 +10540,11 @@
       <p:sp>
         <p:nvSpPr>
           <p:cNvPr id="118" name="Google Shape;118;p21"/>
-          <p:cNvSpPr txBox="1"/>
+          <p:cNvSpPr txBox="1">
+            <a:spLocks noGrp="1"/>
+          </p:cNvSpPr>
           <p:nvPr>
-            <p:ph idx="1" type="body"/>
+            <p:ph type="body" idx="1"/>
           </p:nvPr>
         </p:nvSpPr>
         <p:spPr>
@@ -10311,12 +10557,12 @@
           </a:prstGeom>
         </p:spPr>
         <p:txBody>
-          <a:bodyPr anchorCtr="0" anchor="t" bIns="91425" lIns="91425" spcFirstLastPara="1" rIns="91425" wrap="square" tIns="91425">
+          <a:bodyPr spcFirstLastPara="1" wrap="square" lIns="91425" tIns="91425" rIns="91425" bIns="91425" anchor="t" anchorCtr="0">
             <a:normAutofit/>
           </a:bodyPr>
           <a:lstStyle/>
           <a:p>
-            <a:pPr indent="0" lvl="0" marL="0" rtl="0" algn="l">
+            <a:pPr marL="0" lvl="0" indent="0" algn="l" rtl="0">
               <a:spcBef>
                 <a:spcPts val="0"/>
               </a:spcBef>
@@ -10354,29 +10600,29 @@
           </a:xfrm>
           <a:prstGeom prst="roundRect">
             <a:avLst>
-              <a:gd fmla="val 16667" name="adj"/>
+              <a:gd name="adj" fmla="val 16667"/>
             </a:avLst>
           </a:prstGeom>
           <a:solidFill>
             <a:srgbClr val="6AA84F"/>
           </a:solidFill>
-          <a:ln cap="flat" cmpd="sng" w="9525">
+          <a:ln w="9525" cap="flat" cmpd="sng">
             <a:solidFill>
               <a:schemeClr val="dk2"/>
             </a:solidFill>
             <a:prstDash val="solid"/>
             <a:round/>
-            <a:headEnd len="sm" w="sm" type="none"/>
-            <a:tailEnd len="sm" w="sm" type="none"/>
+            <a:headEnd type="none" w="sm" len="sm"/>
+            <a:tailEnd type="none" w="sm" len="sm"/>
           </a:ln>
         </p:spPr>
         <p:txBody>
-          <a:bodyPr anchorCtr="0" anchor="ctr" bIns="91425" lIns="91425" spcFirstLastPara="1" rIns="91425" wrap="square" tIns="91425">
+          <a:bodyPr spcFirstLastPara="1" wrap="square" lIns="91425" tIns="91425" rIns="91425" bIns="91425" anchor="ctr" anchorCtr="0">
             <a:noAutofit/>
           </a:bodyPr>
           <a:lstStyle/>
           <a:p>
-            <a:pPr indent="0" lvl="0" marL="0" rtl="0" algn="l">
+            <a:pPr marL="0" lvl="0" indent="0" algn="l" rtl="0">
               <a:spcBef>
                 <a:spcPts val="0"/>
               </a:spcBef>
@@ -10385,9 +10631,6 @@
               </a:spcAft>
               <a:buNone/>
             </a:pPr>
-            <a:r>
-              <a:t/>
-            </a:r>
             <a:endParaRPr/>
           </a:p>
         </p:txBody>
@@ -10412,12 +10655,12 @@
           </a:ln>
         </p:spPr>
         <p:txBody>
-          <a:bodyPr anchorCtr="0" anchor="t" bIns="91425" lIns="91425" spcFirstLastPara="1" rIns="91425" wrap="square" tIns="91425">
+          <a:bodyPr spcFirstLastPara="1" wrap="square" lIns="91425" tIns="91425" rIns="91425" bIns="91425" anchor="t" anchorCtr="0">
             <a:spAutoFit/>
           </a:bodyPr>
           <a:lstStyle/>
           <a:p>
-            <a:pPr indent="0" lvl="0" marL="0" rtl="0" algn="l">
+            <a:pPr marL="0" lvl="0" indent="0" algn="l" rtl="0">
               <a:spcBef>
                 <a:spcPts val="0"/>
               </a:spcBef>
@@ -10441,7 +10684,7 @@
           <p:nvPr/>
         </p:nvCxnSpPr>
         <p:spPr>
-          <a:xfrm flipH="1" rot="10800000">
+          <a:xfrm rot="10800000" flipH="1">
             <a:off x="805550" y="2020125"/>
             <a:ext cx="1140300" cy="24900"/>
           </a:xfrm>
@@ -10449,14 +10692,14 @@
             <a:avLst/>
           </a:prstGeom>
           <a:noFill/>
-          <a:ln cap="flat" cmpd="sng" w="38100">
+          <a:ln w="38100" cap="flat" cmpd="sng">
             <a:solidFill>
               <a:srgbClr val="1155CC"/>
             </a:solidFill>
             <a:prstDash val="solid"/>
             <a:round/>
-            <a:headEnd len="med" w="med" type="none"/>
-            <a:tailEnd len="med" w="med" type="triangle"/>
+            <a:headEnd type="none" w="med" len="med"/>
+            <a:tailEnd type="triangle" w="med" len="med"/>
           </a:ln>
         </p:spPr>
       </p:cxnSp>
@@ -10475,14 +10718,14 @@
             <a:avLst/>
           </a:prstGeom>
           <a:noFill/>
-          <a:ln cap="flat" cmpd="sng" w="38100">
+          <a:ln w="38100" cap="flat" cmpd="sng">
             <a:solidFill>
               <a:srgbClr val="1155CC"/>
             </a:solidFill>
             <a:prstDash val="solid"/>
             <a:round/>
-            <a:headEnd len="med" w="med" type="none"/>
-            <a:tailEnd len="med" w="med" type="triangle"/>
+            <a:headEnd type="none" w="med" len="med"/>
+            <a:tailEnd type="triangle" w="med" len="med"/>
           </a:ln>
         </p:spPr>
       </p:cxnSp>
@@ -10506,12 +10749,12 @@
           </a:ln>
         </p:spPr>
         <p:txBody>
-          <a:bodyPr anchorCtr="0" anchor="t" bIns="91425" lIns="91425" spcFirstLastPara="1" rIns="91425" wrap="square" tIns="91425">
+          <a:bodyPr spcFirstLastPara="1" wrap="square" lIns="91425" tIns="91425" rIns="91425" bIns="91425" anchor="t" anchorCtr="0">
             <a:spAutoFit/>
           </a:bodyPr>
           <a:lstStyle/>
           <a:p>
-            <a:pPr indent="0" lvl="0" marL="0" rtl="0" algn="l">
+            <a:pPr marL="0" lvl="0" indent="0" algn="l" rtl="0">
               <a:spcBef>
                 <a:spcPts val="0"/>
               </a:spcBef>
@@ -10556,12 +10799,12 @@
           </a:ln>
         </p:spPr>
         <p:txBody>
-          <a:bodyPr anchorCtr="0" anchor="t" bIns="91425" lIns="91425" spcFirstLastPara="1" rIns="91425" wrap="square" tIns="91425">
+          <a:bodyPr spcFirstLastPara="1" wrap="square" lIns="91425" tIns="91425" rIns="91425" bIns="91425" anchor="t" anchorCtr="0">
             <a:spAutoFit/>
           </a:bodyPr>
           <a:lstStyle/>
           <a:p>
-            <a:pPr indent="0" lvl="0" marL="0" rtl="0" algn="l">
+            <a:pPr marL="0" lvl="0" indent="0" algn="l" rtl="0">
               <a:spcBef>
                 <a:spcPts val="0"/>
               </a:spcBef>
@@ -10593,7 +10836,7 @@
           <p:nvPr/>
         </p:nvCxnSpPr>
         <p:spPr>
-          <a:xfrm flipH="1" rot="10800000">
+          <a:xfrm rot="10800000" flipH="1">
             <a:off x="4288250" y="2640050"/>
             <a:ext cx="1338600" cy="12300"/>
           </a:xfrm>
@@ -10601,14 +10844,14 @@
             <a:avLst/>
           </a:prstGeom>
           <a:noFill/>
-          <a:ln cap="flat" cmpd="sng" w="38100">
+          <a:ln w="38100" cap="flat" cmpd="sng">
             <a:solidFill>
               <a:srgbClr val="0000FF"/>
             </a:solidFill>
             <a:prstDash val="solid"/>
             <a:round/>
-            <a:headEnd len="med" w="med" type="none"/>
-            <a:tailEnd len="med" w="med" type="triangle"/>
+            <a:headEnd type="none" w="med" len="med"/>
+            <a:tailEnd type="triangle" w="med" len="med"/>
           </a:ln>
         </p:spPr>
       </p:cxnSp>
@@ -10632,12 +10875,12 @@
           </a:ln>
         </p:spPr>
         <p:txBody>
-          <a:bodyPr anchorCtr="0" anchor="t" bIns="91425" lIns="91425" spcFirstLastPara="1" rIns="91425" wrap="square" tIns="91425">
+          <a:bodyPr spcFirstLastPara="1" wrap="square" lIns="91425" tIns="91425" rIns="91425" bIns="91425" anchor="t" anchorCtr="0">
             <a:spAutoFit/>
           </a:bodyPr>
           <a:lstStyle/>
           <a:p>
-            <a:pPr indent="0" lvl="0" marL="0" rtl="0" algn="l">
+            <a:pPr marL="0" lvl="0" indent="0" algn="l" rtl="0">
               <a:spcBef>
                 <a:spcPts val="0"/>
               </a:spcBef>
@@ -10675,29 +10918,29 @@
           </a:xfrm>
           <a:prstGeom prst="roundRect">
             <a:avLst>
-              <a:gd fmla="val 16667" name="adj"/>
+              <a:gd name="adj" fmla="val 16667"/>
             </a:avLst>
           </a:prstGeom>
           <a:solidFill>
             <a:srgbClr val="6AA84F"/>
           </a:solidFill>
-          <a:ln cap="flat" cmpd="sng" w="9525">
+          <a:ln w="9525" cap="flat" cmpd="sng">
             <a:solidFill>
               <a:schemeClr val="dk2"/>
             </a:solidFill>
             <a:prstDash val="solid"/>
             <a:round/>
-            <a:headEnd len="sm" w="sm" type="none"/>
-            <a:tailEnd len="sm" w="sm" type="none"/>
+            <a:headEnd type="none" w="sm" len="sm"/>
+            <a:tailEnd type="none" w="sm" len="sm"/>
           </a:ln>
         </p:spPr>
         <p:txBody>
-          <a:bodyPr anchorCtr="0" anchor="ctr" bIns="91425" lIns="91425" spcFirstLastPara="1" rIns="91425" wrap="square" tIns="91425">
+          <a:bodyPr spcFirstLastPara="1" wrap="square" lIns="91425" tIns="91425" rIns="91425" bIns="91425" anchor="ctr" anchorCtr="0">
             <a:noAutofit/>
           </a:bodyPr>
           <a:lstStyle/>
           <a:p>
-            <a:pPr indent="0" lvl="0" marL="0" rtl="0" algn="l">
+            <a:pPr marL="0" lvl="0" indent="0" algn="l" rtl="0">
               <a:spcBef>
                 <a:spcPts val="0"/>
               </a:spcBef>
@@ -10706,9 +10949,6 @@
               </a:spcAft>
               <a:buNone/>
             </a:pPr>
-            <a:r>
-              <a:t/>
-            </a:r>
             <a:endParaRPr/>
           </a:p>
         </p:txBody>
@@ -10733,12 +10973,12 @@
           </a:ln>
         </p:spPr>
         <p:txBody>
-          <a:bodyPr anchorCtr="0" anchor="t" bIns="91425" lIns="91425" spcFirstLastPara="1" rIns="91425" wrap="square" tIns="91425">
+          <a:bodyPr spcFirstLastPara="1" wrap="square" lIns="91425" tIns="91425" rIns="91425" bIns="91425" anchor="t" anchorCtr="0">
             <a:spAutoFit/>
           </a:bodyPr>
           <a:lstStyle/>
           <a:p>
-            <a:pPr indent="0" lvl="0" marL="0" rtl="0" algn="l">
+            <a:pPr marL="0" lvl="0" indent="0" algn="l" rtl="0">
               <a:spcBef>
                 <a:spcPts val="0"/>
               </a:spcBef>
@@ -10748,7 +10988,7 @@
               <a:buNone/>
             </a:pPr>
             <a:r>
-              <a:rPr b="1" i="1" lang="en"/>
+              <a:rPr lang="en" b="1" i="1"/>
               <a:t>WE WILL PROVIDE REPORTS AND PERSONALIZED RECOMMENDATIONS</a:t>
             </a:r>
             <a:endParaRPr b="1" i="1"/>
@@ -10764,7 +11004,7 @@
 </file>
 
 <file path=ppt/theme/theme1.xml><?xml version="1.0" encoding="utf-8"?>
-<a:theme xmlns:a="http://schemas.openxmlformats.org/drawingml/2006/main" xmlns:r="http://schemas.openxmlformats.org/officeDocument/2006/relationships" name="Simple Dark">
+<a:theme xmlns:a="http://schemas.openxmlformats.org/drawingml/2006/main" name="Simple Dark">
   <a:themeElements>
     <a:clrScheme name="Simple Dark">
       <a:dk1>
@@ -11039,11 +11279,13 @@
       </a:bgFillStyleLst>
     </a:fmtScheme>
   </a:themeElements>
+  <a:objectDefaults/>
+  <a:extraClrSchemeLst/>
 </a:theme>
 </file>
 
 <file path=ppt/theme/theme2.xml><?xml version="1.0" encoding="utf-8"?>
-<a:theme xmlns:a="http://schemas.openxmlformats.org/drawingml/2006/main" xmlns:r="http://schemas.openxmlformats.org/officeDocument/2006/relationships">
+<a:theme xmlns:a="http://schemas.openxmlformats.org/drawingml/2006/main">
   <a:themeElements>
     <a:clrScheme name="Default">
       <a:dk1>
@@ -11318,5 +11560,7 @@
       </a:bgFillStyleLst>
     </a:fmtScheme>
   </a:themeElements>
+  <a:objectDefaults/>
+  <a:extraClrSchemeLst/>
 </a:theme>
 </file>
--- a/EXCEPTION HANDLERS/EXCEPTION HANDLERS.pptx
+++ b/EXCEPTION HANDLERS/EXCEPTION HANDLERS.pptx
@@ -5,24 +5,26 @@
     <p:sldMasterId id="2147483659" r:id="rId1"/>
   </p:sldMasterIdLst>
   <p:notesMasterIdLst>
-    <p:notesMasterId r:id="rId17"/>
+    <p:notesMasterId r:id="rId19"/>
   </p:notesMasterIdLst>
   <p:sldIdLst>
     <p:sldId id="256" r:id="rId2"/>
     <p:sldId id="257" r:id="rId3"/>
     <p:sldId id="258" r:id="rId4"/>
-    <p:sldId id="259" r:id="rId5"/>
-    <p:sldId id="260" r:id="rId6"/>
-    <p:sldId id="261" r:id="rId7"/>
-    <p:sldId id="262" r:id="rId8"/>
-    <p:sldId id="263" r:id="rId9"/>
-    <p:sldId id="264" r:id="rId10"/>
-    <p:sldId id="265" r:id="rId11"/>
-    <p:sldId id="266" r:id="rId12"/>
-    <p:sldId id="267" r:id="rId13"/>
-    <p:sldId id="268" r:id="rId14"/>
-    <p:sldId id="269" r:id="rId15"/>
-    <p:sldId id="270" r:id="rId16"/>
+    <p:sldId id="273" r:id="rId5"/>
+    <p:sldId id="259" r:id="rId6"/>
+    <p:sldId id="260" r:id="rId7"/>
+    <p:sldId id="261" r:id="rId8"/>
+    <p:sldId id="262" r:id="rId9"/>
+    <p:sldId id="263" r:id="rId10"/>
+    <p:sldId id="264" r:id="rId11"/>
+    <p:sldId id="265" r:id="rId12"/>
+    <p:sldId id="266" r:id="rId13"/>
+    <p:sldId id="267" r:id="rId14"/>
+    <p:sldId id="268" r:id="rId15"/>
+    <p:sldId id="269" r:id="rId16"/>
+    <p:sldId id="271" r:id="rId17"/>
+    <p:sldId id="270" r:id="rId18"/>
   </p:sldIdLst>
   <p:sldSz cx="9144000" cy="5143500" type="screen16x9"/>
   <p:notesSz cx="6858000" cy="9144000"/>
@@ -257,7 +259,7 @@
   </p:defaultTextStyle>
   <p:extLst>
     <p:ext uri="{EFAFB233-063F-42B5-8137-9DF3F51BA10A}">
-      <p15:sldGuideLst xmlns:ahyp="http://schemas.microsoft.com/office/drawing/2018/hyperlinkcolor" xmlns:p15="http://schemas.microsoft.com/office/powerpoint/2012/main" xmlns:p14="http://schemas.microsoft.com/office/powerpoint/2010/main" xmlns:com="http://schemas.openxmlformats.org/drawingml/2006/compatibility" xmlns:pvml="urn:schemas-microsoft-com:office:powerpoint" xmlns:v="urn:schemas-microsoft-com:vml" xmlns:o="urn:schemas-microsoft-com:office:office" xmlns:dgm="http://schemas.openxmlformats.org/drawingml/2006/diagram" xmlns:c="http://schemas.openxmlformats.org/drawingml/2006/chart" xmlns:mv="urn:schemas-microsoft-com:mac:vml" xmlns:mc="http://schemas.openxmlformats.org/markup-compatibility/2006" xmlns="">
+      <p15:sldGuideLst xmlns="" xmlns:mc="http://schemas.openxmlformats.org/markup-compatibility/2006" xmlns:mv="urn:schemas-microsoft-com:mac:vml" xmlns:c="http://schemas.openxmlformats.org/drawingml/2006/chart" xmlns:dgm="http://schemas.openxmlformats.org/drawingml/2006/diagram" xmlns:o="urn:schemas-microsoft-com:office:office" xmlns:v="urn:schemas-microsoft-com:vml" xmlns:pvml="urn:schemas-microsoft-com:office:powerpoint" xmlns:com="http://schemas.openxmlformats.org/drawingml/2006/compatibility" xmlns:p14="http://schemas.microsoft.com/office/powerpoint/2010/main" xmlns:p15="http://schemas.microsoft.com/office/powerpoint/2012/main" xmlns:ahyp="http://schemas.microsoft.com/office/drawing/2018/hyperlinkcolor">
         <p15:guide id="1" orient="horz" pos="1620">
           <p15:clr>
             <a:srgbClr val="A4A3A4"/>
@@ -7497,6 +7499,531 @@
   <p:cSld>
     <p:spTree>
       <p:nvGrpSpPr>
+        <p:cNvPr id="1" name="Shape 116"/>
+        <p:cNvGrpSpPr/>
+        <p:nvPr/>
+      </p:nvGrpSpPr>
+      <p:grpSpPr>
+        <a:xfrm>
+          <a:off x="0" y="0"/>
+          <a:ext cx="0" cy="0"/>
+          <a:chOff x="0" y="0"/>
+          <a:chExt cx="0" cy="0"/>
+        </a:xfrm>
+      </p:grpSpPr>
+      <p:sp>
+        <p:nvSpPr>
+          <p:cNvPr id="117" name="Google Shape;117;p21"/>
+          <p:cNvSpPr txBox="1">
+            <a:spLocks noGrp="1"/>
+          </p:cNvSpPr>
+          <p:nvPr>
+            <p:ph type="title"/>
+          </p:nvPr>
+        </p:nvSpPr>
+        <p:spPr>
+          <a:xfrm>
+            <a:off x="311700" y="445025"/>
+            <a:ext cx="8520600" cy="572700"/>
+          </a:xfrm>
+          <a:prstGeom prst="rect">
+            <a:avLst/>
+          </a:prstGeom>
+        </p:spPr>
+        <p:txBody>
+          <a:bodyPr spcFirstLastPara="1" wrap="square" lIns="91425" tIns="91425" rIns="91425" bIns="91425" anchor="t" anchorCtr="0">
+            <a:normAutofit fontScale="90000"/>
+          </a:bodyPr>
+          <a:lstStyle/>
+          <a:p>
+            <a:pPr marL="0" lvl="0" indent="0" algn="l" rtl="0">
+              <a:spcBef>
+                <a:spcPts val="0"/>
+              </a:spcBef>
+              <a:spcAft>
+                <a:spcPts val="0"/>
+              </a:spcAft>
+              <a:buNone/>
+            </a:pPr>
+            <a:r>
+              <a:rPr lang="en"/>
+              <a:t>GROWTH TRACKER</a:t>
+            </a:r>
+            <a:endParaRPr/>
+          </a:p>
+        </p:txBody>
+      </p:sp>
+      <p:sp>
+        <p:nvSpPr>
+          <p:cNvPr id="118" name="Google Shape;118;p21"/>
+          <p:cNvSpPr txBox="1">
+            <a:spLocks noGrp="1"/>
+          </p:cNvSpPr>
+          <p:nvPr>
+            <p:ph type="body" idx="1"/>
+          </p:nvPr>
+        </p:nvSpPr>
+        <p:spPr>
+          <a:xfrm>
+            <a:off x="311700" y="863550"/>
+            <a:ext cx="8520600" cy="3416400"/>
+          </a:xfrm>
+          <a:prstGeom prst="rect">
+            <a:avLst/>
+          </a:prstGeom>
+        </p:spPr>
+        <p:txBody>
+          <a:bodyPr spcFirstLastPara="1" wrap="square" lIns="91425" tIns="91425" rIns="91425" bIns="91425" anchor="t" anchorCtr="0">
+            <a:normAutofit/>
+          </a:bodyPr>
+          <a:lstStyle/>
+          <a:p>
+            <a:pPr marL="0" lvl="0" indent="0" algn="l" rtl="0">
+              <a:spcBef>
+                <a:spcPts val="0"/>
+              </a:spcBef>
+              <a:spcAft>
+                <a:spcPts val="1200"/>
+              </a:spcAft>
+              <a:buNone/>
+            </a:pPr>
+            <a:r>
+              <a:rPr lang="en">
+                <a:solidFill>
+                  <a:srgbClr val="00FFFF"/>
+                </a:solidFill>
+              </a:rPr>
+              <a:t>Helps to identify your kid’s health status- underweight,overweight or normal weight</a:t>
+            </a:r>
+            <a:endParaRPr>
+              <a:solidFill>
+                <a:srgbClr val="00FFFF"/>
+              </a:solidFill>
+            </a:endParaRPr>
+          </a:p>
+        </p:txBody>
+      </p:sp>
+      <p:sp>
+        <p:nvSpPr>
+          <p:cNvPr id="119" name="Google Shape;119;p21"/>
+          <p:cNvSpPr/>
+          <p:nvPr/>
+        </p:nvSpPr>
+        <p:spPr>
+          <a:xfrm>
+            <a:off x="1945850" y="1648400"/>
+            <a:ext cx="2342400" cy="2007900"/>
+          </a:xfrm>
+          <a:prstGeom prst="roundRect">
+            <a:avLst>
+              <a:gd name="adj" fmla="val 16667"/>
+            </a:avLst>
+          </a:prstGeom>
+          <a:solidFill>
+            <a:srgbClr val="6AA84F"/>
+          </a:solidFill>
+          <a:ln w="9525" cap="flat" cmpd="sng">
+            <a:solidFill>
+              <a:schemeClr val="dk2"/>
+            </a:solidFill>
+            <a:prstDash val="solid"/>
+            <a:round/>
+            <a:headEnd type="none" w="sm" len="sm"/>
+            <a:tailEnd type="none" w="sm" len="sm"/>
+          </a:ln>
+        </p:spPr>
+        <p:txBody>
+          <a:bodyPr spcFirstLastPara="1" wrap="square" lIns="91425" tIns="91425" rIns="91425" bIns="91425" anchor="ctr" anchorCtr="0">
+            <a:noAutofit/>
+          </a:bodyPr>
+          <a:lstStyle/>
+          <a:p>
+            <a:pPr marL="0" lvl="0" indent="0" algn="l" rtl="0">
+              <a:spcBef>
+                <a:spcPts val="0"/>
+              </a:spcBef>
+              <a:spcAft>
+                <a:spcPts val="0"/>
+              </a:spcAft>
+              <a:buNone/>
+            </a:pPr>
+            <a:endParaRPr/>
+          </a:p>
+        </p:txBody>
+      </p:sp>
+      <p:sp>
+        <p:nvSpPr>
+          <p:cNvPr id="120" name="Google Shape;120;p21"/>
+          <p:cNvSpPr txBox="1"/>
+          <p:nvPr/>
+        </p:nvSpPr>
+        <p:spPr>
+          <a:xfrm>
+            <a:off x="2268100" y="2217025"/>
+            <a:ext cx="1933500" cy="769500"/>
+          </a:xfrm>
+          <a:prstGeom prst="rect">
+            <a:avLst/>
+          </a:prstGeom>
+          <a:noFill/>
+          <a:ln>
+            <a:noFill/>
+          </a:ln>
+        </p:spPr>
+        <p:txBody>
+          <a:bodyPr spcFirstLastPara="1" wrap="square" lIns="91425" tIns="91425" rIns="91425" bIns="91425" anchor="t" anchorCtr="0">
+            <a:spAutoFit/>
+          </a:bodyPr>
+          <a:lstStyle/>
+          <a:p>
+            <a:pPr marL="0" lvl="0" indent="0" algn="l" rtl="0">
+              <a:spcBef>
+                <a:spcPts val="0"/>
+              </a:spcBef>
+              <a:spcAft>
+                <a:spcPts val="0"/>
+              </a:spcAft>
+              <a:buNone/>
+            </a:pPr>
+            <a:r>
+              <a:rPr lang="en" sz="1900"/>
+              <a:t>BMI CALCULATOR</a:t>
+            </a:r>
+            <a:endParaRPr sz="1900"/>
+          </a:p>
+        </p:txBody>
+      </p:sp>
+      <p:cxnSp>
+        <p:nvCxnSpPr>
+          <p:cNvPr id="121" name="Google Shape;121;p21"/>
+          <p:cNvCxnSpPr/>
+          <p:nvPr/>
+        </p:nvCxnSpPr>
+        <p:spPr>
+          <a:xfrm rot="10800000" flipH="1">
+            <a:off x="805550" y="2020125"/>
+            <a:ext cx="1140300" cy="24900"/>
+          </a:xfrm>
+          <a:prstGeom prst="straightConnector1">
+            <a:avLst/>
+          </a:prstGeom>
+          <a:noFill/>
+          <a:ln w="38100" cap="flat" cmpd="sng">
+            <a:solidFill>
+              <a:srgbClr val="1155CC"/>
+            </a:solidFill>
+            <a:prstDash val="solid"/>
+            <a:round/>
+            <a:headEnd type="none" w="med" len="med"/>
+            <a:tailEnd type="triangle" w="med" len="med"/>
+          </a:ln>
+        </p:spPr>
+      </p:cxnSp>
+      <p:cxnSp>
+        <p:nvCxnSpPr>
+          <p:cNvPr id="122" name="Google Shape;122;p21"/>
+          <p:cNvCxnSpPr/>
+          <p:nvPr/>
+        </p:nvCxnSpPr>
+        <p:spPr>
+          <a:xfrm>
+            <a:off x="855175" y="3098500"/>
+            <a:ext cx="991500" cy="0"/>
+          </a:xfrm>
+          <a:prstGeom prst="straightConnector1">
+            <a:avLst/>
+          </a:prstGeom>
+          <a:noFill/>
+          <a:ln w="38100" cap="flat" cmpd="sng">
+            <a:solidFill>
+              <a:srgbClr val="1155CC"/>
+            </a:solidFill>
+            <a:prstDash val="solid"/>
+            <a:round/>
+            <a:headEnd type="none" w="med" len="med"/>
+            <a:tailEnd type="triangle" w="med" len="med"/>
+          </a:ln>
+        </p:spPr>
+      </p:cxnSp>
+      <p:sp>
+        <p:nvSpPr>
+          <p:cNvPr id="123" name="Google Shape;123;p21"/>
+          <p:cNvSpPr txBox="1"/>
+          <p:nvPr/>
+        </p:nvSpPr>
+        <p:spPr>
+          <a:xfrm>
+            <a:off x="904750" y="1697975"/>
+            <a:ext cx="768300" cy="400200"/>
+          </a:xfrm>
+          <a:prstGeom prst="rect">
+            <a:avLst/>
+          </a:prstGeom>
+          <a:noFill/>
+          <a:ln>
+            <a:noFill/>
+          </a:ln>
+        </p:spPr>
+        <p:txBody>
+          <a:bodyPr spcFirstLastPara="1" wrap="square" lIns="91425" tIns="91425" rIns="91425" bIns="91425" anchor="t" anchorCtr="0">
+            <a:spAutoFit/>
+          </a:bodyPr>
+          <a:lstStyle/>
+          <a:p>
+            <a:pPr marL="0" lvl="0" indent="0" algn="l" rtl="0">
+              <a:spcBef>
+                <a:spcPts val="0"/>
+              </a:spcBef>
+              <a:spcAft>
+                <a:spcPts val="0"/>
+              </a:spcAft>
+              <a:buNone/>
+            </a:pPr>
+            <a:r>
+              <a:rPr lang="en">
+                <a:solidFill>
+                  <a:srgbClr val="FF00FF"/>
+                </a:solidFill>
+              </a:rPr>
+              <a:t>Height</a:t>
+            </a:r>
+            <a:endParaRPr>
+              <a:solidFill>
+                <a:srgbClr val="FF00FF"/>
+              </a:solidFill>
+            </a:endParaRPr>
+          </a:p>
+        </p:txBody>
+      </p:sp>
+      <p:sp>
+        <p:nvSpPr>
+          <p:cNvPr id="124" name="Google Shape;124;p21"/>
+          <p:cNvSpPr txBox="1"/>
+          <p:nvPr/>
+        </p:nvSpPr>
+        <p:spPr>
+          <a:xfrm>
+            <a:off x="941950" y="3098500"/>
+            <a:ext cx="904800" cy="400200"/>
+          </a:xfrm>
+          <a:prstGeom prst="rect">
+            <a:avLst/>
+          </a:prstGeom>
+          <a:noFill/>
+          <a:ln>
+            <a:noFill/>
+          </a:ln>
+        </p:spPr>
+        <p:txBody>
+          <a:bodyPr spcFirstLastPara="1" wrap="square" lIns="91425" tIns="91425" rIns="91425" bIns="91425" anchor="t" anchorCtr="0">
+            <a:spAutoFit/>
+          </a:bodyPr>
+          <a:lstStyle/>
+          <a:p>
+            <a:pPr marL="0" lvl="0" indent="0" algn="l" rtl="0">
+              <a:spcBef>
+                <a:spcPts val="0"/>
+              </a:spcBef>
+              <a:spcAft>
+                <a:spcPts val="0"/>
+              </a:spcAft>
+              <a:buNone/>
+            </a:pPr>
+            <a:r>
+              <a:rPr lang="en">
+                <a:solidFill>
+                  <a:srgbClr val="FF00FF"/>
+                </a:solidFill>
+              </a:rPr>
+              <a:t>Weight</a:t>
+            </a:r>
+            <a:endParaRPr>
+              <a:solidFill>
+                <a:srgbClr val="FF00FF"/>
+              </a:solidFill>
+            </a:endParaRPr>
+          </a:p>
+        </p:txBody>
+      </p:sp>
+      <p:cxnSp>
+        <p:nvCxnSpPr>
+          <p:cNvPr id="125" name="Google Shape;125;p21"/>
+          <p:cNvCxnSpPr/>
+          <p:nvPr/>
+        </p:nvCxnSpPr>
+        <p:spPr>
+          <a:xfrm rot="10800000" flipH="1">
+            <a:off x="4288250" y="2640050"/>
+            <a:ext cx="1338600" cy="12300"/>
+          </a:xfrm>
+          <a:prstGeom prst="straightConnector1">
+            <a:avLst/>
+          </a:prstGeom>
+          <a:noFill/>
+          <a:ln w="38100" cap="flat" cmpd="sng">
+            <a:solidFill>
+              <a:srgbClr val="0000FF"/>
+            </a:solidFill>
+            <a:prstDash val="solid"/>
+            <a:round/>
+            <a:headEnd type="none" w="med" len="med"/>
+            <a:tailEnd type="triangle" w="med" len="med"/>
+          </a:ln>
+        </p:spPr>
+      </p:cxnSp>
+      <p:sp>
+        <p:nvSpPr>
+          <p:cNvPr id="126" name="Google Shape;126;p21"/>
+          <p:cNvSpPr txBox="1"/>
+          <p:nvPr/>
+        </p:nvSpPr>
+        <p:spPr>
+          <a:xfrm>
+            <a:off x="4399850" y="2342450"/>
+            <a:ext cx="1078200" cy="400200"/>
+          </a:xfrm>
+          <a:prstGeom prst="rect">
+            <a:avLst/>
+          </a:prstGeom>
+          <a:noFill/>
+          <a:ln>
+            <a:noFill/>
+          </a:ln>
+        </p:spPr>
+        <p:txBody>
+          <a:bodyPr spcFirstLastPara="1" wrap="square" lIns="91425" tIns="91425" rIns="91425" bIns="91425" anchor="t" anchorCtr="0">
+            <a:spAutoFit/>
+          </a:bodyPr>
+          <a:lstStyle/>
+          <a:p>
+            <a:pPr marL="0" lvl="0" indent="0" algn="l" rtl="0">
+              <a:spcBef>
+                <a:spcPts val="0"/>
+              </a:spcBef>
+              <a:spcAft>
+                <a:spcPts val="0"/>
+              </a:spcAft>
+              <a:buNone/>
+            </a:pPr>
+            <a:r>
+              <a:rPr lang="en">
+                <a:solidFill>
+                  <a:srgbClr val="FF00FF"/>
+                </a:solidFill>
+              </a:rPr>
+              <a:t>Assess</a:t>
+            </a:r>
+            <a:endParaRPr>
+              <a:solidFill>
+                <a:srgbClr val="FF00FF"/>
+              </a:solidFill>
+            </a:endParaRPr>
+          </a:p>
+        </p:txBody>
+      </p:sp>
+      <p:sp>
+        <p:nvSpPr>
+          <p:cNvPr id="127" name="Google Shape;127;p21"/>
+          <p:cNvSpPr/>
+          <p:nvPr/>
+        </p:nvSpPr>
+        <p:spPr>
+          <a:xfrm>
+            <a:off x="5738400" y="1722775"/>
+            <a:ext cx="2516100" cy="1933500"/>
+          </a:xfrm>
+          <a:prstGeom prst="roundRect">
+            <a:avLst>
+              <a:gd name="adj" fmla="val 16667"/>
+            </a:avLst>
+          </a:prstGeom>
+          <a:solidFill>
+            <a:srgbClr val="6AA84F"/>
+          </a:solidFill>
+          <a:ln w="9525" cap="flat" cmpd="sng">
+            <a:solidFill>
+              <a:schemeClr val="dk2"/>
+            </a:solidFill>
+            <a:prstDash val="solid"/>
+            <a:round/>
+            <a:headEnd type="none" w="sm" len="sm"/>
+            <a:tailEnd type="none" w="sm" len="sm"/>
+          </a:ln>
+        </p:spPr>
+        <p:txBody>
+          <a:bodyPr spcFirstLastPara="1" wrap="square" lIns="91425" tIns="91425" rIns="91425" bIns="91425" anchor="ctr" anchorCtr="0">
+            <a:noAutofit/>
+          </a:bodyPr>
+          <a:lstStyle/>
+          <a:p>
+            <a:pPr marL="0" lvl="0" indent="0" algn="l" rtl="0">
+              <a:spcBef>
+                <a:spcPts val="0"/>
+              </a:spcBef>
+              <a:spcAft>
+                <a:spcPts val="0"/>
+              </a:spcAft>
+              <a:buNone/>
+            </a:pPr>
+            <a:endParaRPr/>
+          </a:p>
+        </p:txBody>
+      </p:sp>
+      <p:sp>
+        <p:nvSpPr>
+          <p:cNvPr id="128" name="Google Shape;128;p21"/>
+          <p:cNvSpPr txBox="1"/>
+          <p:nvPr/>
+        </p:nvSpPr>
+        <p:spPr>
+          <a:xfrm>
+            <a:off x="6135025" y="2082200"/>
+            <a:ext cx="2119500" cy="1046700"/>
+          </a:xfrm>
+          <a:prstGeom prst="rect">
+            <a:avLst/>
+          </a:prstGeom>
+          <a:noFill/>
+          <a:ln>
+            <a:noFill/>
+          </a:ln>
+        </p:spPr>
+        <p:txBody>
+          <a:bodyPr spcFirstLastPara="1" wrap="square" lIns="91425" tIns="91425" rIns="91425" bIns="91425" anchor="t" anchorCtr="0">
+            <a:spAutoFit/>
+          </a:bodyPr>
+          <a:lstStyle/>
+          <a:p>
+            <a:pPr marL="0" lvl="0" indent="0" algn="l" rtl="0">
+              <a:spcBef>
+                <a:spcPts val="0"/>
+              </a:spcBef>
+              <a:spcAft>
+                <a:spcPts val="0"/>
+              </a:spcAft>
+              <a:buNone/>
+            </a:pPr>
+            <a:r>
+              <a:rPr lang="en" b="1" i="1"/>
+              <a:t>WE WILL PROVIDE REPORTS AND PERSONALIZED RECOMMENDATIONS</a:t>
+            </a:r>
+            <a:endParaRPr b="1" i="1"/>
+          </a:p>
+        </p:txBody>
+      </p:sp>
+    </p:spTree>
+  </p:cSld>
+  <p:clrMapOvr>
+    <a:masterClrMapping/>
+  </p:clrMapOvr>
+</p:sld>
+</file>
+
+<file path=ppt/slides/slide11.xml><?xml version="1.0" encoding="utf-8"?>
+<p:sld xmlns:a="http://schemas.openxmlformats.org/drawingml/2006/main" xmlns:r="http://schemas.openxmlformats.org/officeDocument/2006/relationships" xmlns:p="http://schemas.openxmlformats.org/presentationml/2006/main">
+  <p:cSld>
+    <p:spTree>
+      <p:nvGrpSpPr>
         <p:cNvPr id="1" name="Shape 132"/>
         <p:cNvGrpSpPr/>
         <p:nvPr/>
@@ -7669,7 +8196,7 @@
 </p:sld>
 </file>
 
-<file path=ppt/slides/slide11.xml><?xml version="1.0" encoding="utf-8"?>
+<file path=ppt/slides/slide12.xml><?xml version="1.0" encoding="utf-8"?>
 <p:sld xmlns:a="http://schemas.openxmlformats.org/drawingml/2006/main" xmlns:r="http://schemas.openxmlformats.org/officeDocument/2006/relationships" xmlns:p="http://schemas.openxmlformats.org/presentationml/2006/main">
   <p:cSld>
     <p:spTree>
@@ -7868,7 +8395,7 @@
 </p:sld>
 </file>
 
-<file path=ppt/slides/slide12.xml><?xml version="1.0" encoding="utf-8"?>
+<file path=ppt/slides/slide13.xml><?xml version="1.0" encoding="utf-8"?>
 <p:sld xmlns:a="http://schemas.openxmlformats.org/drawingml/2006/main" xmlns:r="http://schemas.openxmlformats.org/officeDocument/2006/relationships" xmlns:p="http://schemas.openxmlformats.org/presentationml/2006/main">
   <p:cSld>
     <p:spTree>
@@ -8055,7 +8582,7 @@
 </p:sld>
 </file>
 
-<file path=ppt/slides/slide13.xml><?xml version="1.0" encoding="utf-8"?>
+<file path=ppt/slides/slide14.xml><?xml version="1.0" encoding="utf-8"?>
 <p:sld xmlns:a="http://schemas.openxmlformats.org/drawingml/2006/main" xmlns:r="http://schemas.openxmlformats.org/officeDocument/2006/relationships" xmlns:p="http://schemas.openxmlformats.org/presentationml/2006/main">
   <p:cSld>
     <p:spTree>
@@ -8280,7 +8807,7 @@
 </p:sld>
 </file>
 
-<file path=ppt/slides/slide14.xml><?xml version="1.0" encoding="utf-8"?>
+<file path=ppt/slides/slide15.xml><?xml version="1.0" encoding="utf-8"?>
 <p:sld xmlns:a="http://schemas.openxmlformats.org/drawingml/2006/main" xmlns:r="http://schemas.openxmlformats.org/officeDocument/2006/relationships" xmlns:p="http://schemas.openxmlformats.org/presentationml/2006/main">
   <p:cSld>
     <p:spTree>
@@ -8565,7 +9092,82 @@
 </p:sld>
 </file>
 
-<file path=ppt/slides/slide15.xml><?xml version="1.0" encoding="utf-8"?>
+<file path=ppt/slides/slide16.xml><?xml version="1.0" encoding="utf-8"?>
+<p:sld xmlns:a="http://schemas.openxmlformats.org/drawingml/2006/main" xmlns:r="http://schemas.openxmlformats.org/officeDocument/2006/relationships" xmlns:p="http://schemas.openxmlformats.org/presentationml/2006/main">
+  <p:cSld>
+    <p:spTree>
+      <p:nvGrpSpPr>
+        <p:cNvPr id="1" name=""/>
+        <p:cNvGrpSpPr/>
+        <p:nvPr/>
+      </p:nvGrpSpPr>
+      <p:grpSpPr>
+        <a:xfrm>
+          <a:off x="0" y="0"/>
+          <a:ext cx="0" cy="0"/>
+          <a:chOff x="0" y="0"/>
+          <a:chExt cx="0" cy="0"/>
+        </a:xfrm>
+      </p:grpSpPr>
+      <p:sp>
+        <p:nvSpPr>
+          <p:cNvPr id="2" name="Title 1"/>
+          <p:cNvSpPr>
+            <a:spLocks noGrp="1"/>
+          </p:cNvSpPr>
+          <p:nvPr>
+            <p:ph type="title"/>
+          </p:nvPr>
+        </p:nvSpPr>
+        <p:spPr/>
+        <p:txBody>
+          <a:bodyPr>
+            <a:normAutofit fontScale="90000"/>
+          </a:bodyPr>
+          <a:lstStyle/>
+          <a:p>
+            <a:r>
+              <a:rPr lang="en-IN" dirty="0" smtClean="0"/>
+              <a:t>LINK TO OUR PROTOTYPE VIDEO</a:t>
+            </a:r>
+            <a:endParaRPr lang="en-US" dirty="0"/>
+          </a:p>
+        </p:txBody>
+      </p:sp>
+      <p:sp>
+        <p:nvSpPr>
+          <p:cNvPr id="3" name="Text Placeholder 2"/>
+          <p:cNvSpPr>
+            <a:spLocks noGrp="1"/>
+          </p:cNvSpPr>
+          <p:nvPr>
+            <p:ph type="body" idx="1"/>
+          </p:nvPr>
+        </p:nvSpPr>
+        <p:spPr/>
+        <p:txBody>
+          <a:bodyPr/>
+          <a:lstStyle/>
+          <a:p>
+            <a:r>
+              <a:rPr lang="en-US" dirty="0" smtClean="0">
+                <a:hlinkClick r:id="rId2"/>
+              </a:rPr>
+              <a:t>https://drive.google.com/file/d/1jfU7cCAZRWTtZwUQdU-QdHGYeXqVxnNC/view?usp=sharing</a:t>
+            </a:r>
+            <a:endParaRPr lang="en-US" dirty="0"/>
+          </a:p>
+        </p:txBody>
+      </p:sp>
+    </p:spTree>
+  </p:cSld>
+  <p:clrMapOvr>
+    <a:masterClrMapping/>
+  </p:clrMapOvr>
+</p:sld>
+</file>
+
+<file path=ppt/slides/slide17.xml><?xml version="1.0" encoding="utf-8"?>
 <p:sld xmlns:a="http://schemas.openxmlformats.org/drawingml/2006/main" xmlns:r="http://schemas.openxmlformats.org/officeDocument/2006/relationships" xmlns:p="http://schemas.openxmlformats.org/presentationml/2006/main">
   <p:cSld>
     <p:spTree>
@@ -9550,6 +10152,81 @@
   <p:cSld>
     <p:spTree>
       <p:nvGrpSpPr>
+        <p:cNvPr id="1" name=""/>
+        <p:cNvGrpSpPr/>
+        <p:nvPr/>
+      </p:nvGrpSpPr>
+      <p:grpSpPr>
+        <a:xfrm>
+          <a:off x="0" y="0"/>
+          <a:ext cx="0" cy="0"/>
+          <a:chOff x="0" y="0"/>
+          <a:chExt cx="0" cy="0"/>
+        </a:xfrm>
+      </p:grpSpPr>
+      <p:sp>
+        <p:nvSpPr>
+          <p:cNvPr id="2" name="Title 1"/>
+          <p:cNvSpPr>
+            <a:spLocks noGrp="1"/>
+          </p:cNvSpPr>
+          <p:nvPr>
+            <p:ph type="title"/>
+          </p:nvPr>
+        </p:nvSpPr>
+        <p:spPr/>
+        <p:txBody>
+          <a:bodyPr>
+            <a:normAutofit fontScale="90000"/>
+          </a:bodyPr>
+          <a:lstStyle/>
+          <a:p>
+            <a:r>
+              <a:rPr lang="en-IN" dirty="0" smtClean="0"/>
+              <a:t>LINK TO OUR PROTOTYPE VIDEO</a:t>
+            </a:r>
+            <a:endParaRPr lang="en-US" dirty="0"/>
+          </a:p>
+        </p:txBody>
+      </p:sp>
+      <p:sp>
+        <p:nvSpPr>
+          <p:cNvPr id="3" name="Text Placeholder 2"/>
+          <p:cNvSpPr>
+            <a:spLocks noGrp="1"/>
+          </p:cNvSpPr>
+          <p:nvPr>
+            <p:ph type="body" idx="1"/>
+          </p:nvPr>
+        </p:nvSpPr>
+        <p:spPr/>
+        <p:txBody>
+          <a:bodyPr/>
+          <a:lstStyle/>
+          <a:p>
+            <a:r>
+              <a:rPr lang="en-US" dirty="0" smtClean="0">
+                <a:hlinkClick r:id="rId2"/>
+              </a:rPr>
+              <a:t>https://drive.google.com/file/d/1jfU7cCAZRWTtZwUQdU-QdHGYeXqVxnNC/view?usp=sharing</a:t>
+            </a:r>
+            <a:endParaRPr lang="en-US" dirty="0"/>
+          </a:p>
+        </p:txBody>
+      </p:sp>
+    </p:spTree>
+  </p:cSld>
+  <p:clrMapOvr>
+    <a:masterClrMapping/>
+  </p:clrMapOvr>
+</p:sld>
+</file>
+
+<file path=ppt/slides/slide5.xml><?xml version="1.0" encoding="utf-8"?>
+<p:sld xmlns:a="http://schemas.openxmlformats.org/drawingml/2006/main" xmlns:r="http://schemas.openxmlformats.org/officeDocument/2006/relationships" xmlns:p="http://schemas.openxmlformats.org/presentationml/2006/main">
+  <p:cSld>
+    <p:spTree>
+      <p:nvGrpSpPr>
         <p:cNvPr id="1" name="Shape 78"/>
         <p:cNvGrpSpPr/>
         <p:nvPr/>
@@ -9636,7 +10313,7 @@
 </p:sld>
 </file>
 
-<file path=ppt/slides/slide5.xml><?xml version="1.0" encoding="utf-8"?>
+<file path=ppt/slides/slide6.xml><?xml version="1.0" encoding="utf-8"?>
 <p:sld xmlns:a="http://schemas.openxmlformats.org/drawingml/2006/main" xmlns:r="http://schemas.openxmlformats.org/officeDocument/2006/relationships" xmlns:p="http://schemas.openxmlformats.org/presentationml/2006/main">
   <p:cSld>
     <p:spTree>
@@ -9975,7 +10652,7 @@
 </p:sld>
 </file>
 
-<file path=ppt/slides/slide6.xml><?xml version="1.0" encoding="utf-8"?>
+<file path=ppt/slides/slide7.xml><?xml version="1.0" encoding="utf-8"?>
 <p:sld xmlns:a="http://schemas.openxmlformats.org/drawingml/2006/main" xmlns:r="http://schemas.openxmlformats.org/officeDocument/2006/relationships" xmlns:p="http://schemas.openxmlformats.org/presentationml/2006/main">
   <p:cSld>
     <p:spTree>
@@ -10116,7 +10793,7 @@
 </p:sld>
 </file>
 
-<file path=ppt/slides/slide7.xml><?xml version="1.0" encoding="utf-8"?>
+<file path=ppt/slides/slide8.xml><?xml version="1.0" encoding="utf-8"?>
 <p:sld xmlns:a="http://schemas.openxmlformats.org/drawingml/2006/main" xmlns:r="http://schemas.openxmlformats.org/officeDocument/2006/relationships" xmlns:p="http://schemas.openxmlformats.org/presentationml/2006/main">
   <p:cSld>
     <p:spTree>
@@ -10215,7 +10892,7 @@
 </p:sld>
 </file>
 
-<file path=ppt/slides/slide8.xml><?xml version="1.0" encoding="utf-8"?>
+<file path=ppt/slides/slide9.xml><?xml version="1.0" encoding="utf-8"?>
 <p:sld xmlns:a="http://schemas.openxmlformats.org/drawingml/2006/main" xmlns:r="http://schemas.openxmlformats.org/officeDocument/2006/relationships" xmlns:p="http://schemas.openxmlformats.org/presentationml/2006/main">
   <p:cSld>
     <p:spTree>
@@ -10470,531 +11147,6 @@
           </a:ln>
         </p:spPr>
       </p:pic>
-    </p:spTree>
-  </p:cSld>
-  <p:clrMapOvr>
-    <a:masterClrMapping/>
-  </p:clrMapOvr>
-</p:sld>
-</file>
-
-<file path=ppt/slides/slide9.xml><?xml version="1.0" encoding="utf-8"?>
-<p:sld xmlns:a="http://schemas.openxmlformats.org/drawingml/2006/main" xmlns:r="http://schemas.openxmlformats.org/officeDocument/2006/relationships" xmlns:p="http://schemas.openxmlformats.org/presentationml/2006/main">
-  <p:cSld>
-    <p:spTree>
-      <p:nvGrpSpPr>
-        <p:cNvPr id="1" name="Shape 116"/>
-        <p:cNvGrpSpPr/>
-        <p:nvPr/>
-      </p:nvGrpSpPr>
-      <p:grpSpPr>
-        <a:xfrm>
-          <a:off x="0" y="0"/>
-          <a:ext cx="0" cy="0"/>
-          <a:chOff x="0" y="0"/>
-          <a:chExt cx="0" cy="0"/>
-        </a:xfrm>
-      </p:grpSpPr>
-      <p:sp>
-        <p:nvSpPr>
-          <p:cNvPr id="117" name="Google Shape;117;p21"/>
-          <p:cNvSpPr txBox="1">
-            <a:spLocks noGrp="1"/>
-          </p:cNvSpPr>
-          <p:nvPr>
-            <p:ph type="title"/>
-          </p:nvPr>
-        </p:nvSpPr>
-        <p:spPr>
-          <a:xfrm>
-            <a:off x="311700" y="445025"/>
-            <a:ext cx="8520600" cy="572700"/>
-          </a:xfrm>
-          <a:prstGeom prst="rect">
-            <a:avLst/>
-          </a:prstGeom>
-        </p:spPr>
-        <p:txBody>
-          <a:bodyPr spcFirstLastPara="1" wrap="square" lIns="91425" tIns="91425" rIns="91425" bIns="91425" anchor="t" anchorCtr="0">
-            <a:normAutofit fontScale="90000"/>
-          </a:bodyPr>
-          <a:lstStyle/>
-          <a:p>
-            <a:pPr marL="0" lvl="0" indent="0" algn="l" rtl="0">
-              <a:spcBef>
-                <a:spcPts val="0"/>
-              </a:spcBef>
-              <a:spcAft>
-                <a:spcPts val="0"/>
-              </a:spcAft>
-              <a:buNone/>
-            </a:pPr>
-            <a:r>
-              <a:rPr lang="en"/>
-              <a:t>GROWTH TRACKER</a:t>
-            </a:r>
-            <a:endParaRPr/>
-          </a:p>
-        </p:txBody>
-      </p:sp>
-      <p:sp>
-        <p:nvSpPr>
-          <p:cNvPr id="118" name="Google Shape;118;p21"/>
-          <p:cNvSpPr txBox="1">
-            <a:spLocks noGrp="1"/>
-          </p:cNvSpPr>
-          <p:nvPr>
-            <p:ph type="body" idx="1"/>
-          </p:nvPr>
-        </p:nvSpPr>
-        <p:spPr>
-          <a:xfrm>
-            <a:off x="311700" y="863550"/>
-            <a:ext cx="8520600" cy="3416400"/>
-          </a:xfrm>
-          <a:prstGeom prst="rect">
-            <a:avLst/>
-          </a:prstGeom>
-        </p:spPr>
-        <p:txBody>
-          <a:bodyPr spcFirstLastPara="1" wrap="square" lIns="91425" tIns="91425" rIns="91425" bIns="91425" anchor="t" anchorCtr="0">
-            <a:normAutofit/>
-          </a:bodyPr>
-          <a:lstStyle/>
-          <a:p>
-            <a:pPr marL="0" lvl="0" indent="0" algn="l" rtl="0">
-              <a:spcBef>
-                <a:spcPts val="0"/>
-              </a:spcBef>
-              <a:spcAft>
-                <a:spcPts val="1200"/>
-              </a:spcAft>
-              <a:buNone/>
-            </a:pPr>
-            <a:r>
-              <a:rPr lang="en">
-                <a:solidFill>
-                  <a:srgbClr val="00FFFF"/>
-                </a:solidFill>
-              </a:rPr>
-              <a:t>Helps to identify your kid’s health status- underweight,overweight or normal weight</a:t>
-            </a:r>
-            <a:endParaRPr>
-              <a:solidFill>
-                <a:srgbClr val="00FFFF"/>
-              </a:solidFill>
-            </a:endParaRPr>
-          </a:p>
-        </p:txBody>
-      </p:sp>
-      <p:sp>
-        <p:nvSpPr>
-          <p:cNvPr id="119" name="Google Shape;119;p21"/>
-          <p:cNvSpPr/>
-          <p:nvPr/>
-        </p:nvSpPr>
-        <p:spPr>
-          <a:xfrm>
-            <a:off x="1945850" y="1648400"/>
-            <a:ext cx="2342400" cy="2007900"/>
-          </a:xfrm>
-          <a:prstGeom prst="roundRect">
-            <a:avLst>
-              <a:gd name="adj" fmla="val 16667"/>
-            </a:avLst>
-          </a:prstGeom>
-          <a:solidFill>
-            <a:srgbClr val="6AA84F"/>
-          </a:solidFill>
-          <a:ln w="9525" cap="flat" cmpd="sng">
-            <a:solidFill>
-              <a:schemeClr val="dk2"/>
-            </a:solidFill>
-            <a:prstDash val="solid"/>
-            <a:round/>
-            <a:headEnd type="none" w="sm" len="sm"/>
-            <a:tailEnd type="none" w="sm" len="sm"/>
-          </a:ln>
-        </p:spPr>
-        <p:txBody>
-          <a:bodyPr spcFirstLastPara="1" wrap="square" lIns="91425" tIns="91425" rIns="91425" bIns="91425" anchor="ctr" anchorCtr="0">
-            <a:noAutofit/>
-          </a:bodyPr>
-          <a:lstStyle/>
-          <a:p>
-            <a:pPr marL="0" lvl="0" indent="0" algn="l" rtl="0">
-              <a:spcBef>
-                <a:spcPts val="0"/>
-              </a:spcBef>
-              <a:spcAft>
-                <a:spcPts val="0"/>
-              </a:spcAft>
-              <a:buNone/>
-            </a:pPr>
-            <a:endParaRPr/>
-          </a:p>
-        </p:txBody>
-      </p:sp>
-      <p:sp>
-        <p:nvSpPr>
-          <p:cNvPr id="120" name="Google Shape;120;p21"/>
-          <p:cNvSpPr txBox="1"/>
-          <p:nvPr/>
-        </p:nvSpPr>
-        <p:spPr>
-          <a:xfrm>
-            <a:off x="2268100" y="2217025"/>
-            <a:ext cx="1933500" cy="769500"/>
-          </a:xfrm>
-          <a:prstGeom prst="rect">
-            <a:avLst/>
-          </a:prstGeom>
-          <a:noFill/>
-          <a:ln>
-            <a:noFill/>
-          </a:ln>
-        </p:spPr>
-        <p:txBody>
-          <a:bodyPr spcFirstLastPara="1" wrap="square" lIns="91425" tIns="91425" rIns="91425" bIns="91425" anchor="t" anchorCtr="0">
-            <a:spAutoFit/>
-          </a:bodyPr>
-          <a:lstStyle/>
-          <a:p>
-            <a:pPr marL="0" lvl="0" indent="0" algn="l" rtl="0">
-              <a:spcBef>
-                <a:spcPts val="0"/>
-              </a:spcBef>
-              <a:spcAft>
-                <a:spcPts val="0"/>
-              </a:spcAft>
-              <a:buNone/>
-            </a:pPr>
-            <a:r>
-              <a:rPr lang="en" sz="1900"/>
-              <a:t>BMI CALCULATOR</a:t>
-            </a:r>
-            <a:endParaRPr sz="1900"/>
-          </a:p>
-        </p:txBody>
-      </p:sp>
-      <p:cxnSp>
-        <p:nvCxnSpPr>
-          <p:cNvPr id="121" name="Google Shape;121;p21"/>
-          <p:cNvCxnSpPr/>
-          <p:nvPr/>
-        </p:nvCxnSpPr>
-        <p:spPr>
-          <a:xfrm rot="10800000" flipH="1">
-            <a:off x="805550" y="2020125"/>
-            <a:ext cx="1140300" cy="24900"/>
-          </a:xfrm>
-          <a:prstGeom prst="straightConnector1">
-            <a:avLst/>
-          </a:prstGeom>
-          <a:noFill/>
-          <a:ln w="38100" cap="flat" cmpd="sng">
-            <a:solidFill>
-              <a:srgbClr val="1155CC"/>
-            </a:solidFill>
-            <a:prstDash val="solid"/>
-            <a:round/>
-            <a:headEnd type="none" w="med" len="med"/>
-            <a:tailEnd type="triangle" w="med" len="med"/>
-          </a:ln>
-        </p:spPr>
-      </p:cxnSp>
-      <p:cxnSp>
-        <p:nvCxnSpPr>
-          <p:cNvPr id="122" name="Google Shape;122;p21"/>
-          <p:cNvCxnSpPr/>
-          <p:nvPr/>
-        </p:nvCxnSpPr>
-        <p:spPr>
-          <a:xfrm>
-            <a:off x="855175" y="3098500"/>
-            <a:ext cx="991500" cy="0"/>
-          </a:xfrm>
-          <a:prstGeom prst="straightConnector1">
-            <a:avLst/>
-          </a:prstGeom>
-          <a:noFill/>
-          <a:ln w="38100" cap="flat" cmpd="sng">
-            <a:solidFill>
-              <a:srgbClr val="1155CC"/>
-            </a:solidFill>
-            <a:prstDash val="solid"/>
-            <a:round/>
-            <a:headEnd type="none" w="med" len="med"/>
-            <a:tailEnd type="triangle" w="med" len="med"/>
-          </a:ln>
-        </p:spPr>
-      </p:cxnSp>
-      <p:sp>
-        <p:nvSpPr>
-          <p:cNvPr id="123" name="Google Shape;123;p21"/>
-          <p:cNvSpPr txBox="1"/>
-          <p:nvPr/>
-        </p:nvSpPr>
-        <p:spPr>
-          <a:xfrm>
-            <a:off x="904750" y="1697975"/>
-            <a:ext cx="768300" cy="400200"/>
-          </a:xfrm>
-          <a:prstGeom prst="rect">
-            <a:avLst/>
-          </a:prstGeom>
-          <a:noFill/>
-          <a:ln>
-            <a:noFill/>
-          </a:ln>
-        </p:spPr>
-        <p:txBody>
-          <a:bodyPr spcFirstLastPara="1" wrap="square" lIns="91425" tIns="91425" rIns="91425" bIns="91425" anchor="t" anchorCtr="0">
-            <a:spAutoFit/>
-          </a:bodyPr>
-          <a:lstStyle/>
-          <a:p>
-            <a:pPr marL="0" lvl="0" indent="0" algn="l" rtl="0">
-              <a:spcBef>
-                <a:spcPts val="0"/>
-              </a:spcBef>
-              <a:spcAft>
-                <a:spcPts val="0"/>
-              </a:spcAft>
-              <a:buNone/>
-            </a:pPr>
-            <a:r>
-              <a:rPr lang="en">
-                <a:solidFill>
-                  <a:srgbClr val="FF00FF"/>
-                </a:solidFill>
-              </a:rPr>
-              <a:t>Height</a:t>
-            </a:r>
-            <a:endParaRPr>
-              <a:solidFill>
-                <a:srgbClr val="FF00FF"/>
-              </a:solidFill>
-            </a:endParaRPr>
-          </a:p>
-        </p:txBody>
-      </p:sp>
-      <p:sp>
-        <p:nvSpPr>
-          <p:cNvPr id="124" name="Google Shape;124;p21"/>
-          <p:cNvSpPr txBox="1"/>
-          <p:nvPr/>
-        </p:nvSpPr>
-        <p:spPr>
-          <a:xfrm>
-            <a:off x="941950" y="3098500"/>
-            <a:ext cx="904800" cy="400200"/>
-          </a:xfrm>
-          <a:prstGeom prst="rect">
-            <a:avLst/>
-          </a:prstGeom>
-          <a:noFill/>
-          <a:ln>
-            <a:noFill/>
-          </a:ln>
-        </p:spPr>
-        <p:txBody>
-          <a:bodyPr spcFirstLastPara="1" wrap="square" lIns="91425" tIns="91425" rIns="91425" bIns="91425" anchor="t" anchorCtr="0">
-            <a:spAutoFit/>
-          </a:bodyPr>
-          <a:lstStyle/>
-          <a:p>
-            <a:pPr marL="0" lvl="0" indent="0" algn="l" rtl="0">
-              <a:spcBef>
-                <a:spcPts val="0"/>
-              </a:spcBef>
-              <a:spcAft>
-                <a:spcPts val="0"/>
-              </a:spcAft>
-              <a:buNone/>
-            </a:pPr>
-            <a:r>
-              <a:rPr lang="en">
-                <a:solidFill>
-                  <a:srgbClr val="FF00FF"/>
-                </a:solidFill>
-              </a:rPr>
-              <a:t>Weight</a:t>
-            </a:r>
-            <a:endParaRPr>
-              <a:solidFill>
-                <a:srgbClr val="FF00FF"/>
-              </a:solidFill>
-            </a:endParaRPr>
-          </a:p>
-        </p:txBody>
-      </p:sp>
-      <p:cxnSp>
-        <p:nvCxnSpPr>
-          <p:cNvPr id="125" name="Google Shape;125;p21"/>
-          <p:cNvCxnSpPr/>
-          <p:nvPr/>
-        </p:nvCxnSpPr>
-        <p:spPr>
-          <a:xfrm rot="10800000" flipH="1">
-            <a:off x="4288250" y="2640050"/>
-            <a:ext cx="1338600" cy="12300"/>
-          </a:xfrm>
-          <a:prstGeom prst="straightConnector1">
-            <a:avLst/>
-          </a:prstGeom>
-          <a:noFill/>
-          <a:ln w="38100" cap="flat" cmpd="sng">
-            <a:solidFill>
-              <a:srgbClr val="0000FF"/>
-            </a:solidFill>
-            <a:prstDash val="solid"/>
-            <a:round/>
-            <a:headEnd type="none" w="med" len="med"/>
-            <a:tailEnd type="triangle" w="med" len="med"/>
-          </a:ln>
-        </p:spPr>
-      </p:cxnSp>
-      <p:sp>
-        <p:nvSpPr>
-          <p:cNvPr id="126" name="Google Shape;126;p21"/>
-          <p:cNvSpPr txBox="1"/>
-          <p:nvPr/>
-        </p:nvSpPr>
-        <p:spPr>
-          <a:xfrm>
-            <a:off x="4399850" y="2342450"/>
-            <a:ext cx="1078200" cy="400200"/>
-          </a:xfrm>
-          <a:prstGeom prst="rect">
-            <a:avLst/>
-          </a:prstGeom>
-          <a:noFill/>
-          <a:ln>
-            <a:noFill/>
-          </a:ln>
-        </p:spPr>
-        <p:txBody>
-          <a:bodyPr spcFirstLastPara="1" wrap="square" lIns="91425" tIns="91425" rIns="91425" bIns="91425" anchor="t" anchorCtr="0">
-            <a:spAutoFit/>
-          </a:bodyPr>
-          <a:lstStyle/>
-          <a:p>
-            <a:pPr marL="0" lvl="0" indent="0" algn="l" rtl="0">
-              <a:spcBef>
-                <a:spcPts val="0"/>
-              </a:spcBef>
-              <a:spcAft>
-                <a:spcPts val="0"/>
-              </a:spcAft>
-              <a:buNone/>
-            </a:pPr>
-            <a:r>
-              <a:rPr lang="en">
-                <a:solidFill>
-                  <a:srgbClr val="FF00FF"/>
-                </a:solidFill>
-              </a:rPr>
-              <a:t>Assess</a:t>
-            </a:r>
-            <a:endParaRPr>
-              <a:solidFill>
-                <a:srgbClr val="FF00FF"/>
-              </a:solidFill>
-            </a:endParaRPr>
-          </a:p>
-        </p:txBody>
-      </p:sp>
-      <p:sp>
-        <p:nvSpPr>
-          <p:cNvPr id="127" name="Google Shape;127;p21"/>
-          <p:cNvSpPr/>
-          <p:nvPr/>
-        </p:nvSpPr>
-        <p:spPr>
-          <a:xfrm>
-            <a:off x="5738400" y="1722775"/>
-            <a:ext cx="2516100" cy="1933500"/>
-          </a:xfrm>
-          <a:prstGeom prst="roundRect">
-            <a:avLst>
-              <a:gd name="adj" fmla="val 16667"/>
-            </a:avLst>
-          </a:prstGeom>
-          <a:solidFill>
-            <a:srgbClr val="6AA84F"/>
-          </a:solidFill>
-          <a:ln w="9525" cap="flat" cmpd="sng">
-            <a:solidFill>
-              <a:schemeClr val="dk2"/>
-            </a:solidFill>
-            <a:prstDash val="solid"/>
-            <a:round/>
-            <a:headEnd type="none" w="sm" len="sm"/>
-            <a:tailEnd type="none" w="sm" len="sm"/>
-          </a:ln>
-        </p:spPr>
-        <p:txBody>
-          <a:bodyPr spcFirstLastPara="1" wrap="square" lIns="91425" tIns="91425" rIns="91425" bIns="91425" anchor="ctr" anchorCtr="0">
-            <a:noAutofit/>
-          </a:bodyPr>
-          <a:lstStyle/>
-          <a:p>
-            <a:pPr marL="0" lvl="0" indent="0" algn="l" rtl="0">
-              <a:spcBef>
-                <a:spcPts val="0"/>
-              </a:spcBef>
-              <a:spcAft>
-                <a:spcPts val="0"/>
-              </a:spcAft>
-              <a:buNone/>
-            </a:pPr>
-            <a:endParaRPr/>
-          </a:p>
-        </p:txBody>
-      </p:sp>
-      <p:sp>
-        <p:nvSpPr>
-          <p:cNvPr id="128" name="Google Shape;128;p21"/>
-          <p:cNvSpPr txBox="1"/>
-          <p:nvPr/>
-        </p:nvSpPr>
-        <p:spPr>
-          <a:xfrm>
-            <a:off x="6135025" y="2082200"/>
-            <a:ext cx="2119500" cy="1046700"/>
-          </a:xfrm>
-          <a:prstGeom prst="rect">
-            <a:avLst/>
-          </a:prstGeom>
-          <a:noFill/>
-          <a:ln>
-            <a:noFill/>
-          </a:ln>
-        </p:spPr>
-        <p:txBody>
-          <a:bodyPr spcFirstLastPara="1" wrap="square" lIns="91425" tIns="91425" rIns="91425" bIns="91425" anchor="t" anchorCtr="0">
-            <a:spAutoFit/>
-          </a:bodyPr>
-          <a:lstStyle/>
-          <a:p>
-            <a:pPr marL="0" lvl="0" indent="0" algn="l" rtl="0">
-              <a:spcBef>
-                <a:spcPts val="0"/>
-              </a:spcBef>
-              <a:spcAft>
-                <a:spcPts val="0"/>
-              </a:spcAft>
-              <a:buNone/>
-            </a:pPr>
-            <a:r>
-              <a:rPr lang="en" b="1" i="1"/>
-              <a:t>WE WILL PROVIDE REPORTS AND PERSONALIZED RECOMMENDATIONS</a:t>
-            </a:r>
-            <a:endParaRPr b="1" i="1"/>
-          </a:p>
-        </p:txBody>
-      </p:sp>
     </p:spTree>
   </p:cSld>
   <p:clrMapOvr>
